--- a/B-Tree/Seminário - Árvore B.pptx
+++ b/B-Tree/Seminário - Árvore B.pptx
@@ -1,59 +1,73 @@
 
 <file path=ppt/presentation.xml><?xml version="1.0" encoding="utf-8"?>
-<p:presentation xmlns:a="http://schemas.openxmlformats.org/drawingml/2006/main" xmlns:r="http://schemas.openxmlformats.org/officeDocument/2006/relationships" xmlns:mc="http://schemas.openxmlformats.org/markup-compatibility/2006" xmlns:mv="urn:schemas-microsoft-com:mac:vml" xmlns:p="http://schemas.openxmlformats.org/presentationml/2006/main" xmlns:c="http://schemas.openxmlformats.org/drawingml/2006/chart" xmlns:dgm="http://schemas.openxmlformats.org/drawingml/2006/diagram" xmlns:o="urn:schemas-microsoft-com:office:office" xmlns:v="urn:schemas-microsoft-com:vml" xmlns:pvml="urn:schemas-microsoft-com:office:powerpoint" xmlns:com="http://schemas.openxmlformats.org/drawingml/2006/compatibility" xmlns:p14="http://schemas.microsoft.com/office/powerpoint/2010/main" xmlns:p15="http://schemas.microsoft.com/office/powerpoint/2012/main" autoCompressPictures="0" embedTrueTypeFonts="1" strictFirstAndLastChars="0" saveSubsetFonts="1">
+<p:presentation xmlns:a="http://schemas.openxmlformats.org/drawingml/2006/main" xmlns:r="http://schemas.openxmlformats.org/officeDocument/2006/relationships" xmlns:p="http://schemas.openxmlformats.org/presentationml/2006/main" strictFirstAndLastChars="0" embedTrueTypeFonts="1" saveSubsetFonts="1" autoCompressPictures="0">
   <p:sldMasterIdLst>
-    <p:sldMasterId id="2147483648" r:id="rId3"/>
+    <p:sldMasterId id="2147483648" r:id="rId1"/>
   </p:sldMasterIdLst>
   <p:notesMasterIdLst>
-    <p:notesMasterId r:id="rId4"/>
+    <p:notesMasterId r:id="rId13"/>
   </p:notesMasterIdLst>
   <p:sldIdLst>
-    <p:sldId id="256" r:id="rId5"/>
-    <p:sldId id="257" r:id="rId6"/>
-    <p:sldId id="258" r:id="rId7"/>
-    <p:sldId id="259" r:id="rId8"/>
-    <p:sldId id="260" r:id="rId9"/>
-    <p:sldId id="261" r:id="rId10"/>
-    <p:sldId id="262" r:id="rId11"/>
-    <p:sldId id="263" r:id="rId12"/>
-    <p:sldId id="264" r:id="rId13"/>
-    <p:sldId id="265" r:id="rId14"/>
-    <p:sldId id="266" r:id="rId15"/>
+    <p:sldId id="256" r:id="rId2"/>
+    <p:sldId id="257" r:id="rId3"/>
+    <p:sldId id="258" r:id="rId4"/>
+    <p:sldId id="259" r:id="rId5"/>
+    <p:sldId id="260" r:id="rId6"/>
+    <p:sldId id="261" r:id="rId7"/>
+    <p:sldId id="262" r:id="rId8"/>
+    <p:sldId id="263" r:id="rId9"/>
+    <p:sldId id="264" r:id="rId10"/>
+    <p:sldId id="265" r:id="rId11"/>
+    <p:sldId id="266" r:id="rId12"/>
   </p:sldIdLst>
-  <p:sldSz cy="9753600" cx="13004800"/>
+  <p:sldSz cx="13004800" cy="9753600"/>
   <p:notesSz cx="6858000" cy="9144000"/>
   <p:embeddedFontLst>
     <p:embeddedFont>
-      <p:font typeface="Arial Narrow"/>
-      <p:regular r:id="rId16"/>
-      <p:bold r:id="rId17"/>
-      <p:italic r:id="rId18"/>
-      <p:boldItalic r:id="rId19"/>
+      <p:font typeface="Arial Narrow" panose="020B0606020202030204" pitchFamily="34" charset="0"/>
+      <p:regular r:id="rId14"/>
+      <p:bold r:id="rId15"/>
+      <p:italic r:id="rId16"/>
+      <p:boldItalic r:id="rId17"/>
     </p:embeddedFont>
     <p:embeddedFont>
-      <p:font typeface="Source Code Pro"/>
-      <p:regular r:id="rId20"/>
-      <p:bold r:id="rId21"/>
-      <p:italic r:id="rId22"/>
-      <p:boldItalic r:id="rId23"/>
+      <p:font typeface="Calibri" panose="020F0502020204030204" pitchFamily="34" charset="0"/>
+      <p:regular r:id="rId18"/>
+      <p:bold r:id="rId19"/>
+      <p:italic r:id="rId20"/>
+      <p:boldItalic r:id="rId21"/>
     </p:embeddedFont>
     <p:embeddedFont>
-      <p:font typeface="Helvetica Neue"/>
-      <p:regular r:id="rId24"/>
-      <p:bold r:id="rId25"/>
-      <p:italic r:id="rId26"/>
-      <p:boldItalic r:id="rId27"/>
+      <p:font typeface="Helvetica Neue" panose="020B0604020202020204" charset="0"/>
+      <p:regular r:id="rId22"/>
+      <p:bold r:id="rId23"/>
+      <p:italic r:id="rId24"/>
+      <p:boldItalic r:id="rId25"/>
     </p:embeddedFont>
     <p:embeddedFont>
-      <p:font typeface="Helvetica Neue Light"/>
-      <p:regular r:id="rId28"/>
-      <p:bold r:id="rId29"/>
-      <p:italic r:id="rId30"/>
-      <p:boldItalic r:id="rId31"/>
+      <p:font typeface="Helvetica Neue Light" panose="020B0604020202020204" charset="0"/>
+      <p:regular r:id="rId26"/>
+      <p:bold r:id="rId27"/>
+      <p:italic r:id="rId28"/>
+      <p:boldItalic r:id="rId29"/>
+    </p:embeddedFont>
+    <p:embeddedFont>
+      <p:font typeface="Source Code Pro" panose="020B0604020202020204" charset="0"/>
+      <p:regular r:id="rId30"/>
+      <p:bold r:id="rId31"/>
+      <p:italic r:id="rId32"/>
+      <p:boldItalic r:id="rId33"/>
+    </p:embeddedFont>
+    <p:embeddedFont>
+      <p:font typeface="Trebuchet MS" panose="020B0603020202020204" pitchFamily="34" charset="0"/>
+      <p:regular r:id="rId34"/>
+      <p:bold r:id="rId35"/>
+      <p:italic r:id="rId36"/>
+      <p:boldItalic r:id="rId37"/>
     </p:embeddedFont>
   </p:embeddedFontLst>
   <p:defaultTextStyle>
-    <a:defPPr lvl="0" marR="0" rtl="0" algn="l">
+    <a:defPPr marR="0" lvl="0" algn="l" rtl="0">
       <a:lnSpc>
         <a:spcPct val="100000"/>
       </a:lnSpc>
@@ -64,7 +78,7 @@
         <a:spcPts val="0"/>
       </a:spcAft>
     </a:defPPr>
-    <a:lvl1pPr lvl="0" marR="0" rtl="0" algn="l">
+    <a:lvl1pPr marR="0" lvl="0" algn="l" rtl="0">
       <a:lnSpc>
         <a:spcPct val="100000"/>
       </a:lnSpc>
@@ -78,7 +92,7 @@
         <a:srgbClr val="000000"/>
       </a:buClr>
       <a:buFont typeface="Arial"/>
-      <a:defRPr b="0" i="0" sz="1400" u="none" cap="none" strike="noStrike">
+      <a:defRPr sz="1400" b="0" i="0" u="none" strike="noStrike" cap="none">
         <a:solidFill>
           <a:srgbClr val="000000"/>
         </a:solidFill>
@@ -88,7 +102,7 @@
         <a:sym typeface="Arial"/>
       </a:defRPr>
     </a:lvl1pPr>
-    <a:lvl2pPr lvl="1" marR="0" rtl="0" algn="l">
+    <a:lvl2pPr marR="0" lvl="1" algn="l" rtl="0">
       <a:lnSpc>
         <a:spcPct val="100000"/>
       </a:lnSpc>
@@ -102,7 +116,7 @@
         <a:srgbClr val="000000"/>
       </a:buClr>
       <a:buFont typeface="Arial"/>
-      <a:defRPr b="0" i="0" sz="1400" u="none" cap="none" strike="noStrike">
+      <a:defRPr sz="1400" b="0" i="0" u="none" strike="noStrike" cap="none">
         <a:solidFill>
           <a:srgbClr val="000000"/>
         </a:solidFill>
@@ -112,7 +126,7 @@
         <a:sym typeface="Arial"/>
       </a:defRPr>
     </a:lvl2pPr>
-    <a:lvl3pPr lvl="2" marR="0" rtl="0" algn="l">
+    <a:lvl3pPr marR="0" lvl="2" algn="l" rtl="0">
       <a:lnSpc>
         <a:spcPct val="100000"/>
       </a:lnSpc>
@@ -126,7 +140,7 @@
         <a:srgbClr val="000000"/>
       </a:buClr>
       <a:buFont typeface="Arial"/>
-      <a:defRPr b="0" i="0" sz="1400" u="none" cap="none" strike="noStrike">
+      <a:defRPr sz="1400" b="0" i="0" u="none" strike="noStrike" cap="none">
         <a:solidFill>
           <a:srgbClr val="000000"/>
         </a:solidFill>
@@ -136,7 +150,7 @@
         <a:sym typeface="Arial"/>
       </a:defRPr>
     </a:lvl3pPr>
-    <a:lvl4pPr lvl="3" marR="0" rtl="0" algn="l">
+    <a:lvl4pPr marR="0" lvl="3" algn="l" rtl="0">
       <a:lnSpc>
         <a:spcPct val="100000"/>
       </a:lnSpc>
@@ -150,7 +164,7 @@
         <a:srgbClr val="000000"/>
       </a:buClr>
       <a:buFont typeface="Arial"/>
-      <a:defRPr b="0" i="0" sz="1400" u="none" cap="none" strike="noStrike">
+      <a:defRPr sz="1400" b="0" i="0" u="none" strike="noStrike" cap="none">
         <a:solidFill>
           <a:srgbClr val="000000"/>
         </a:solidFill>
@@ -160,7 +174,7 @@
         <a:sym typeface="Arial"/>
       </a:defRPr>
     </a:lvl4pPr>
-    <a:lvl5pPr lvl="4" marR="0" rtl="0" algn="l">
+    <a:lvl5pPr marR="0" lvl="4" algn="l" rtl="0">
       <a:lnSpc>
         <a:spcPct val="100000"/>
       </a:lnSpc>
@@ -174,7 +188,7 @@
         <a:srgbClr val="000000"/>
       </a:buClr>
       <a:buFont typeface="Arial"/>
-      <a:defRPr b="0" i="0" sz="1400" u="none" cap="none" strike="noStrike">
+      <a:defRPr sz="1400" b="0" i="0" u="none" strike="noStrike" cap="none">
         <a:solidFill>
           <a:srgbClr val="000000"/>
         </a:solidFill>
@@ -184,7 +198,7 @@
         <a:sym typeface="Arial"/>
       </a:defRPr>
     </a:lvl5pPr>
-    <a:lvl6pPr lvl="5" marR="0" rtl="0" algn="l">
+    <a:lvl6pPr marR="0" lvl="5" algn="l" rtl="0">
       <a:lnSpc>
         <a:spcPct val="100000"/>
       </a:lnSpc>
@@ -198,7 +212,7 @@
         <a:srgbClr val="000000"/>
       </a:buClr>
       <a:buFont typeface="Arial"/>
-      <a:defRPr b="0" i="0" sz="1400" u="none" cap="none" strike="noStrike">
+      <a:defRPr sz="1400" b="0" i="0" u="none" strike="noStrike" cap="none">
         <a:solidFill>
           <a:srgbClr val="000000"/>
         </a:solidFill>
@@ -208,7 +222,7 @@
         <a:sym typeface="Arial"/>
       </a:defRPr>
     </a:lvl6pPr>
-    <a:lvl7pPr lvl="6" marR="0" rtl="0" algn="l">
+    <a:lvl7pPr marR="0" lvl="6" algn="l" rtl="0">
       <a:lnSpc>
         <a:spcPct val="100000"/>
       </a:lnSpc>
@@ -222,7 +236,7 @@
         <a:srgbClr val="000000"/>
       </a:buClr>
       <a:buFont typeface="Arial"/>
-      <a:defRPr b="0" i="0" sz="1400" u="none" cap="none" strike="noStrike">
+      <a:defRPr sz="1400" b="0" i="0" u="none" strike="noStrike" cap="none">
         <a:solidFill>
           <a:srgbClr val="000000"/>
         </a:solidFill>
@@ -232,7 +246,7 @@
         <a:sym typeface="Arial"/>
       </a:defRPr>
     </a:lvl7pPr>
-    <a:lvl8pPr lvl="7" marR="0" rtl="0" algn="l">
+    <a:lvl8pPr marR="0" lvl="7" algn="l" rtl="0">
       <a:lnSpc>
         <a:spcPct val="100000"/>
       </a:lnSpc>
@@ -246,7 +260,7 @@
         <a:srgbClr val="000000"/>
       </a:buClr>
       <a:buFont typeface="Arial"/>
-      <a:defRPr b="0" i="0" sz="1400" u="none" cap="none" strike="noStrike">
+      <a:defRPr sz="1400" b="0" i="0" u="none" strike="noStrike" cap="none">
         <a:solidFill>
           <a:srgbClr val="000000"/>
         </a:solidFill>
@@ -256,7 +270,7 @@
         <a:sym typeface="Arial"/>
       </a:defRPr>
     </a:lvl8pPr>
-    <a:lvl9pPr lvl="8" marR="0" rtl="0" algn="l">
+    <a:lvl9pPr marR="0" lvl="8" algn="l" rtl="0">
       <a:lnSpc>
         <a:spcPct val="100000"/>
       </a:lnSpc>
@@ -270,7 +284,7 @@
         <a:srgbClr val="000000"/>
       </a:buClr>
       <a:buFont typeface="Arial"/>
-      <a:defRPr b="0" i="0" sz="1400" u="none" cap="none" strike="noStrike">
+      <a:defRPr sz="1400" b="0" i="0" u="none" strike="noStrike" cap="none">
         <a:solidFill>
           <a:srgbClr val="000000"/>
         </a:solidFill>
@@ -283,18 +297,23 @@
   </p:defaultTextStyle>
   <p:extLst>
     <p:ext uri="http://customooxmlschemas.google.com/">
-      <go:slidesCustomData xmlns:go="http://customooxmlschemas.google.com/" r:id="rId32" roundtripDataSignature="AMtx7mjMa6icsuW/oQ60tQU1vtgAh87bHA=="/>
+      <go:slidesCustomData xmlns:go="http://customooxmlschemas.google.com/" xmlns:p15="http://schemas.microsoft.com/office/powerpoint/2012/main" xmlns:p14="http://schemas.microsoft.com/office/powerpoint/2010/main" xmlns:com="http://schemas.openxmlformats.org/drawingml/2006/compatibility" xmlns:pvml="urn:schemas-microsoft-com:office:powerpoint" xmlns:v="urn:schemas-microsoft-com:vml" xmlns:o="urn:schemas-microsoft-com:office:office" xmlns:dgm="http://schemas.openxmlformats.org/drawingml/2006/diagram" xmlns:c="http://schemas.openxmlformats.org/drawingml/2006/chart" xmlns:mv="urn:schemas-microsoft-com:mac:vml" xmlns:mc="http://schemas.openxmlformats.org/markup-compatibility/2006" xmlns="" r:id="rId38" roundtripDataSignature="AMtx7mjMa6icsuW/oQ60tQU1vtgAh87bHA=="/>
     </p:ext>
   </p:extLst>
 </p:presentation>
 </file>
 
 <file path=ppt/notesMasters/notesMaster1.xml><?xml version="1.0" encoding="utf-8"?>
-<p:notesMaster xmlns:a="http://schemas.openxmlformats.org/drawingml/2006/main" xmlns:r="http://schemas.openxmlformats.org/officeDocument/2006/relationships" xmlns:mc="http://schemas.openxmlformats.org/markup-compatibility/2006" xmlns:mv="urn:schemas-microsoft-com:mac:vml" xmlns:p="http://schemas.openxmlformats.org/presentationml/2006/main" xmlns:c="http://schemas.openxmlformats.org/drawingml/2006/chart" xmlns:dgm="http://schemas.openxmlformats.org/drawingml/2006/diagram" xmlns:o="urn:schemas-microsoft-com:office:office" xmlns:v="urn:schemas-microsoft-com:vml" xmlns:pvml="urn:schemas-microsoft-com:office:powerpoint" xmlns:com="http://schemas.openxmlformats.org/drawingml/2006/compatibility" xmlns:p14="http://schemas.microsoft.com/office/powerpoint/2010/main" xmlns:p15="http://schemas.microsoft.com/office/powerpoint/2012/main">
+<p:notesMaster xmlns:a="http://schemas.openxmlformats.org/drawingml/2006/main" xmlns:r="http://schemas.openxmlformats.org/officeDocument/2006/relationships" xmlns:p="http://schemas.openxmlformats.org/presentationml/2006/main">
   <p:cSld>
+    <p:bg>
+      <p:bgRef idx="1001">
+        <a:schemeClr val="bg1"/>
+      </p:bgRef>
+    </p:bg>
     <p:spTree>
       <p:nvGrpSpPr>
-        <p:cNvPr id="2" name="Shape 2"/>
+        <p:cNvPr id="1" name="Shape 2"/>
         <p:cNvGrpSpPr/>
         <p:nvPr/>
       </p:nvGrpSpPr>
@@ -309,9 +328,11 @@
       <p:sp>
         <p:nvSpPr>
           <p:cNvPr id="3" name="Google Shape;3;n"/>
-          <p:cNvSpPr/>
+          <p:cNvSpPr>
+            <a:spLocks noGrp="1" noRot="1" noChangeAspect="1"/>
+          </p:cNvSpPr>
           <p:nvPr>
-            <p:ph idx="2" type="sldImg"/>
+            <p:ph type="sldImg" idx="2"/>
           </p:nvPr>
         </p:nvSpPr>
         <p:spPr>
@@ -320,9 +341,13 @@
             <a:ext cx="4572000" cy="3429000"/>
           </a:xfrm>
           <a:custGeom>
-            <a:rect b="b" l="l" r="r" t="t"/>
+            <a:avLst/>
+            <a:gdLst/>
+            <a:ahLst/>
+            <a:cxnLst/>
+            <a:rect l="l" t="t" r="r" b="b"/>
             <a:pathLst>
-              <a:path extrusionOk="0" h="120000" w="120000">
+              <a:path w="120000" h="120000" extrusionOk="0">
                 <a:moveTo>
                   <a:pt x="0" y="0"/>
                 </a:moveTo>
@@ -348,9 +373,11 @@
       <p:sp>
         <p:nvSpPr>
           <p:cNvPr id="4" name="Google Shape;4;n"/>
-          <p:cNvSpPr txBox="1"/>
+          <p:cNvSpPr txBox="1">
+            <a:spLocks noGrp="1"/>
+          </p:cNvSpPr>
           <p:nvPr>
-            <p:ph idx="1" type="body"/>
+            <p:ph type="body" idx="1"/>
           </p:nvPr>
         </p:nvSpPr>
         <p:spPr>
@@ -367,11 +394,11 @@
           </a:ln>
         </p:spPr>
         <p:txBody>
-          <a:bodyPr anchorCtr="0" anchor="t" bIns="45700" lIns="91425" spcFirstLastPara="1" rIns="91425" wrap="square" tIns="45700">
+          <a:bodyPr spcFirstLastPara="1" wrap="square" lIns="91425" tIns="45700" rIns="91425" bIns="45700" anchor="t" anchorCtr="0">
             <a:noAutofit/>
           </a:bodyPr>
           <a:lstStyle>
-            <a:lvl1pPr indent="-228600" lvl="0" marL="457200" marR="0" rtl="0" algn="l">
+            <a:lvl1pPr marL="457200" marR="0" lvl="0" indent="-228600" algn="l" rtl="0">
               <a:lnSpc>
                 <a:spcPct val="117999"/>
               </a:lnSpc>
@@ -387,7 +414,7 @@
               <a:buSzPts val="1400"/>
               <a:buFont typeface="Arial"/>
               <a:buNone/>
-              <a:defRPr b="0" i="0" sz="2200" u="none" cap="none" strike="noStrike">
+              <a:defRPr sz="2200" b="0" i="0" u="none" strike="noStrike" cap="none">
                 <a:solidFill>
                   <a:srgbClr val="000000"/>
                 </a:solidFill>
@@ -397,7 +424,7 @@
                 <a:sym typeface="Helvetica Neue"/>
               </a:defRPr>
             </a:lvl1pPr>
-            <a:lvl2pPr indent="-228600" lvl="1" marL="914400" marR="0" rtl="0" algn="l">
+            <a:lvl2pPr marL="914400" marR="0" lvl="1" indent="-228600" algn="l" rtl="0">
               <a:lnSpc>
                 <a:spcPct val="117999"/>
               </a:lnSpc>
@@ -413,7 +440,7 @@
               <a:buSzPts val="1400"/>
               <a:buFont typeface="Arial"/>
               <a:buNone/>
-              <a:defRPr b="0" i="0" sz="2200" u="none" cap="none" strike="noStrike">
+              <a:defRPr sz="2200" b="0" i="0" u="none" strike="noStrike" cap="none">
                 <a:solidFill>
                   <a:srgbClr val="000000"/>
                 </a:solidFill>
@@ -423,7 +450,7 @@
                 <a:sym typeface="Helvetica Neue"/>
               </a:defRPr>
             </a:lvl2pPr>
-            <a:lvl3pPr indent="-228600" lvl="2" marL="1371600" marR="0" rtl="0" algn="l">
+            <a:lvl3pPr marL="1371600" marR="0" lvl="2" indent="-228600" algn="l" rtl="0">
               <a:lnSpc>
                 <a:spcPct val="117999"/>
               </a:lnSpc>
@@ -439,7 +466,7 @@
               <a:buSzPts val="1400"/>
               <a:buFont typeface="Arial"/>
               <a:buNone/>
-              <a:defRPr b="0" i="0" sz="2200" u="none" cap="none" strike="noStrike">
+              <a:defRPr sz="2200" b="0" i="0" u="none" strike="noStrike" cap="none">
                 <a:solidFill>
                   <a:srgbClr val="000000"/>
                 </a:solidFill>
@@ -449,7 +476,7 @@
                 <a:sym typeface="Helvetica Neue"/>
               </a:defRPr>
             </a:lvl3pPr>
-            <a:lvl4pPr indent="-228600" lvl="3" marL="1828800" marR="0" rtl="0" algn="l">
+            <a:lvl4pPr marL="1828800" marR="0" lvl="3" indent="-228600" algn="l" rtl="0">
               <a:lnSpc>
                 <a:spcPct val="117999"/>
               </a:lnSpc>
@@ -465,7 +492,7 @@
               <a:buSzPts val="1400"/>
               <a:buFont typeface="Arial"/>
               <a:buNone/>
-              <a:defRPr b="0" i="0" sz="2200" u="none" cap="none" strike="noStrike">
+              <a:defRPr sz="2200" b="0" i="0" u="none" strike="noStrike" cap="none">
                 <a:solidFill>
                   <a:srgbClr val="000000"/>
                 </a:solidFill>
@@ -475,7 +502,7 @@
                 <a:sym typeface="Helvetica Neue"/>
               </a:defRPr>
             </a:lvl4pPr>
-            <a:lvl5pPr indent="-228600" lvl="4" marL="2286000" marR="0" rtl="0" algn="l">
+            <a:lvl5pPr marL="2286000" marR="0" lvl="4" indent="-228600" algn="l" rtl="0">
               <a:lnSpc>
                 <a:spcPct val="117999"/>
               </a:lnSpc>
@@ -491,7 +518,7 @@
               <a:buSzPts val="1400"/>
               <a:buFont typeface="Arial"/>
               <a:buNone/>
-              <a:defRPr b="0" i="0" sz="2200" u="none" cap="none" strike="noStrike">
+              <a:defRPr sz="2200" b="0" i="0" u="none" strike="noStrike" cap="none">
                 <a:solidFill>
                   <a:srgbClr val="000000"/>
                 </a:solidFill>
@@ -501,7 +528,7 @@
                 <a:sym typeface="Helvetica Neue"/>
               </a:defRPr>
             </a:lvl5pPr>
-            <a:lvl6pPr indent="-228600" lvl="5" marL="2743200" marR="0" rtl="0" algn="l">
+            <a:lvl6pPr marL="2743200" marR="0" lvl="5" indent="-228600" algn="l" rtl="0">
               <a:lnSpc>
                 <a:spcPct val="117999"/>
               </a:lnSpc>
@@ -517,7 +544,7 @@
               <a:buSzPts val="1400"/>
               <a:buFont typeface="Arial"/>
               <a:buNone/>
-              <a:defRPr b="0" i="0" sz="2200" u="none" cap="none" strike="noStrike">
+              <a:defRPr sz="2200" b="0" i="0" u="none" strike="noStrike" cap="none">
                 <a:solidFill>
                   <a:srgbClr val="000000"/>
                 </a:solidFill>
@@ -527,7 +554,7 @@
                 <a:sym typeface="Helvetica Neue"/>
               </a:defRPr>
             </a:lvl6pPr>
-            <a:lvl7pPr indent="-228600" lvl="6" marL="3200400" marR="0" rtl="0" algn="l">
+            <a:lvl7pPr marL="3200400" marR="0" lvl="6" indent="-228600" algn="l" rtl="0">
               <a:lnSpc>
                 <a:spcPct val="117999"/>
               </a:lnSpc>
@@ -543,7 +570,7 @@
               <a:buSzPts val="1400"/>
               <a:buFont typeface="Arial"/>
               <a:buNone/>
-              <a:defRPr b="0" i="0" sz="2200" u="none" cap="none" strike="noStrike">
+              <a:defRPr sz="2200" b="0" i="0" u="none" strike="noStrike" cap="none">
                 <a:solidFill>
                   <a:srgbClr val="000000"/>
                 </a:solidFill>
@@ -553,7 +580,7 @@
                 <a:sym typeface="Helvetica Neue"/>
               </a:defRPr>
             </a:lvl7pPr>
-            <a:lvl8pPr indent="-228600" lvl="7" marL="3657600" marR="0" rtl="0" algn="l">
+            <a:lvl8pPr marL="3657600" marR="0" lvl="7" indent="-228600" algn="l" rtl="0">
               <a:lnSpc>
                 <a:spcPct val="117999"/>
               </a:lnSpc>
@@ -569,7 +596,7 @@
               <a:buSzPts val="1400"/>
               <a:buFont typeface="Arial"/>
               <a:buNone/>
-              <a:defRPr b="0" i="0" sz="2200" u="none" cap="none" strike="noStrike">
+              <a:defRPr sz="2200" b="0" i="0" u="none" strike="noStrike" cap="none">
                 <a:solidFill>
                   <a:srgbClr val="000000"/>
                 </a:solidFill>
@@ -579,7 +606,7 @@
                 <a:sym typeface="Helvetica Neue"/>
               </a:defRPr>
             </a:lvl8pPr>
-            <a:lvl9pPr indent="-228600" lvl="8" marL="4114800" marR="0" rtl="0" algn="l">
+            <a:lvl9pPr marL="4114800" marR="0" lvl="8" indent="-228600" algn="l" rtl="0">
               <a:lnSpc>
                 <a:spcPct val="117999"/>
               </a:lnSpc>
@@ -595,7 +622,7 @@
               <a:buSzPts val="1400"/>
               <a:buFont typeface="Arial"/>
               <a:buNone/>
-              <a:defRPr b="0" i="0" sz="2200" u="none" cap="none" strike="noStrike">
+              <a:defRPr sz="2200" b="0" i="0" u="none" strike="noStrike" cap="none">
                 <a:solidFill>
                   <a:srgbClr val="000000"/>
                 </a:solidFill>
@@ -606,14 +633,16 @@
               </a:defRPr>
             </a:lvl9pPr>
           </a:lstStyle>
-          <a:p/>
+          <a:p>
+            <a:endParaRPr/>
+          </a:p>
         </p:txBody>
       </p:sp>
     </p:spTree>
   </p:cSld>
-  <p:clrMap accent1="accent1" accent2="accent2" accent3="accent3" accent4="accent4" accent5="accent5" accent6="accent6" bg1="lt1" bg2="dk2" tx1="dk1" tx2="lt2" folHlink="folHlink" hlink="hlink"/>
+  <p:clrMap bg1="lt1" tx1="dk1" bg2="dk2" tx2="lt2" accent1="accent1" accent2="accent2" accent3="accent3" accent4="accent4" accent5="accent5" accent6="accent6" hlink="hlink" folHlink="folHlink"/>
   <p:notesStyle>
-    <a:defPPr lvl="0" marR="0" rtl="0" algn="l">
+    <a:defPPr marR="0" lvl="0" algn="l" rtl="0">
       <a:lnSpc>
         <a:spcPct val="100000"/>
       </a:lnSpc>
@@ -624,7 +653,7 @@
         <a:spcPts val="0"/>
       </a:spcAft>
     </a:defPPr>
-    <a:lvl1pPr lvl="0" marR="0" rtl="0" algn="l">
+    <a:lvl1pPr marR="0" lvl="0" algn="l" rtl="0">
       <a:lnSpc>
         <a:spcPct val="100000"/>
       </a:lnSpc>
@@ -638,7 +667,7 @@
         <a:srgbClr val="000000"/>
       </a:buClr>
       <a:buFont typeface="Arial"/>
-      <a:defRPr b="0" i="0" sz="1400" u="none" cap="none" strike="noStrike">
+      <a:defRPr sz="1400" b="0" i="0" u="none" strike="noStrike" cap="none">
         <a:solidFill>
           <a:srgbClr val="000000"/>
         </a:solidFill>
@@ -648,7 +677,7 @@
         <a:sym typeface="Arial"/>
       </a:defRPr>
     </a:lvl1pPr>
-    <a:lvl2pPr lvl="1" marR="0" rtl="0" algn="l">
+    <a:lvl2pPr marR="0" lvl="1" algn="l" rtl="0">
       <a:lnSpc>
         <a:spcPct val="100000"/>
       </a:lnSpc>
@@ -662,7 +691,7 @@
         <a:srgbClr val="000000"/>
       </a:buClr>
       <a:buFont typeface="Arial"/>
-      <a:defRPr b="0" i="0" sz="1400" u="none" cap="none" strike="noStrike">
+      <a:defRPr sz="1400" b="0" i="0" u="none" strike="noStrike" cap="none">
         <a:solidFill>
           <a:srgbClr val="000000"/>
         </a:solidFill>
@@ -672,7 +701,7 @@
         <a:sym typeface="Arial"/>
       </a:defRPr>
     </a:lvl2pPr>
-    <a:lvl3pPr lvl="2" marR="0" rtl="0" algn="l">
+    <a:lvl3pPr marR="0" lvl="2" algn="l" rtl="0">
       <a:lnSpc>
         <a:spcPct val="100000"/>
       </a:lnSpc>
@@ -686,7 +715,7 @@
         <a:srgbClr val="000000"/>
       </a:buClr>
       <a:buFont typeface="Arial"/>
-      <a:defRPr b="0" i="0" sz="1400" u="none" cap="none" strike="noStrike">
+      <a:defRPr sz="1400" b="0" i="0" u="none" strike="noStrike" cap="none">
         <a:solidFill>
           <a:srgbClr val="000000"/>
         </a:solidFill>
@@ -696,7 +725,7 @@
         <a:sym typeface="Arial"/>
       </a:defRPr>
     </a:lvl3pPr>
-    <a:lvl4pPr lvl="3" marR="0" rtl="0" algn="l">
+    <a:lvl4pPr marR="0" lvl="3" algn="l" rtl="0">
       <a:lnSpc>
         <a:spcPct val="100000"/>
       </a:lnSpc>
@@ -710,7 +739,7 @@
         <a:srgbClr val="000000"/>
       </a:buClr>
       <a:buFont typeface="Arial"/>
-      <a:defRPr b="0" i="0" sz="1400" u="none" cap="none" strike="noStrike">
+      <a:defRPr sz="1400" b="0" i="0" u="none" strike="noStrike" cap="none">
         <a:solidFill>
           <a:srgbClr val="000000"/>
         </a:solidFill>
@@ -720,7 +749,7 @@
         <a:sym typeface="Arial"/>
       </a:defRPr>
     </a:lvl4pPr>
-    <a:lvl5pPr lvl="4" marR="0" rtl="0" algn="l">
+    <a:lvl5pPr marR="0" lvl="4" algn="l" rtl="0">
       <a:lnSpc>
         <a:spcPct val="100000"/>
       </a:lnSpc>
@@ -734,7 +763,7 @@
         <a:srgbClr val="000000"/>
       </a:buClr>
       <a:buFont typeface="Arial"/>
-      <a:defRPr b="0" i="0" sz="1400" u="none" cap="none" strike="noStrike">
+      <a:defRPr sz="1400" b="0" i="0" u="none" strike="noStrike" cap="none">
         <a:solidFill>
           <a:srgbClr val="000000"/>
         </a:solidFill>
@@ -744,7 +773,7 @@
         <a:sym typeface="Arial"/>
       </a:defRPr>
     </a:lvl5pPr>
-    <a:lvl6pPr lvl="5" marR="0" rtl="0" algn="l">
+    <a:lvl6pPr marR="0" lvl="5" algn="l" rtl="0">
       <a:lnSpc>
         <a:spcPct val="100000"/>
       </a:lnSpc>
@@ -758,7 +787,7 @@
         <a:srgbClr val="000000"/>
       </a:buClr>
       <a:buFont typeface="Arial"/>
-      <a:defRPr b="0" i="0" sz="1400" u="none" cap="none" strike="noStrike">
+      <a:defRPr sz="1400" b="0" i="0" u="none" strike="noStrike" cap="none">
         <a:solidFill>
           <a:srgbClr val="000000"/>
         </a:solidFill>
@@ -768,7 +797,7 @@
         <a:sym typeface="Arial"/>
       </a:defRPr>
     </a:lvl6pPr>
-    <a:lvl7pPr lvl="6" marR="0" rtl="0" algn="l">
+    <a:lvl7pPr marR="0" lvl="6" algn="l" rtl="0">
       <a:lnSpc>
         <a:spcPct val="100000"/>
       </a:lnSpc>
@@ -782,7 +811,7 @@
         <a:srgbClr val="000000"/>
       </a:buClr>
       <a:buFont typeface="Arial"/>
-      <a:defRPr b="0" i="0" sz="1400" u="none" cap="none" strike="noStrike">
+      <a:defRPr sz="1400" b="0" i="0" u="none" strike="noStrike" cap="none">
         <a:solidFill>
           <a:srgbClr val="000000"/>
         </a:solidFill>
@@ -792,7 +821,7 @@
         <a:sym typeface="Arial"/>
       </a:defRPr>
     </a:lvl7pPr>
-    <a:lvl8pPr lvl="7" marR="0" rtl="0" algn="l">
+    <a:lvl8pPr marR="0" lvl="7" algn="l" rtl="0">
       <a:lnSpc>
         <a:spcPct val="100000"/>
       </a:lnSpc>
@@ -806,7 +835,7 @@
         <a:srgbClr val="000000"/>
       </a:buClr>
       <a:buFont typeface="Arial"/>
-      <a:defRPr b="0" i="0" sz="1400" u="none" cap="none" strike="noStrike">
+      <a:defRPr sz="1400" b="0" i="0" u="none" strike="noStrike" cap="none">
         <a:solidFill>
           <a:srgbClr val="000000"/>
         </a:solidFill>
@@ -816,7 +845,7 @@
         <a:sym typeface="Arial"/>
       </a:defRPr>
     </a:lvl8pPr>
-    <a:lvl9pPr lvl="8" marR="0" rtl="0" algn="l">
+    <a:lvl9pPr marR="0" lvl="8" algn="l" rtl="0">
       <a:lnSpc>
         <a:spcPct val="100000"/>
       </a:lnSpc>
@@ -830,7 +859,7 @@
         <a:srgbClr val="000000"/>
       </a:buClr>
       <a:buFont typeface="Arial"/>
-      <a:defRPr b="0" i="0" sz="1400" u="none" cap="none" strike="noStrike">
+      <a:defRPr sz="1400" b="0" i="0" u="none" strike="noStrike" cap="none">
         <a:solidFill>
           <a:srgbClr val="000000"/>
         </a:solidFill>
@@ -845,11 +874,11 @@
 </file>
 
 <file path=ppt/notesSlides/notesSlide1.xml><?xml version="1.0" encoding="utf-8"?>
-<p:notes xmlns:a="http://schemas.openxmlformats.org/drawingml/2006/main" xmlns:r="http://schemas.openxmlformats.org/officeDocument/2006/relationships" xmlns:mc="http://schemas.openxmlformats.org/markup-compatibility/2006" xmlns:mv="urn:schemas-microsoft-com:mac:vml" xmlns:p="http://schemas.openxmlformats.org/presentationml/2006/main" xmlns:c="http://schemas.openxmlformats.org/drawingml/2006/chart" xmlns:dgm="http://schemas.openxmlformats.org/drawingml/2006/diagram" xmlns:o="urn:schemas-microsoft-com:office:office" xmlns:v="urn:schemas-microsoft-com:vml" xmlns:pvml="urn:schemas-microsoft-com:office:powerpoint" xmlns:com="http://schemas.openxmlformats.org/drawingml/2006/compatibility" xmlns:p14="http://schemas.microsoft.com/office/powerpoint/2010/main" xmlns:p15="http://schemas.microsoft.com/office/powerpoint/2012/main" showMasterPhAnim="0" showMasterSp="0">
+<p:notes xmlns:a="http://schemas.openxmlformats.org/drawingml/2006/main" xmlns:r="http://schemas.openxmlformats.org/officeDocument/2006/relationships" xmlns:p="http://schemas.openxmlformats.org/presentationml/2006/main" showMasterSp="0" showMasterPhAnim="0">
   <p:cSld>
     <p:spTree>
       <p:nvGrpSpPr>
-        <p:cNvPr id="28" name="Shape 28"/>
+        <p:cNvPr id="1" name="Shape 28"/>
         <p:cNvGrpSpPr/>
         <p:nvPr/>
       </p:nvGrpSpPr>
@@ -864,9 +893,11 @@
       <p:sp>
         <p:nvSpPr>
           <p:cNvPr id="29" name="Google Shape;29;p1:notes"/>
-          <p:cNvSpPr txBox="1"/>
+          <p:cNvSpPr txBox="1">
+            <a:spLocks noGrp="1"/>
+          </p:cNvSpPr>
           <p:nvPr>
-            <p:ph idx="1" type="body"/>
+            <p:ph type="body" idx="1"/>
           </p:nvPr>
         </p:nvSpPr>
         <p:spPr>
@@ -883,12 +914,12 @@
           </a:ln>
         </p:spPr>
         <p:txBody>
-          <a:bodyPr anchorCtr="0" anchor="t" bIns="45700" lIns="91425" spcFirstLastPara="1" rIns="91425" wrap="square" tIns="45700">
+          <a:bodyPr spcFirstLastPara="1" wrap="square" lIns="91425" tIns="45700" rIns="91425" bIns="45700" anchor="t" anchorCtr="0">
             <a:noAutofit/>
           </a:bodyPr>
           <a:lstStyle/>
           <a:p>
-            <a:pPr indent="0" lvl="0" marL="0" rtl="0" algn="l">
+            <a:pPr marL="0" lvl="0" indent="0" algn="l" rtl="0">
               <a:lnSpc>
                 <a:spcPct val="117999"/>
               </a:lnSpc>
@@ -901,9 +932,6 @@
               <a:buSzPts val="1400"/>
               <a:buNone/>
             </a:pPr>
-            <a:r>
-              <a:t/>
-            </a:r>
             <a:endParaRPr/>
           </a:p>
         </p:txBody>
@@ -911,9 +939,11 @@
       <p:sp>
         <p:nvSpPr>
           <p:cNvPr id="30" name="Google Shape;30;p1:notes"/>
-          <p:cNvSpPr/>
+          <p:cNvSpPr>
+            <a:spLocks noGrp="1" noRot="1" noChangeAspect="1"/>
+          </p:cNvSpPr>
           <p:nvPr>
-            <p:ph idx="2" type="sldImg"/>
+            <p:ph type="sldImg" idx="2"/>
           </p:nvPr>
         </p:nvSpPr>
         <p:spPr>
@@ -922,9 +952,13 @@
             <a:ext cx="4572000" cy="3429000"/>
           </a:xfrm>
           <a:custGeom>
-            <a:rect b="b" l="l" r="r" t="t"/>
+            <a:avLst/>
+            <a:gdLst/>
+            <a:ahLst/>
+            <a:cxnLst/>
+            <a:rect l="l" t="t" r="r" b="b"/>
             <a:pathLst>
-              <a:path extrusionOk="0" h="120000" w="120000">
+              <a:path w="120000" h="120000" extrusionOk="0">
                 <a:moveTo>
                   <a:pt x="0" y="0"/>
                 </a:moveTo>
@@ -956,11 +990,11 @@
 </file>
 
 <file path=ppt/notesSlides/notesSlide10.xml><?xml version="1.0" encoding="utf-8"?>
-<p:notes xmlns:a="http://schemas.openxmlformats.org/drawingml/2006/main" xmlns:r="http://schemas.openxmlformats.org/officeDocument/2006/relationships" xmlns:mc="http://schemas.openxmlformats.org/markup-compatibility/2006" xmlns:mv="urn:schemas-microsoft-com:mac:vml" xmlns:p="http://schemas.openxmlformats.org/presentationml/2006/main" xmlns:c="http://schemas.openxmlformats.org/drawingml/2006/chart" xmlns:dgm="http://schemas.openxmlformats.org/drawingml/2006/diagram" xmlns:o="urn:schemas-microsoft-com:office:office" xmlns:v="urn:schemas-microsoft-com:vml" xmlns:pvml="urn:schemas-microsoft-com:office:powerpoint" xmlns:com="http://schemas.openxmlformats.org/drawingml/2006/compatibility" xmlns:p14="http://schemas.microsoft.com/office/powerpoint/2010/main" xmlns:p15="http://schemas.microsoft.com/office/powerpoint/2012/main" showMasterPhAnim="0" showMasterSp="0">
+<p:notes xmlns:a="http://schemas.openxmlformats.org/drawingml/2006/main" xmlns:r="http://schemas.openxmlformats.org/officeDocument/2006/relationships" xmlns:p="http://schemas.openxmlformats.org/presentationml/2006/main" showMasterSp="0" showMasterPhAnim="0">
   <p:cSld>
     <p:spTree>
       <p:nvGrpSpPr>
-        <p:cNvPr id="88" name="Shape 88"/>
+        <p:cNvPr id="1" name="Shape 88"/>
         <p:cNvGrpSpPr/>
         <p:nvPr/>
       </p:nvGrpSpPr>
@@ -975,9 +1009,11 @@
       <p:sp>
         <p:nvSpPr>
           <p:cNvPr id="89" name="Google Shape;89;p8:notes"/>
-          <p:cNvSpPr txBox="1"/>
+          <p:cNvSpPr txBox="1">
+            <a:spLocks noGrp="1"/>
+          </p:cNvSpPr>
           <p:nvPr>
-            <p:ph idx="1" type="body"/>
+            <p:ph type="body" idx="1"/>
           </p:nvPr>
         </p:nvSpPr>
         <p:spPr>
@@ -994,12 +1030,12 @@
           </a:ln>
         </p:spPr>
         <p:txBody>
-          <a:bodyPr anchorCtr="0" anchor="t" bIns="45700" lIns="91425" spcFirstLastPara="1" rIns="91425" wrap="square" tIns="45700">
+          <a:bodyPr spcFirstLastPara="1" wrap="square" lIns="91425" tIns="45700" rIns="91425" bIns="45700" anchor="t" anchorCtr="0">
             <a:noAutofit/>
           </a:bodyPr>
           <a:lstStyle/>
           <a:p>
-            <a:pPr indent="0" lvl="0" marL="0" rtl="0" algn="l">
+            <a:pPr marL="0" lvl="0" indent="0" algn="l" rtl="0">
               <a:lnSpc>
                 <a:spcPct val="117999"/>
               </a:lnSpc>
@@ -1012,9 +1048,6 @@
               <a:buSzPts val="1400"/>
               <a:buNone/>
             </a:pPr>
-            <a:r>
-              <a:t/>
-            </a:r>
             <a:endParaRPr/>
           </a:p>
         </p:txBody>
@@ -1022,9 +1055,11 @@
       <p:sp>
         <p:nvSpPr>
           <p:cNvPr id="90" name="Google Shape;90;p8:notes"/>
-          <p:cNvSpPr/>
+          <p:cNvSpPr>
+            <a:spLocks noGrp="1" noRot="1" noChangeAspect="1"/>
+          </p:cNvSpPr>
           <p:nvPr>
-            <p:ph idx="2" type="sldImg"/>
+            <p:ph type="sldImg" idx="2"/>
           </p:nvPr>
         </p:nvSpPr>
         <p:spPr>
@@ -1033,9 +1068,13 @@
             <a:ext cx="4572000" cy="3429000"/>
           </a:xfrm>
           <a:custGeom>
-            <a:rect b="b" l="l" r="r" t="t"/>
+            <a:avLst/>
+            <a:gdLst/>
+            <a:ahLst/>
+            <a:cxnLst/>
+            <a:rect l="l" t="t" r="r" b="b"/>
             <a:pathLst>
-              <a:path extrusionOk="0" h="120000" w="120000">
+              <a:path w="120000" h="120000" extrusionOk="0">
                 <a:moveTo>
                   <a:pt x="0" y="0"/>
                 </a:moveTo>
@@ -1067,11 +1106,11 @@
 </file>
 
 <file path=ppt/notesSlides/notesSlide11.xml><?xml version="1.0" encoding="utf-8"?>
-<p:notes xmlns:a="http://schemas.openxmlformats.org/drawingml/2006/main" xmlns:r="http://schemas.openxmlformats.org/officeDocument/2006/relationships" xmlns:mc="http://schemas.openxmlformats.org/markup-compatibility/2006" xmlns:mv="urn:schemas-microsoft-com:mac:vml" xmlns:p="http://schemas.openxmlformats.org/presentationml/2006/main" xmlns:c="http://schemas.openxmlformats.org/drawingml/2006/chart" xmlns:dgm="http://schemas.openxmlformats.org/drawingml/2006/diagram" xmlns:o="urn:schemas-microsoft-com:office:office" xmlns:v="urn:schemas-microsoft-com:vml" xmlns:pvml="urn:schemas-microsoft-com:office:powerpoint" xmlns:com="http://schemas.openxmlformats.org/drawingml/2006/compatibility" xmlns:p14="http://schemas.microsoft.com/office/powerpoint/2010/main" xmlns:p15="http://schemas.microsoft.com/office/powerpoint/2012/main" showMasterPhAnim="0" showMasterSp="0">
+<p:notes xmlns:a="http://schemas.openxmlformats.org/drawingml/2006/main" xmlns:r="http://schemas.openxmlformats.org/officeDocument/2006/relationships" xmlns:p="http://schemas.openxmlformats.org/presentationml/2006/main" showMasterSp="0" showMasterPhAnim="0">
   <p:cSld>
     <p:spTree>
       <p:nvGrpSpPr>
-        <p:cNvPr id="95" name="Shape 95"/>
+        <p:cNvPr id="1" name="Shape 95"/>
         <p:cNvGrpSpPr/>
         <p:nvPr/>
       </p:nvGrpSpPr>
@@ -1086,9 +1125,11 @@
       <p:sp>
         <p:nvSpPr>
           <p:cNvPr id="96" name="Google Shape;96;p9:notes"/>
-          <p:cNvSpPr txBox="1"/>
+          <p:cNvSpPr txBox="1">
+            <a:spLocks noGrp="1"/>
+          </p:cNvSpPr>
           <p:nvPr>
-            <p:ph idx="1" type="body"/>
+            <p:ph type="body" idx="1"/>
           </p:nvPr>
         </p:nvSpPr>
         <p:spPr>
@@ -1105,12 +1146,12 @@
           </a:ln>
         </p:spPr>
         <p:txBody>
-          <a:bodyPr anchorCtr="0" anchor="t" bIns="45700" lIns="91425" spcFirstLastPara="1" rIns="91425" wrap="square" tIns="45700">
+          <a:bodyPr spcFirstLastPara="1" wrap="square" lIns="91425" tIns="45700" rIns="91425" bIns="45700" anchor="t" anchorCtr="0">
             <a:noAutofit/>
           </a:bodyPr>
           <a:lstStyle/>
           <a:p>
-            <a:pPr indent="0" lvl="0" marL="0" rtl="0" algn="l">
+            <a:pPr marL="0" lvl="0" indent="0" algn="l" rtl="0">
               <a:lnSpc>
                 <a:spcPct val="117999"/>
               </a:lnSpc>
@@ -1123,9 +1164,6 @@
               <a:buSzPts val="1400"/>
               <a:buNone/>
             </a:pPr>
-            <a:r>
-              <a:t/>
-            </a:r>
             <a:endParaRPr/>
           </a:p>
         </p:txBody>
@@ -1133,9 +1171,11 @@
       <p:sp>
         <p:nvSpPr>
           <p:cNvPr id="97" name="Google Shape;97;p9:notes"/>
-          <p:cNvSpPr/>
+          <p:cNvSpPr>
+            <a:spLocks noGrp="1" noRot="1" noChangeAspect="1"/>
+          </p:cNvSpPr>
           <p:nvPr>
-            <p:ph idx="2" type="sldImg"/>
+            <p:ph type="sldImg" idx="2"/>
           </p:nvPr>
         </p:nvSpPr>
         <p:spPr>
@@ -1144,9 +1184,13 @@
             <a:ext cx="4572000" cy="3429000"/>
           </a:xfrm>
           <a:custGeom>
-            <a:rect b="b" l="l" r="r" t="t"/>
+            <a:avLst/>
+            <a:gdLst/>
+            <a:ahLst/>
+            <a:cxnLst/>
+            <a:rect l="l" t="t" r="r" b="b"/>
             <a:pathLst>
-              <a:path extrusionOk="0" h="120000" w="120000">
+              <a:path w="120000" h="120000" extrusionOk="0">
                 <a:moveTo>
                   <a:pt x="0" y="0"/>
                 </a:moveTo>
@@ -1178,11 +1222,11 @@
 </file>
 
 <file path=ppt/notesSlides/notesSlide2.xml><?xml version="1.0" encoding="utf-8"?>
-<p:notes xmlns:a="http://schemas.openxmlformats.org/drawingml/2006/main" xmlns:r="http://schemas.openxmlformats.org/officeDocument/2006/relationships" xmlns:mc="http://schemas.openxmlformats.org/markup-compatibility/2006" xmlns:mv="urn:schemas-microsoft-com:mac:vml" xmlns:p="http://schemas.openxmlformats.org/presentationml/2006/main" xmlns:c="http://schemas.openxmlformats.org/drawingml/2006/chart" xmlns:dgm="http://schemas.openxmlformats.org/drawingml/2006/diagram" xmlns:o="urn:schemas-microsoft-com:office:office" xmlns:v="urn:schemas-microsoft-com:vml" xmlns:pvml="urn:schemas-microsoft-com:office:powerpoint" xmlns:com="http://schemas.openxmlformats.org/drawingml/2006/compatibility" xmlns:p14="http://schemas.microsoft.com/office/powerpoint/2010/main" xmlns:p15="http://schemas.microsoft.com/office/powerpoint/2012/main" showMasterPhAnim="0" showMasterSp="0">
+<p:notes xmlns:a="http://schemas.openxmlformats.org/drawingml/2006/main" xmlns:r="http://schemas.openxmlformats.org/officeDocument/2006/relationships" xmlns:p="http://schemas.openxmlformats.org/presentationml/2006/main" showMasterSp="0" showMasterPhAnim="0">
   <p:cSld>
     <p:spTree>
       <p:nvGrpSpPr>
-        <p:cNvPr id="36" name="Shape 36"/>
+        <p:cNvPr id="1" name="Shape 36"/>
         <p:cNvGrpSpPr/>
         <p:nvPr/>
       </p:nvGrpSpPr>
@@ -1197,9 +1241,11 @@
       <p:sp>
         <p:nvSpPr>
           <p:cNvPr id="37" name="Google Shape;37;p2:notes"/>
-          <p:cNvSpPr txBox="1"/>
+          <p:cNvSpPr txBox="1">
+            <a:spLocks noGrp="1"/>
+          </p:cNvSpPr>
           <p:nvPr>
-            <p:ph idx="1" type="body"/>
+            <p:ph type="body" idx="1"/>
           </p:nvPr>
         </p:nvSpPr>
         <p:spPr>
@@ -1216,12 +1262,12 @@
           </a:ln>
         </p:spPr>
         <p:txBody>
-          <a:bodyPr anchorCtr="0" anchor="t" bIns="45700" lIns="91425" spcFirstLastPara="1" rIns="91425" wrap="square" tIns="45700">
+          <a:bodyPr spcFirstLastPara="1" wrap="square" lIns="91425" tIns="45700" rIns="91425" bIns="45700" anchor="t" anchorCtr="0">
             <a:noAutofit/>
           </a:bodyPr>
           <a:lstStyle/>
           <a:p>
-            <a:pPr indent="0" lvl="0" marL="0" rtl="0" algn="l">
+            <a:pPr marL="0" lvl="0" indent="0" algn="l" rtl="0">
               <a:lnSpc>
                 <a:spcPct val="117999"/>
               </a:lnSpc>
@@ -1234,9 +1280,6 @@
               <a:buSzPts val="1400"/>
               <a:buNone/>
             </a:pPr>
-            <a:r>
-              <a:t/>
-            </a:r>
             <a:endParaRPr/>
           </a:p>
         </p:txBody>
@@ -1244,9 +1287,11 @@
       <p:sp>
         <p:nvSpPr>
           <p:cNvPr id="38" name="Google Shape;38;p2:notes"/>
-          <p:cNvSpPr/>
+          <p:cNvSpPr>
+            <a:spLocks noGrp="1" noRot="1" noChangeAspect="1"/>
+          </p:cNvSpPr>
           <p:nvPr>
-            <p:ph idx="2" type="sldImg"/>
+            <p:ph type="sldImg" idx="2"/>
           </p:nvPr>
         </p:nvSpPr>
         <p:spPr>
@@ -1255,9 +1300,13 @@
             <a:ext cx="4572000" cy="3429000"/>
           </a:xfrm>
           <a:custGeom>
-            <a:rect b="b" l="l" r="r" t="t"/>
+            <a:avLst/>
+            <a:gdLst/>
+            <a:ahLst/>
+            <a:cxnLst/>
+            <a:rect l="l" t="t" r="r" b="b"/>
             <a:pathLst>
-              <a:path extrusionOk="0" h="120000" w="120000">
+              <a:path w="120000" h="120000" extrusionOk="0">
                 <a:moveTo>
                   <a:pt x="0" y="0"/>
                 </a:moveTo>
@@ -1289,11 +1338,11 @@
 </file>
 
 <file path=ppt/notesSlides/notesSlide3.xml><?xml version="1.0" encoding="utf-8"?>
-<p:notes xmlns:a="http://schemas.openxmlformats.org/drawingml/2006/main" xmlns:r="http://schemas.openxmlformats.org/officeDocument/2006/relationships" xmlns:mc="http://schemas.openxmlformats.org/markup-compatibility/2006" xmlns:mv="urn:schemas-microsoft-com:mac:vml" xmlns:p="http://schemas.openxmlformats.org/presentationml/2006/main" xmlns:c="http://schemas.openxmlformats.org/drawingml/2006/chart" xmlns:dgm="http://schemas.openxmlformats.org/drawingml/2006/diagram" xmlns:o="urn:schemas-microsoft-com:office:office" xmlns:v="urn:schemas-microsoft-com:vml" xmlns:pvml="urn:schemas-microsoft-com:office:powerpoint" xmlns:com="http://schemas.openxmlformats.org/drawingml/2006/compatibility" xmlns:p14="http://schemas.microsoft.com/office/powerpoint/2010/main" xmlns:p15="http://schemas.microsoft.com/office/powerpoint/2012/main" showMasterPhAnim="0" showMasterSp="0">
+<p:notes xmlns:a="http://schemas.openxmlformats.org/drawingml/2006/main" xmlns:r="http://schemas.openxmlformats.org/officeDocument/2006/relationships" xmlns:p="http://schemas.openxmlformats.org/presentationml/2006/main" showMasterSp="0" showMasterPhAnim="0">
   <p:cSld>
     <p:spTree>
       <p:nvGrpSpPr>
-        <p:cNvPr id="42" name="Shape 42"/>
+        <p:cNvPr id="1" name="Shape 42"/>
         <p:cNvGrpSpPr/>
         <p:nvPr/>
       </p:nvGrpSpPr>
@@ -1308,9 +1357,11 @@
       <p:sp>
         <p:nvSpPr>
           <p:cNvPr id="43" name="Google Shape;43;p3:notes"/>
-          <p:cNvSpPr txBox="1"/>
+          <p:cNvSpPr txBox="1">
+            <a:spLocks noGrp="1"/>
+          </p:cNvSpPr>
           <p:nvPr>
-            <p:ph idx="1" type="body"/>
+            <p:ph type="body" idx="1"/>
           </p:nvPr>
         </p:nvSpPr>
         <p:spPr>
@@ -1327,12 +1378,12 @@
           </a:ln>
         </p:spPr>
         <p:txBody>
-          <a:bodyPr anchorCtr="0" anchor="t" bIns="45700" lIns="91425" spcFirstLastPara="1" rIns="91425" wrap="square" tIns="45700">
+          <a:bodyPr spcFirstLastPara="1" wrap="square" lIns="91425" tIns="45700" rIns="91425" bIns="45700" anchor="t" anchorCtr="0">
             <a:noAutofit/>
           </a:bodyPr>
           <a:lstStyle/>
           <a:p>
-            <a:pPr indent="0" lvl="0" marL="0" rtl="0" algn="l">
+            <a:pPr marL="0" lvl="0" indent="0" algn="l" rtl="0">
               <a:lnSpc>
                 <a:spcPct val="117999"/>
               </a:lnSpc>
@@ -1345,9 +1396,6 @@
               <a:buSzPts val="1400"/>
               <a:buNone/>
             </a:pPr>
-            <a:r>
-              <a:t/>
-            </a:r>
             <a:endParaRPr/>
           </a:p>
         </p:txBody>
@@ -1355,9 +1403,11 @@
       <p:sp>
         <p:nvSpPr>
           <p:cNvPr id="44" name="Google Shape;44;p3:notes"/>
-          <p:cNvSpPr/>
+          <p:cNvSpPr>
+            <a:spLocks noGrp="1" noRot="1" noChangeAspect="1"/>
+          </p:cNvSpPr>
           <p:nvPr>
-            <p:ph idx="2" type="sldImg"/>
+            <p:ph type="sldImg" idx="2"/>
           </p:nvPr>
         </p:nvSpPr>
         <p:spPr>
@@ -1366,9 +1416,13 @@
             <a:ext cx="4572000" cy="3429000"/>
           </a:xfrm>
           <a:custGeom>
-            <a:rect b="b" l="l" r="r" t="t"/>
+            <a:avLst/>
+            <a:gdLst/>
+            <a:ahLst/>
+            <a:cxnLst/>
+            <a:rect l="l" t="t" r="r" b="b"/>
             <a:pathLst>
-              <a:path extrusionOk="0" h="120000" w="120000">
+              <a:path w="120000" h="120000" extrusionOk="0">
                 <a:moveTo>
                   <a:pt x="0" y="0"/>
                 </a:moveTo>
@@ -1400,11 +1454,11 @@
 </file>
 
 <file path=ppt/notesSlides/notesSlide4.xml><?xml version="1.0" encoding="utf-8"?>
-<p:notes xmlns:a="http://schemas.openxmlformats.org/drawingml/2006/main" xmlns:r="http://schemas.openxmlformats.org/officeDocument/2006/relationships" xmlns:mc="http://schemas.openxmlformats.org/markup-compatibility/2006" xmlns:mv="urn:schemas-microsoft-com:mac:vml" xmlns:p="http://schemas.openxmlformats.org/presentationml/2006/main" xmlns:c="http://schemas.openxmlformats.org/drawingml/2006/chart" xmlns:dgm="http://schemas.openxmlformats.org/drawingml/2006/diagram" xmlns:o="urn:schemas-microsoft-com:office:office" xmlns:v="urn:schemas-microsoft-com:vml" xmlns:pvml="urn:schemas-microsoft-com:office:powerpoint" xmlns:com="http://schemas.openxmlformats.org/drawingml/2006/compatibility" xmlns:p14="http://schemas.microsoft.com/office/powerpoint/2010/main" xmlns:p15="http://schemas.microsoft.com/office/powerpoint/2012/main" showMasterPhAnim="0" showMasterSp="0">
+<p:notes xmlns:a="http://schemas.openxmlformats.org/drawingml/2006/main" xmlns:r="http://schemas.openxmlformats.org/officeDocument/2006/relationships" xmlns:p="http://schemas.openxmlformats.org/presentationml/2006/main" showMasterSp="0" showMasterPhAnim="0">
   <p:cSld>
     <p:spTree>
       <p:nvGrpSpPr>
-        <p:cNvPr id="48" name="Shape 48"/>
+        <p:cNvPr id="1" name="Shape 48"/>
         <p:cNvGrpSpPr/>
         <p:nvPr/>
       </p:nvGrpSpPr>
@@ -1419,9 +1473,11 @@
       <p:sp>
         <p:nvSpPr>
           <p:cNvPr id="49" name="Google Shape;49;p4:notes"/>
-          <p:cNvSpPr txBox="1"/>
+          <p:cNvSpPr txBox="1">
+            <a:spLocks noGrp="1"/>
+          </p:cNvSpPr>
           <p:nvPr>
-            <p:ph idx="1" type="body"/>
+            <p:ph type="body" idx="1"/>
           </p:nvPr>
         </p:nvSpPr>
         <p:spPr>
@@ -1438,12 +1494,12 @@
           </a:ln>
         </p:spPr>
         <p:txBody>
-          <a:bodyPr anchorCtr="0" anchor="t" bIns="45700" lIns="91425" spcFirstLastPara="1" rIns="91425" wrap="square" tIns="45700">
+          <a:bodyPr spcFirstLastPara="1" wrap="square" lIns="91425" tIns="45700" rIns="91425" bIns="45700" anchor="t" anchorCtr="0">
             <a:noAutofit/>
           </a:bodyPr>
           <a:lstStyle/>
           <a:p>
-            <a:pPr indent="0" lvl="0" marL="0" rtl="0" algn="l">
+            <a:pPr marL="0" lvl="0" indent="0" algn="l" rtl="0">
               <a:lnSpc>
                 <a:spcPct val="117999"/>
               </a:lnSpc>
@@ -1456,9 +1512,6 @@
               <a:buSzPts val="1400"/>
               <a:buNone/>
             </a:pPr>
-            <a:r>
-              <a:t/>
-            </a:r>
             <a:endParaRPr/>
           </a:p>
         </p:txBody>
@@ -1466,9 +1519,11 @@
       <p:sp>
         <p:nvSpPr>
           <p:cNvPr id="50" name="Google Shape;50;p4:notes"/>
-          <p:cNvSpPr/>
+          <p:cNvSpPr>
+            <a:spLocks noGrp="1" noRot="1" noChangeAspect="1"/>
+          </p:cNvSpPr>
           <p:nvPr>
-            <p:ph idx="2" type="sldImg"/>
+            <p:ph type="sldImg" idx="2"/>
           </p:nvPr>
         </p:nvSpPr>
         <p:spPr>
@@ -1477,9 +1532,13 @@
             <a:ext cx="4572000" cy="3429000"/>
           </a:xfrm>
           <a:custGeom>
-            <a:rect b="b" l="l" r="r" t="t"/>
+            <a:avLst/>
+            <a:gdLst/>
+            <a:ahLst/>
+            <a:cxnLst/>
+            <a:rect l="l" t="t" r="r" b="b"/>
             <a:pathLst>
-              <a:path extrusionOk="0" h="120000" w="120000">
+              <a:path w="120000" h="120000" extrusionOk="0">
                 <a:moveTo>
                   <a:pt x="0" y="0"/>
                 </a:moveTo>
@@ -1511,11 +1570,11 @@
 </file>
 
 <file path=ppt/notesSlides/notesSlide5.xml><?xml version="1.0" encoding="utf-8"?>
-<p:notes xmlns:a="http://schemas.openxmlformats.org/drawingml/2006/main" xmlns:r="http://schemas.openxmlformats.org/officeDocument/2006/relationships" xmlns:mc="http://schemas.openxmlformats.org/markup-compatibility/2006" xmlns:mv="urn:schemas-microsoft-com:mac:vml" xmlns:p="http://schemas.openxmlformats.org/presentationml/2006/main" xmlns:c="http://schemas.openxmlformats.org/drawingml/2006/chart" xmlns:dgm="http://schemas.openxmlformats.org/drawingml/2006/diagram" xmlns:o="urn:schemas-microsoft-com:office:office" xmlns:v="urn:schemas-microsoft-com:vml" xmlns:pvml="urn:schemas-microsoft-com:office:powerpoint" xmlns:com="http://schemas.openxmlformats.org/drawingml/2006/compatibility" xmlns:p14="http://schemas.microsoft.com/office/powerpoint/2010/main" xmlns:p15="http://schemas.microsoft.com/office/powerpoint/2012/main" showMasterPhAnim="0" showMasterSp="0">
+<p:notes xmlns:a="http://schemas.openxmlformats.org/drawingml/2006/main" xmlns:r="http://schemas.openxmlformats.org/officeDocument/2006/relationships" xmlns:p="http://schemas.openxmlformats.org/presentationml/2006/main" showMasterSp="0" showMasterPhAnim="0">
   <p:cSld>
     <p:spTree>
       <p:nvGrpSpPr>
-        <p:cNvPr id="55" name="Shape 55"/>
+        <p:cNvPr id="1" name="Shape 55"/>
         <p:cNvGrpSpPr/>
         <p:nvPr/>
       </p:nvGrpSpPr>
@@ -1530,9 +1589,11 @@
       <p:sp>
         <p:nvSpPr>
           <p:cNvPr id="56" name="Google Shape;56;p5:notes"/>
-          <p:cNvSpPr txBox="1"/>
+          <p:cNvSpPr txBox="1">
+            <a:spLocks noGrp="1"/>
+          </p:cNvSpPr>
           <p:nvPr>
-            <p:ph idx="1" type="body"/>
+            <p:ph type="body" idx="1"/>
           </p:nvPr>
         </p:nvSpPr>
         <p:spPr>
@@ -1549,12 +1610,12 @@
           </a:ln>
         </p:spPr>
         <p:txBody>
-          <a:bodyPr anchorCtr="0" anchor="t" bIns="45700" lIns="91425" spcFirstLastPara="1" rIns="91425" wrap="square" tIns="45700">
+          <a:bodyPr spcFirstLastPara="1" wrap="square" lIns="91425" tIns="45700" rIns="91425" bIns="45700" anchor="t" anchorCtr="0">
             <a:noAutofit/>
           </a:bodyPr>
           <a:lstStyle/>
           <a:p>
-            <a:pPr indent="0" lvl="0" marL="0" rtl="0" algn="l">
+            <a:pPr marL="0" lvl="0" indent="0" algn="l" rtl="0">
               <a:lnSpc>
                 <a:spcPct val="117999"/>
               </a:lnSpc>
@@ -1567,9 +1628,6 @@
               <a:buSzPts val="1400"/>
               <a:buNone/>
             </a:pPr>
-            <a:r>
-              <a:t/>
-            </a:r>
             <a:endParaRPr/>
           </a:p>
         </p:txBody>
@@ -1577,9 +1635,11 @@
       <p:sp>
         <p:nvSpPr>
           <p:cNvPr id="57" name="Google Shape;57;p5:notes"/>
-          <p:cNvSpPr/>
+          <p:cNvSpPr>
+            <a:spLocks noGrp="1" noRot="1" noChangeAspect="1"/>
+          </p:cNvSpPr>
           <p:nvPr>
-            <p:ph idx="2" type="sldImg"/>
+            <p:ph type="sldImg" idx="2"/>
           </p:nvPr>
         </p:nvSpPr>
         <p:spPr>
@@ -1588,9 +1648,13 @@
             <a:ext cx="4572000" cy="3429000"/>
           </a:xfrm>
           <a:custGeom>
-            <a:rect b="b" l="l" r="r" t="t"/>
+            <a:avLst/>
+            <a:gdLst/>
+            <a:ahLst/>
+            <a:cxnLst/>
+            <a:rect l="l" t="t" r="r" b="b"/>
             <a:pathLst>
-              <a:path extrusionOk="0" h="120000" w="120000">
+              <a:path w="120000" h="120000" extrusionOk="0">
                 <a:moveTo>
                   <a:pt x="0" y="0"/>
                 </a:moveTo>
@@ -1622,11 +1686,11 @@
 </file>
 
 <file path=ppt/notesSlides/notesSlide6.xml><?xml version="1.0" encoding="utf-8"?>
-<p:notes xmlns:a="http://schemas.openxmlformats.org/drawingml/2006/main" xmlns:r="http://schemas.openxmlformats.org/officeDocument/2006/relationships" xmlns:mc="http://schemas.openxmlformats.org/markup-compatibility/2006" xmlns:mv="urn:schemas-microsoft-com:mac:vml" xmlns:p="http://schemas.openxmlformats.org/presentationml/2006/main" xmlns:c="http://schemas.openxmlformats.org/drawingml/2006/chart" xmlns:dgm="http://schemas.openxmlformats.org/drawingml/2006/diagram" xmlns:o="urn:schemas-microsoft-com:office:office" xmlns:v="urn:schemas-microsoft-com:vml" xmlns:pvml="urn:schemas-microsoft-com:office:powerpoint" xmlns:com="http://schemas.openxmlformats.org/drawingml/2006/compatibility" xmlns:p14="http://schemas.microsoft.com/office/powerpoint/2010/main" xmlns:p15="http://schemas.microsoft.com/office/powerpoint/2012/main" showMasterPhAnim="0" showMasterSp="0">
+<p:notes xmlns:a="http://schemas.openxmlformats.org/drawingml/2006/main" xmlns:r="http://schemas.openxmlformats.org/officeDocument/2006/relationships" xmlns:p="http://schemas.openxmlformats.org/presentationml/2006/main" showMasterSp="0" showMasterPhAnim="0">
   <p:cSld>
     <p:spTree>
       <p:nvGrpSpPr>
-        <p:cNvPr id="61" name="Shape 61"/>
+        <p:cNvPr id="1" name="Shape 61"/>
         <p:cNvGrpSpPr/>
         <p:nvPr/>
       </p:nvGrpSpPr>
@@ -1641,9 +1705,11 @@
       <p:sp>
         <p:nvSpPr>
           <p:cNvPr id="62" name="Google Shape;62;p6:notes"/>
-          <p:cNvSpPr txBox="1"/>
+          <p:cNvSpPr txBox="1">
+            <a:spLocks noGrp="1"/>
+          </p:cNvSpPr>
           <p:nvPr>
-            <p:ph idx="1" type="body"/>
+            <p:ph type="body" idx="1"/>
           </p:nvPr>
         </p:nvSpPr>
         <p:spPr>
@@ -1660,12 +1726,12 @@
           </a:ln>
         </p:spPr>
         <p:txBody>
-          <a:bodyPr anchorCtr="0" anchor="t" bIns="45700" lIns="91425" spcFirstLastPara="1" rIns="91425" wrap="square" tIns="45700">
+          <a:bodyPr spcFirstLastPara="1" wrap="square" lIns="91425" tIns="45700" rIns="91425" bIns="45700" anchor="t" anchorCtr="0">
             <a:noAutofit/>
           </a:bodyPr>
           <a:lstStyle/>
           <a:p>
-            <a:pPr indent="0" lvl="0" marL="0" rtl="0" algn="l">
+            <a:pPr marL="0" lvl="0" indent="0" algn="l" rtl="0">
               <a:lnSpc>
                 <a:spcPct val="117999"/>
               </a:lnSpc>
@@ -1678,9 +1744,6 @@
               <a:buSzPts val="1400"/>
               <a:buNone/>
             </a:pPr>
-            <a:r>
-              <a:t/>
-            </a:r>
             <a:endParaRPr/>
           </a:p>
         </p:txBody>
@@ -1688,9 +1751,11 @@
       <p:sp>
         <p:nvSpPr>
           <p:cNvPr id="63" name="Google Shape;63;p6:notes"/>
-          <p:cNvSpPr/>
+          <p:cNvSpPr>
+            <a:spLocks noGrp="1" noRot="1" noChangeAspect="1"/>
+          </p:cNvSpPr>
           <p:nvPr>
-            <p:ph idx="2" type="sldImg"/>
+            <p:ph type="sldImg" idx="2"/>
           </p:nvPr>
         </p:nvSpPr>
         <p:spPr>
@@ -1699,9 +1764,13 @@
             <a:ext cx="4572000" cy="3429000"/>
           </a:xfrm>
           <a:custGeom>
-            <a:rect b="b" l="l" r="r" t="t"/>
+            <a:avLst/>
+            <a:gdLst/>
+            <a:ahLst/>
+            <a:cxnLst/>
+            <a:rect l="l" t="t" r="r" b="b"/>
             <a:pathLst>
-              <a:path extrusionOk="0" h="120000" w="120000">
+              <a:path w="120000" h="120000" extrusionOk="0">
                 <a:moveTo>
                   <a:pt x="0" y="0"/>
                 </a:moveTo>
@@ -1733,11 +1802,11 @@
 </file>
 
 <file path=ppt/notesSlides/notesSlide7.xml><?xml version="1.0" encoding="utf-8"?>
-<p:notes xmlns:a="http://schemas.openxmlformats.org/drawingml/2006/main" xmlns:r="http://schemas.openxmlformats.org/officeDocument/2006/relationships" xmlns:mc="http://schemas.openxmlformats.org/markup-compatibility/2006" xmlns:mv="urn:schemas-microsoft-com:mac:vml" xmlns:p="http://schemas.openxmlformats.org/presentationml/2006/main" xmlns:c="http://schemas.openxmlformats.org/drawingml/2006/chart" xmlns:dgm="http://schemas.openxmlformats.org/drawingml/2006/diagram" xmlns:o="urn:schemas-microsoft-com:office:office" xmlns:v="urn:schemas-microsoft-com:vml" xmlns:pvml="urn:schemas-microsoft-com:office:powerpoint" xmlns:com="http://schemas.openxmlformats.org/drawingml/2006/compatibility" xmlns:p14="http://schemas.microsoft.com/office/powerpoint/2010/main" xmlns:p15="http://schemas.microsoft.com/office/powerpoint/2012/main" showMasterPhAnim="0" showMasterSp="0">
+<p:notes xmlns:a="http://schemas.openxmlformats.org/drawingml/2006/main" xmlns:r="http://schemas.openxmlformats.org/officeDocument/2006/relationships" xmlns:p="http://schemas.openxmlformats.org/presentationml/2006/main" showMasterSp="0" showMasterPhAnim="0">
   <p:cSld>
     <p:spTree>
       <p:nvGrpSpPr>
-        <p:cNvPr id="67" name="Shape 67"/>
+        <p:cNvPr id="1" name="Shape 67"/>
         <p:cNvGrpSpPr/>
         <p:nvPr/>
       </p:nvGrpSpPr>
@@ -1752,9 +1821,11 @@
       <p:sp>
         <p:nvSpPr>
           <p:cNvPr id="68" name="Google Shape;68;p7:notes"/>
-          <p:cNvSpPr txBox="1"/>
+          <p:cNvSpPr txBox="1">
+            <a:spLocks noGrp="1"/>
+          </p:cNvSpPr>
           <p:nvPr>
-            <p:ph idx="1" type="body"/>
+            <p:ph type="body" idx="1"/>
           </p:nvPr>
         </p:nvSpPr>
         <p:spPr>
@@ -1771,12 +1842,12 @@
           </a:ln>
         </p:spPr>
         <p:txBody>
-          <a:bodyPr anchorCtr="0" anchor="t" bIns="45700" lIns="91425" spcFirstLastPara="1" rIns="91425" wrap="square" tIns="45700">
+          <a:bodyPr spcFirstLastPara="1" wrap="square" lIns="91425" tIns="45700" rIns="91425" bIns="45700" anchor="t" anchorCtr="0">
             <a:noAutofit/>
           </a:bodyPr>
           <a:lstStyle/>
           <a:p>
-            <a:pPr indent="0" lvl="0" marL="0" rtl="0" algn="l">
+            <a:pPr marL="0" lvl="0" indent="0" algn="l" rtl="0">
               <a:lnSpc>
                 <a:spcPct val="117999"/>
               </a:lnSpc>
@@ -1789,9 +1860,6 @@
               <a:buSzPts val="1400"/>
               <a:buNone/>
             </a:pPr>
-            <a:r>
-              <a:t/>
-            </a:r>
             <a:endParaRPr/>
           </a:p>
         </p:txBody>
@@ -1799,9 +1867,11 @@
       <p:sp>
         <p:nvSpPr>
           <p:cNvPr id="69" name="Google Shape;69;p7:notes"/>
-          <p:cNvSpPr/>
+          <p:cNvSpPr>
+            <a:spLocks noGrp="1" noRot="1" noChangeAspect="1"/>
+          </p:cNvSpPr>
           <p:nvPr>
-            <p:ph idx="2" type="sldImg"/>
+            <p:ph type="sldImg" idx="2"/>
           </p:nvPr>
         </p:nvSpPr>
         <p:spPr>
@@ -1810,9 +1880,13 @@
             <a:ext cx="4572000" cy="3429000"/>
           </a:xfrm>
           <a:custGeom>
-            <a:rect b="b" l="l" r="r" t="t"/>
+            <a:avLst/>
+            <a:gdLst/>
+            <a:ahLst/>
+            <a:cxnLst/>
+            <a:rect l="l" t="t" r="r" b="b"/>
             <a:pathLst>
-              <a:path extrusionOk="0" h="120000" w="120000">
+              <a:path w="120000" h="120000" extrusionOk="0">
                 <a:moveTo>
                   <a:pt x="0" y="0"/>
                 </a:moveTo>
@@ -1844,11 +1918,11 @@
 </file>
 
 <file path=ppt/notesSlides/notesSlide8.xml><?xml version="1.0" encoding="utf-8"?>
-<p:notes xmlns:a="http://schemas.openxmlformats.org/drawingml/2006/main" xmlns:r="http://schemas.openxmlformats.org/officeDocument/2006/relationships" xmlns:mc="http://schemas.openxmlformats.org/markup-compatibility/2006" xmlns:mv="urn:schemas-microsoft-com:mac:vml" xmlns:p="http://schemas.openxmlformats.org/presentationml/2006/main" xmlns:c="http://schemas.openxmlformats.org/drawingml/2006/chart" xmlns:dgm="http://schemas.openxmlformats.org/drawingml/2006/diagram" xmlns:o="urn:schemas-microsoft-com:office:office" xmlns:v="urn:schemas-microsoft-com:vml" xmlns:pvml="urn:schemas-microsoft-com:office:powerpoint" xmlns:com="http://schemas.openxmlformats.org/drawingml/2006/compatibility" xmlns:p14="http://schemas.microsoft.com/office/powerpoint/2010/main" xmlns:p15="http://schemas.microsoft.com/office/powerpoint/2012/main" showMasterPhAnim="0" showMasterSp="0">
+<p:notes xmlns:a="http://schemas.openxmlformats.org/drawingml/2006/main" xmlns:r="http://schemas.openxmlformats.org/officeDocument/2006/relationships" xmlns:p="http://schemas.openxmlformats.org/presentationml/2006/main" showMasterSp="0" showMasterPhAnim="0">
   <p:cSld>
     <p:spTree>
       <p:nvGrpSpPr>
-        <p:cNvPr id="73" name="Shape 73"/>
+        <p:cNvPr id="1" name="Shape 73"/>
         <p:cNvGrpSpPr/>
         <p:nvPr/>
       </p:nvGrpSpPr>
@@ -1863,9 +1937,11 @@
       <p:sp>
         <p:nvSpPr>
           <p:cNvPr id="74" name="Google Shape;74;g6e6c8c4e8a_1_28:notes"/>
-          <p:cNvSpPr txBox="1"/>
+          <p:cNvSpPr txBox="1">
+            <a:spLocks noGrp="1"/>
+          </p:cNvSpPr>
           <p:nvPr>
-            <p:ph idx="1" type="body"/>
+            <p:ph type="body" idx="1"/>
           </p:nvPr>
         </p:nvSpPr>
         <p:spPr>
@@ -1882,12 +1958,12 @@
           </a:ln>
         </p:spPr>
         <p:txBody>
-          <a:bodyPr anchorCtr="0" anchor="t" bIns="45700" lIns="91425" spcFirstLastPara="1" rIns="91425" wrap="square" tIns="45700">
+          <a:bodyPr spcFirstLastPara="1" wrap="square" lIns="91425" tIns="45700" rIns="91425" bIns="45700" anchor="t" anchorCtr="0">
             <a:noAutofit/>
           </a:bodyPr>
           <a:lstStyle/>
           <a:p>
-            <a:pPr indent="0" lvl="0" marL="0" rtl="0" algn="l">
+            <a:pPr marL="0" lvl="0" indent="0" algn="l" rtl="0">
               <a:lnSpc>
                 <a:spcPct val="117999"/>
               </a:lnSpc>
@@ -1900,9 +1976,6 @@
               <a:buSzPts val="1400"/>
               <a:buNone/>
             </a:pPr>
-            <a:r>
-              <a:t/>
-            </a:r>
             <a:endParaRPr/>
           </a:p>
         </p:txBody>
@@ -1910,9 +1983,11 @@
       <p:sp>
         <p:nvSpPr>
           <p:cNvPr id="75" name="Google Shape;75;g6e6c8c4e8a_1_28:notes"/>
-          <p:cNvSpPr/>
+          <p:cNvSpPr>
+            <a:spLocks noGrp="1" noRot="1" noChangeAspect="1"/>
+          </p:cNvSpPr>
           <p:nvPr>
-            <p:ph idx="2" type="sldImg"/>
+            <p:ph type="sldImg" idx="2"/>
           </p:nvPr>
         </p:nvSpPr>
         <p:spPr>
@@ -1921,9 +1996,13 @@
             <a:ext cx="4572000" cy="3429000"/>
           </a:xfrm>
           <a:custGeom>
-            <a:rect b="b" l="l" r="r" t="t"/>
+            <a:avLst/>
+            <a:gdLst/>
+            <a:ahLst/>
+            <a:cxnLst/>
+            <a:rect l="l" t="t" r="r" b="b"/>
             <a:pathLst>
-              <a:path extrusionOk="0" h="120000" w="120000">
+              <a:path w="120000" h="120000" extrusionOk="0">
                 <a:moveTo>
                   <a:pt x="0" y="0"/>
                 </a:moveTo>
@@ -1955,11 +2034,11 @@
 </file>
 
 <file path=ppt/notesSlides/notesSlide9.xml><?xml version="1.0" encoding="utf-8"?>
-<p:notes xmlns:a="http://schemas.openxmlformats.org/drawingml/2006/main" xmlns:r="http://schemas.openxmlformats.org/officeDocument/2006/relationships" xmlns:mc="http://schemas.openxmlformats.org/markup-compatibility/2006" xmlns:mv="urn:schemas-microsoft-com:mac:vml" xmlns:p="http://schemas.openxmlformats.org/presentationml/2006/main" xmlns:c="http://schemas.openxmlformats.org/drawingml/2006/chart" xmlns:dgm="http://schemas.openxmlformats.org/drawingml/2006/diagram" xmlns:o="urn:schemas-microsoft-com:office:office" xmlns:v="urn:schemas-microsoft-com:vml" xmlns:pvml="urn:schemas-microsoft-com:office:powerpoint" xmlns:com="http://schemas.openxmlformats.org/drawingml/2006/compatibility" xmlns:p14="http://schemas.microsoft.com/office/powerpoint/2010/main" xmlns:p15="http://schemas.microsoft.com/office/powerpoint/2012/main" showMasterPhAnim="0" showMasterSp="0">
+<p:notes xmlns:a="http://schemas.openxmlformats.org/drawingml/2006/main" xmlns:r="http://schemas.openxmlformats.org/officeDocument/2006/relationships" xmlns:p="http://schemas.openxmlformats.org/presentationml/2006/main" showMasterSp="0" showMasterPhAnim="0">
   <p:cSld>
     <p:spTree>
       <p:nvGrpSpPr>
-        <p:cNvPr id="80" name="Shape 80"/>
+        <p:cNvPr id="1" name="Shape 80"/>
         <p:cNvGrpSpPr/>
         <p:nvPr/>
       </p:nvGrpSpPr>
@@ -1974,9 +2053,11 @@
       <p:sp>
         <p:nvSpPr>
           <p:cNvPr id="81" name="Google Shape;81;g6e6c8c4e8a_1_42:notes"/>
-          <p:cNvSpPr txBox="1"/>
+          <p:cNvSpPr txBox="1">
+            <a:spLocks noGrp="1"/>
+          </p:cNvSpPr>
           <p:nvPr>
-            <p:ph idx="1" type="body"/>
+            <p:ph type="body" idx="1"/>
           </p:nvPr>
         </p:nvSpPr>
         <p:spPr>
@@ -1993,12 +2074,12 @@
           </a:ln>
         </p:spPr>
         <p:txBody>
-          <a:bodyPr anchorCtr="0" anchor="t" bIns="45700" lIns="91425" spcFirstLastPara="1" rIns="91425" wrap="square" tIns="45700">
+          <a:bodyPr spcFirstLastPara="1" wrap="square" lIns="91425" tIns="45700" rIns="91425" bIns="45700" anchor="t" anchorCtr="0">
             <a:noAutofit/>
           </a:bodyPr>
           <a:lstStyle/>
           <a:p>
-            <a:pPr indent="0" lvl="0" marL="0" rtl="0" algn="l">
+            <a:pPr marL="0" lvl="0" indent="0" algn="l" rtl="0">
               <a:lnSpc>
                 <a:spcPct val="117999"/>
               </a:lnSpc>
@@ -2011,9 +2092,6 @@
               <a:buSzPts val="1400"/>
               <a:buNone/>
             </a:pPr>
-            <a:r>
-              <a:t/>
-            </a:r>
             <a:endParaRPr/>
           </a:p>
         </p:txBody>
@@ -2021,9 +2099,11 @@
       <p:sp>
         <p:nvSpPr>
           <p:cNvPr id="82" name="Google Shape;82;g6e6c8c4e8a_1_42:notes"/>
-          <p:cNvSpPr/>
+          <p:cNvSpPr>
+            <a:spLocks noGrp="1" noRot="1" noChangeAspect="1"/>
+          </p:cNvSpPr>
           <p:nvPr>
-            <p:ph idx="2" type="sldImg"/>
+            <p:ph type="sldImg" idx="2"/>
           </p:nvPr>
         </p:nvSpPr>
         <p:spPr>
@@ -2032,9 +2112,13 @@
             <a:ext cx="4572000" cy="3429000"/>
           </a:xfrm>
           <a:custGeom>
-            <a:rect b="b" l="l" r="r" t="t"/>
+            <a:avLst/>
+            <a:gdLst/>
+            <a:ahLst/>
+            <a:cxnLst/>
+            <a:rect l="l" t="t" r="r" b="b"/>
             <a:pathLst>
-              <a:path extrusionOk="0" h="120000" w="120000">
+              <a:path w="120000" h="120000" extrusionOk="0">
                 <a:moveTo>
                   <a:pt x="0" y="0"/>
                 </a:moveTo>
@@ -2066,11 +2150,11 @@
 </file>
 
 <file path=ppt/slideLayouts/slideLayout1.xml><?xml version="1.0" encoding="utf-8"?>
-<p:sldLayout xmlns:a="http://schemas.openxmlformats.org/drawingml/2006/main" xmlns:r="http://schemas.openxmlformats.org/officeDocument/2006/relationships" xmlns:mc="http://schemas.openxmlformats.org/markup-compatibility/2006" xmlns:mv="urn:schemas-microsoft-com:mac:vml" xmlns:p="http://schemas.openxmlformats.org/presentationml/2006/main" xmlns:c="http://schemas.openxmlformats.org/drawingml/2006/chart" xmlns:dgm="http://schemas.openxmlformats.org/drawingml/2006/diagram" xmlns:o="urn:schemas-microsoft-com:office:office" xmlns:v="urn:schemas-microsoft-com:vml" xmlns:pvml="urn:schemas-microsoft-com:office:powerpoint" xmlns:com="http://schemas.openxmlformats.org/drawingml/2006/compatibility" xmlns:p14="http://schemas.microsoft.com/office/powerpoint/2010/main" xmlns:p15="http://schemas.microsoft.com/office/powerpoint/2012/main" matchingName="Blank" showMasterSp="0" type="tx">
+<p:sldLayout xmlns:a="http://schemas.openxmlformats.org/drawingml/2006/main" xmlns:r="http://schemas.openxmlformats.org/officeDocument/2006/relationships" xmlns:p="http://schemas.openxmlformats.org/presentationml/2006/main" showMasterSp="0" matchingName="Blank" type="tx">
   <p:cSld name="TITLE_AND_BODY">
     <p:spTree>
       <p:nvGrpSpPr>
-        <p:cNvPr id="11" name="Shape 11"/>
+        <p:cNvPr id="1" name="Shape 11"/>
         <p:cNvGrpSpPr/>
         <p:nvPr/>
       </p:nvGrpSpPr>
@@ -2085,9 +2169,11 @@
       <p:sp>
         <p:nvSpPr>
           <p:cNvPr id="12" name="Google Shape;12;p11"/>
-          <p:cNvSpPr txBox="1"/>
+          <p:cNvSpPr txBox="1">
+            <a:spLocks noGrp="1"/>
+          </p:cNvSpPr>
           <p:nvPr>
-            <p:ph idx="12" type="sldNum"/>
+            <p:ph type="sldNum" idx="12"/>
           </p:nvPr>
         </p:nvSpPr>
         <p:spPr>
@@ -2104,11 +2190,11 @@
           </a:ln>
         </p:spPr>
         <p:txBody>
-          <a:bodyPr anchorCtr="0" anchor="t" bIns="50800" lIns="50800" spcFirstLastPara="1" rIns="50800" wrap="square" tIns="50800">
+          <a:bodyPr spcFirstLastPara="1" wrap="square" lIns="50800" tIns="50800" rIns="50800" bIns="50800" anchor="t" anchorCtr="0">
             <a:spAutoFit/>
           </a:bodyPr>
           <a:lstStyle>
-            <a:lvl1pPr indent="0" lvl="0" marL="0" marR="0" algn="ctr">
+            <a:lvl1pPr marL="0" marR="0" lvl="0" indent="0" algn="ctr">
               <a:lnSpc>
                 <a:spcPct val="100000"/>
               </a:lnSpc>
@@ -2124,7 +2210,7 @@
               <a:buSzPts val="1800"/>
               <a:buFont typeface="Helvetica Neue Light"/>
               <a:buNone/>
-              <a:defRPr b="0" i="0" sz="1800" u="none" cap="none" strike="noStrike">
+              <a:defRPr sz="1800" b="0" i="0" u="none" strike="noStrike" cap="none">
                 <a:solidFill>
                   <a:srgbClr val="000000"/>
                 </a:solidFill>
@@ -2134,7 +2220,7 @@
                 <a:sym typeface="Helvetica Neue Light"/>
               </a:defRPr>
             </a:lvl1pPr>
-            <a:lvl2pPr indent="0" lvl="1" marL="0" marR="0" algn="ctr">
+            <a:lvl2pPr marL="0" marR="0" lvl="1" indent="0" algn="ctr">
               <a:lnSpc>
                 <a:spcPct val="100000"/>
               </a:lnSpc>
@@ -2150,7 +2236,7 @@
               <a:buSzPts val="1800"/>
               <a:buFont typeface="Helvetica Neue Light"/>
               <a:buNone/>
-              <a:defRPr b="0" i="0" sz="1800" u="none" cap="none" strike="noStrike">
+              <a:defRPr sz="1800" b="0" i="0" u="none" strike="noStrike" cap="none">
                 <a:solidFill>
                   <a:srgbClr val="000000"/>
                 </a:solidFill>
@@ -2160,7 +2246,7 @@
                 <a:sym typeface="Helvetica Neue Light"/>
               </a:defRPr>
             </a:lvl2pPr>
-            <a:lvl3pPr indent="0" lvl="2" marL="0" marR="0" algn="ctr">
+            <a:lvl3pPr marL="0" marR="0" lvl="2" indent="0" algn="ctr">
               <a:lnSpc>
                 <a:spcPct val="100000"/>
               </a:lnSpc>
@@ -2176,7 +2262,7 @@
               <a:buSzPts val="1800"/>
               <a:buFont typeface="Helvetica Neue Light"/>
               <a:buNone/>
-              <a:defRPr b="0" i="0" sz="1800" u="none" cap="none" strike="noStrike">
+              <a:defRPr sz="1800" b="0" i="0" u="none" strike="noStrike" cap="none">
                 <a:solidFill>
                   <a:srgbClr val="000000"/>
                 </a:solidFill>
@@ -2186,7 +2272,7 @@
                 <a:sym typeface="Helvetica Neue Light"/>
               </a:defRPr>
             </a:lvl3pPr>
-            <a:lvl4pPr indent="0" lvl="3" marL="0" marR="0" algn="ctr">
+            <a:lvl4pPr marL="0" marR="0" lvl="3" indent="0" algn="ctr">
               <a:lnSpc>
                 <a:spcPct val="100000"/>
               </a:lnSpc>
@@ -2202,7 +2288,7 @@
               <a:buSzPts val="1800"/>
               <a:buFont typeface="Helvetica Neue Light"/>
               <a:buNone/>
-              <a:defRPr b="0" i="0" sz="1800" u="none" cap="none" strike="noStrike">
+              <a:defRPr sz="1800" b="0" i="0" u="none" strike="noStrike" cap="none">
                 <a:solidFill>
                   <a:srgbClr val="000000"/>
                 </a:solidFill>
@@ -2212,7 +2298,7 @@
                 <a:sym typeface="Helvetica Neue Light"/>
               </a:defRPr>
             </a:lvl4pPr>
-            <a:lvl5pPr indent="0" lvl="4" marL="0" marR="0" algn="ctr">
+            <a:lvl5pPr marL="0" marR="0" lvl="4" indent="0" algn="ctr">
               <a:lnSpc>
                 <a:spcPct val="100000"/>
               </a:lnSpc>
@@ -2228,7 +2314,7 @@
               <a:buSzPts val="1800"/>
               <a:buFont typeface="Helvetica Neue Light"/>
               <a:buNone/>
-              <a:defRPr b="0" i="0" sz="1800" u="none" cap="none" strike="noStrike">
+              <a:defRPr sz="1800" b="0" i="0" u="none" strike="noStrike" cap="none">
                 <a:solidFill>
                   <a:srgbClr val="000000"/>
                 </a:solidFill>
@@ -2238,7 +2324,7 @@
                 <a:sym typeface="Helvetica Neue Light"/>
               </a:defRPr>
             </a:lvl5pPr>
-            <a:lvl6pPr indent="0" lvl="5" marL="0" marR="0" algn="ctr">
+            <a:lvl6pPr marL="0" marR="0" lvl="5" indent="0" algn="ctr">
               <a:lnSpc>
                 <a:spcPct val="100000"/>
               </a:lnSpc>
@@ -2254,7 +2340,7 @@
               <a:buSzPts val="1800"/>
               <a:buFont typeface="Helvetica Neue Light"/>
               <a:buNone/>
-              <a:defRPr b="0" i="0" sz="1800" u="none" cap="none" strike="noStrike">
+              <a:defRPr sz="1800" b="0" i="0" u="none" strike="noStrike" cap="none">
                 <a:solidFill>
                   <a:srgbClr val="000000"/>
                 </a:solidFill>
@@ -2264,7 +2350,7 @@
                 <a:sym typeface="Helvetica Neue Light"/>
               </a:defRPr>
             </a:lvl6pPr>
-            <a:lvl7pPr indent="0" lvl="6" marL="0" marR="0" algn="ctr">
+            <a:lvl7pPr marL="0" marR="0" lvl="6" indent="0" algn="ctr">
               <a:lnSpc>
                 <a:spcPct val="100000"/>
               </a:lnSpc>
@@ -2280,7 +2366,7 @@
               <a:buSzPts val="1800"/>
               <a:buFont typeface="Helvetica Neue Light"/>
               <a:buNone/>
-              <a:defRPr b="0" i="0" sz="1800" u="none" cap="none" strike="noStrike">
+              <a:defRPr sz="1800" b="0" i="0" u="none" strike="noStrike" cap="none">
                 <a:solidFill>
                   <a:srgbClr val="000000"/>
                 </a:solidFill>
@@ -2290,7 +2376,7 @@
                 <a:sym typeface="Helvetica Neue Light"/>
               </a:defRPr>
             </a:lvl7pPr>
-            <a:lvl8pPr indent="0" lvl="7" marL="0" marR="0" algn="ctr">
+            <a:lvl8pPr marL="0" marR="0" lvl="7" indent="0" algn="ctr">
               <a:lnSpc>
                 <a:spcPct val="100000"/>
               </a:lnSpc>
@@ -2306,7 +2392,7 @@
               <a:buSzPts val="1800"/>
               <a:buFont typeface="Helvetica Neue Light"/>
               <a:buNone/>
-              <a:defRPr b="0" i="0" sz="1800" u="none" cap="none" strike="noStrike">
+              <a:defRPr sz="1800" b="0" i="0" u="none" strike="noStrike" cap="none">
                 <a:solidFill>
                   <a:srgbClr val="000000"/>
                 </a:solidFill>
@@ -2316,7 +2402,7 @@
                 <a:sym typeface="Helvetica Neue Light"/>
               </a:defRPr>
             </a:lvl8pPr>
-            <a:lvl9pPr indent="0" lvl="8" marL="0" marR="0" algn="ctr">
+            <a:lvl9pPr marL="0" marR="0" lvl="8" indent="0" algn="ctr">
               <a:lnSpc>
                 <a:spcPct val="100000"/>
               </a:lnSpc>
@@ -2332,7 +2418,7 @@
               <a:buSzPts val="1800"/>
               <a:buFont typeface="Helvetica Neue Light"/>
               <a:buNone/>
-              <a:defRPr b="0" i="0" sz="1800" u="none" cap="none" strike="noStrike">
+              <a:defRPr sz="1800" b="0" i="0" u="none" strike="noStrike" cap="none">
                 <a:solidFill>
                   <a:srgbClr val="000000"/>
                 </a:solidFill>
@@ -2344,7 +2430,7 @@
             </a:lvl9pPr>
           </a:lstStyle>
           <a:p>
-            <a:pPr indent="0" lvl="0" marL="0" rtl="0" algn="ctr">
+            <a:pPr marL="0" lvl="0" indent="0" algn="ctr" rtl="0">
               <a:spcBef>
                 <a:spcPts val="0"/>
               </a:spcBef>
@@ -2355,7 +2441,7 @@
             </a:pPr>
             <a:fld id="{00000000-1234-1234-1234-123412341234}" type="slidenum">
               <a:rPr lang="en-US"/>
-              <a:t>‹#›</a:t>
+              <a:t>‹nº›</a:t>
             </a:fld>
             <a:endParaRPr/>
           </a:p>
@@ -2370,11 +2456,11 @@
 </file>
 
 <file path=ppt/slideLayouts/slideLayout2.xml><?xml version="1.0" encoding="utf-8"?>
-<p:sldLayout xmlns:a="http://schemas.openxmlformats.org/drawingml/2006/main" xmlns:r="http://schemas.openxmlformats.org/officeDocument/2006/relationships" xmlns:mc="http://schemas.openxmlformats.org/markup-compatibility/2006" xmlns:mv="urn:schemas-microsoft-com:mac:vml" xmlns:p="http://schemas.openxmlformats.org/presentationml/2006/main" xmlns:c="http://schemas.openxmlformats.org/drawingml/2006/chart" xmlns:dgm="http://schemas.openxmlformats.org/drawingml/2006/diagram" xmlns:o="urn:schemas-microsoft-com:office:office" xmlns:v="urn:schemas-microsoft-com:vml" xmlns:pvml="urn:schemas-microsoft-com:office:powerpoint" xmlns:com="http://schemas.openxmlformats.org/drawingml/2006/compatibility" xmlns:p14="http://schemas.microsoft.com/office/powerpoint/2010/main" xmlns:p15="http://schemas.microsoft.com/office/powerpoint/2012/main" matchingName="Title, Bullets &amp; Photo">
+<p:sldLayout xmlns:a="http://schemas.openxmlformats.org/drawingml/2006/main" xmlns:r="http://schemas.openxmlformats.org/officeDocument/2006/relationships" xmlns:p="http://schemas.openxmlformats.org/presentationml/2006/main" matchingName="Title, Bullets &amp; Photo">
   <p:cSld name="Title, Bullets &amp; Photo">
     <p:spTree>
       <p:nvGrpSpPr>
-        <p:cNvPr id="13" name="Shape 13"/>
+        <p:cNvPr id="1" name="Shape 13"/>
         <p:cNvGrpSpPr/>
         <p:nvPr/>
       </p:nvGrpSpPr>
@@ -2389,7 +2475,9 @@
       <p:sp>
         <p:nvSpPr>
           <p:cNvPr id="14" name="Google Shape;14;p12"/>
-          <p:cNvSpPr txBox="1"/>
+          <p:cNvSpPr txBox="1">
+            <a:spLocks noGrp="1"/>
+          </p:cNvSpPr>
           <p:nvPr>
             <p:ph type="title"/>
           </p:nvPr>
@@ -2408,7 +2496,7 @@
           </a:ln>
         </p:spPr>
         <p:txBody>
-          <a:bodyPr anchorCtr="0" anchor="ctr" bIns="50800" lIns="50800" spcFirstLastPara="1" rIns="50800" wrap="square" tIns="50800">
+          <a:bodyPr spcFirstLastPara="1" wrap="square" lIns="50800" tIns="50800" rIns="50800" bIns="50800" anchor="ctr" anchorCtr="0">
             <a:normAutofit/>
           </a:bodyPr>
           <a:lstStyle>
@@ -2566,15 +2654,19 @@
               <a:defRPr/>
             </a:lvl9pPr>
           </a:lstStyle>
-          <a:p/>
+          <a:p>
+            <a:endParaRPr/>
+          </a:p>
         </p:txBody>
       </p:sp>
       <p:sp>
         <p:nvSpPr>
           <p:cNvPr id="15" name="Google Shape;15;p12"/>
-          <p:cNvSpPr txBox="1"/>
+          <p:cNvSpPr txBox="1">
+            <a:spLocks noGrp="1"/>
+          </p:cNvSpPr>
           <p:nvPr>
-            <p:ph idx="1" type="body"/>
+            <p:ph type="body" idx="1"/>
           </p:nvPr>
         </p:nvSpPr>
         <p:spPr>
@@ -2591,11 +2683,11 @@
           </a:ln>
         </p:spPr>
         <p:txBody>
-          <a:bodyPr anchorCtr="0" anchor="t" bIns="50800" lIns="50800" spcFirstLastPara="1" rIns="50800" wrap="square" tIns="50800">
+          <a:bodyPr spcFirstLastPara="1" wrap="square" lIns="50800" tIns="50800" rIns="50800" bIns="50800" anchor="t" anchorCtr="0">
             <a:normAutofit/>
           </a:bodyPr>
           <a:lstStyle>
-            <a:lvl1pPr indent="-314325" lvl="0" marL="457200" algn="l">
+            <a:lvl1pPr marL="457200" lvl="0" indent="-314325" algn="l">
               <a:lnSpc>
                 <a:spcPct val="100000"/>
               </a:lnSpc>
@@ -2612,7 +2704,7 @@
               <a:buChar char="•"/>
               <a:defRPr/>
             </a:lvl1pPr>
-            <a:lvl2pPr indent="-314325" lvl="1" marL="914400" algn="l">
+            <a:lvl2pPr marL="914400" lvl="1" indent="-314325" algn="l">
               <a:lnSpc>
                 <a:spcPct val="100000"/>
               </a:lnSpc>
@@ -2629,7 +2721,7 @@
               <a:buChar char="•"/>
               <a:defRPr/>
             </a:lvl2pPr>
-            <a:lvl3pPr indent="-314325" lvl="2" marL="1371600" algn="l">
+            <a:lvl3pPr marL="1371600" lvl="2" indent="-314325" algn="l">
               <a:lnSpc>
                 <a:spcPct val="100000"/>
               </a:lnSpc>
@@ -2646,7 +2738,7 @@
               <a:buChar char="•"/>
               <a:defRPr/>
             </a:lvl3pPr>
-            <a:lvl4pPr indent="-314325" lvl="3" marL="1828800" algn="l">
+            <a:lvl4pPr marL="1828800" lvl="3" indent="-314325" algn="l">
               <a:lnSpc>
                 <a:spcPct val="100000"/>
               </a:lnSpc>
@@ -2663,7 +2755,7 @@
               <a:buChar char="•"/>
               <a:defRPr/>
             </a:lvl4pPr>
-            <a:lvl5pPr indent="-314325" lvl="4" marL="2286000" algn="l">
+            <a:lvl5pPr marL="2286000" lvl="4" indent="-314325" algn="l">
               <a:lnSpc>
                 <a:spcPct val="100000"/>
               </a:lnSpc>
@@ -2680,7 +2772,7 @@
               <a:buChar char="•"/>
               <a:defRPr/>
             </a:lvl5pPr>
-            <a:lvl6pPr indent="-314325" lvl="5" marL="2743200" algn="l">
+            <a:lvl6pPr marL="2743200" lvl="5" indent="-314325" algn="l">
               <a:lnSpc>
                 <a:spcPct val="100000"/>
               </a:lnSpc>
@@ -2697,7 +2789,7 @@
               <a:buChar char="•"/>
               <a:defRPr/>
             </a:lvl6pPr>
-            <a:lvl7pPr indent="-314325" lvl="6" marL="3200400" algn="l">
+            <a:lvl7pPr marL="3200400" lvl="6" indent="-314325" algn="l">
               <a:lnSpc>
                 <a:spcPct val="100000"/>
               </a:lnSpc>
@@ -2714,7 +2806,7 @@
               <a:buChar char="•"/>
               <a:defRPr/>
             </a:lvl7pPr>
-            <a:lvl8pPr indent="-314325" lvl="7" marL="3657600" algn="l">
+            <a:lvl8pPr marL="3657600" lvl="7" indent="-314325" algn="l">
               <a:lnSpc>
                 <a:spcPct val="100000"/>
               </a:lnSpc>
@@ -2731,7 +2823,7 @@
               <a:buChar char="•"/>
               <a:defRPr/>
             </a:lvl8pPr>
-            <a:lvl9pPr indent="-314325" lvl="8" marL="4114800" algn="l">
+            <a:lvl9pPr marL="4114800" lvl="8" indent="-314325" algn="l">
               <a:lnSpc>
                 <a:spcPct val="100000"/>
               </a:lnSpc>
@@ -2749,15 +2841,19 @@
               <a:defRPr/>
             </a:lvl9pPr>
           </a:lstStyle>
-          <a:p/>
+          <a:p>
+            <a:endParaRPr/>
+          </a:p>
         </p:txBody>
       </p:sp>
       <p:sp>
         <p:nvSpPr>
           <p:cNvPr id="16" name="Google Shape;16;p12"/>
-          <p:cNvSpPr txBox="1"/>
+          <p:cNvSpPr txBox="1">
+            <a:spLocks noGrp="1"/>
+          </p:cNvSpPr>
           <p:nvPr>
-            <p:ph idx="12" type="sldNum"/>
+            <p:ph type="sldNum" idx="12"/>
           </p:nvPr>
         </p:nvSpPr>
         <p:spPr>
@@ -2774,11 +2870,11 @@
           </a:ln>
         </p:spPr>
         <p:txBody>
-          <a:bodyPr anchorCtr="0" anchor="t" bIns="50800" lIns="50800" spcFirstLastPara="1" rIns="50800" wrap="square" tIns="50800">
+          <a:bodyPr spcFirstLastPara="1" wrap="square" lIns="50800" tIns="50800" rIns="50800" bIns="50800" anchor="t" anchorCtr="0">
             <a:spAutoFit/>
           </a:bodyPr>
           <a:lstStyle>
-            <a:lvl1pPr indent="0" lvl="0" marL="0" marR="0" algn="ctr">
+            <a:lvl1pPr marL="0" marR="0" lvl="0" indent="0" algn="ctr">
               <a:lnSpc>
                 <a:spcPct val="100000"/>
               </a:lnSpc>
@@ -2794,7 +2890,7 @@
               <a:buSzPts val="1800"/>
               <a:buFont typeface="Helvetica Neue Light"/>
               <a:buNone/>
-              <a:defRPr b="0" i="0" sz="1800" u="none" cap="none" strike="noStrike">
+              <a:defRPr sz="1800" b="0" i="0" u="none" strike="noStrike" cap="none">
                 <a:solidFill>
                   <a:srgbClr val="000000"/>
                 </a:solidFill>
@@ -2804,7 +2900,7 @@
                 <a:sym typeface="Helvetica Neue Light"/>
               </a:defRPr>
             </a:lvl1pPr>
-            <a:lvl2pPr indent="0" lvl="1" marL="0" marR="0" algn="ctr">
+            <a:lvl2pPr marL="0" marR="0" lvl="1" indent="0" algn="ctr">
               <a:lnSpc>
                 <a:spcPct val="100000"/>
               </a:lnSpc>
@@ -2820,7 +2916,7 @@
               <a:buSzPts val="1800"/>
               <a:buFont typeface="Helvetica Neue Light"/>
               <a:buNone/>
-              <a:defRPr b="0" i="0" sz="1800" u="none" cap="none" strike="noStrike">
+              <a:defRPr sz="1800" b="0" i="0" u="none" strike="noStrike" cap="none">
                 <a:solidFill>
                   <a:srgbClr val="000000"/>
                 </a:solidFill>
@@ -2830,7 +2926,7 @@
                 <a:sym typeface="Helvetica Neue Light"/>
               </a:defRPr>
             </a:lvl2pPr>
-            <a:lvl3pPr indent="0" lvl="2" marL="0" marR="0" algn="ctr">
+            <a:lvl3pPr marL="0" marR="0" lvl="2" indent="0" algn="ctr">
               <a:lnSpc>
                 <a:spcPct val="100000"/>
               </a:lnSpc>
@@ -2846,7 +2942,7 @@
               <a:buSzPts val="1800"/>
               <a:buFont typeface="Helvetica Neue Light"/>
               <a:buNone/>
-              <a:defRPr b="0" i="0" sz="1800" u="none" cap="none" strike="noStrike">
+              <a:defRPr sz="1800" b="0" i="0" u="none" strike="noStrike" cap="none">
                 <a:solidFill>
                   <a:srgbClr val="000000"/>
                 </a:solidFill>
@@ -2856,7 +2952,7 @@
                 <a:sym typeface="Helvetica Neue Light"/>
               </a:defRPr>
             </a:lvl3pPr>
-            <a:lvl4pPr indent="0" lvl="3" marL="0" marR="0" algn="ctr">
+            <a:lvl4pPr marL="0" marR="0" lvl="3" indent="0" algn="ctr">
               <a:lnSpc>
                 <a:spcPct val="100000"/>
               </a:lnSpc>
@@ -2872,7 +2968,7 @@
               <a:buSzPts val="1800"/>
               <a:buFont typeface="Helvetica Neue Light"/>
               <a:buNone/>
-              <a:defRPr b="0" i="0" sz="1800" u="none" cap="none" strike="noStrike">
+              <a:defRPr sz="1800" b="0" i="0" u="none" strike="noStrike" cap="none">
                 <a:solidFill>
                   <a:srgbClr val="000000"/>
                 </a:solidFill>
@@ -2882,7 +2978,7 @@
                 <a:sym typeface="Helvetica Neue Light"/>
               </a:defRPr>
             </a:lvl4pPr>
-            <a:lvl5pPr indent="0" lvl="4" marL="0" marR="0" algn="ctr">
+            <a:lvl5pPr marL="0" marR="0" lvl="4" indent="0" algn="ctr">
               <a:lnSpc>
                 <a:spcPct val="100000"/>
               </a:lnSpc>
@@ -2898,7 +2994,7 @@
               <a:buSzPts val="1800"/>
               <a:buFont typeface="Helvetica Neue Light"/>
               <a:buNone/>
-              <a:defRPr b="0" i="0" sz="1800" u="none" cap="none" strike="noStrike">
+              <a:defRPr sz="1800" b="0" i="0" u="none" strike="noStrike" cap="none">
                 <a:solidFill>
                   <a:srgbClr val="000000"/>
                 </a:solidFill>
@@ -2908,7 +3004,7 @@
                 <a:sym typeface="Helvetica Neue Light"/>
               </a:defRPr>
             </a:lvl5pPr>
-            <a:lvl6pPr indent="0" lvl="5" marL="0" marR="0" algn="ctr">
+            <a:lvl6pPr marL="0" marR="0" lvl="5" indent="0" algn="ctr">
               <a:lnSpc>
                 <a:spcPct val="100000"/>
               </a:lnSpc>
@@ -2924,7 +3020,7 @@
               <a:buSzPts val="1800"/>
               <a:buFont typeface="Helvetica Neue Light"/>
               <a:buNone/>
-              <a:defRPr b="0" i="0" sz="1800" u="none" cap="none" strike="noStrike">
+              <a:defRPr sz="1800" b="0" i="0" u="none" strike="noStrike" cap="none">
                 <a:solidFill>
                   <a:srgbClr val="000000"/>
                 </a:solidFill>
@@ -2934,7 +3030,7 @@
                 <a:sym typeface="Helvetica Neue Light"/>
               </a:defRPr>
             </a:lvl6pPr>
-            <a:lvl7pPr indent="0" lvl="6" marL="0" marR="0" algn="ctr">
+            <a:lvl7pPr marL="0" marR="0" lvl="6" indent="0" algn="ctr">
               <a:lnSpc>
                 <a:spcPct val="100000"/>
               </a:lnSpc>
@@ -2950,7 +3046,7 @@
               <a:buSzPts val="1800"/>
               <a:buFont typeface="Helvetica Neue Light"/>
               <a:buNone/>
-              <a:defRPr b="0" i="0" sz="1800" u="none" cap="none" strike="noStrike">
+              <a:defRPr sz="1800" b="0" i="0" u="none" strike="noStrike" cap="none">
                 <a:solidFill>
                   <a:srgbClr val="000000"/>
                 </a:solidFill>
@@ -2960,7 +3056,7 @@
                 <a:sym typeface="Helvetica Neue Light"/>
               </a:defRPr>
             </a:lvl7pPr>
-            <a:lvl8pPr indent="0" lvl="7" marL="0" marR="0" algn="ctr">
+            <a:lvl8pPr marL="0" marR="0" lvl="7" indent="0" algn="ctr">
               <a:lnSpc>
                 <a:spcPct val="100000"/>
               </a:lnSpc>
@@ -2976,7 +3072,7 @@
               <a:buSzPts val="1800"/>
               <a:buFont typeface="Helvetica Neue Light"/>
               <a:buNone/>
-              <a:defRPr b="0" i="0" sz="1800" u="none" cap="none" strike="noStrike">
+              <a:defRPr sz="1800" b="0" i="0" u="none" strike="noStrike" cap="none">
                 <a:solidFill>
                   <a:srgbClr val="000000"/>
                 </a:solidFill>
@@ -2986,7 +3082,7 @@
                 <a:sym typeface="Helvetica Neue Light"/>
               </a:defRPr>
             </a:lvl8pPr>
-            <a:lvl9pPr indent="0" lvl="8" marL="0" marR="0" algn="ctr">
+            <a:lvl9pPr marL="0" marR="0" lvl="8" indent="0" algn="ctr">
               <a:lnSpc>
                 <a:spcPct val="100000"/>
               </a:lnSpc>
@@ -3002,7 +3098,7 @@
               <a:buSzPts val="1800"/>
               <a:buFont typeface="Helvetica Neue Light"/>
               <a:buNone/>
-              <a:defRPr b="0" i="0" sz="1800" u="none" cap="none" strike="noStrike">
+              <a:defRPr sz="1800" b="0" i="0" u="none" strike="noStrike" cap="none">
                 <a:solidFill>
                   <a:srgbClr val="000000"/>
                 </a:solidFill>
@@ -3014,7 +3110,7 @@
             </a:lvl9pPr>
           </a:lstStyle>
           <a:p>
-            <a:pPr indent="0" lvl="0" marL="0" rtl="0" algn="ctr">
+            <a:pPr marL="0" lvl="0" indent="0" algn="ctr" rtl="0">
               <a:spcBef>
                 <a:spcPts val="0"/>
               </a:spcBef>
@@ -3025,7 +3121,7 @@
             </a:pPr>
             <a:fld id="{00000000-1234-1234-1234-123412341234}" type="slidenum">
               <a:rPr lang="en-US"/>
-              <a:t>‹#›</a:t>
+              <a:t>‹nº›</a:t>
             </a:fld>
             <a:endParaRPr/>
           </a:p>
@@ -3040,11 +3136,11 @@
 </file>
 
 <file path=ppt/slideLayouts/slideLayout3.xml><?xml version="1.0" encoding="utf-8"?>
-<p:sldLayout xmlns:a="http://schemas.openxmlformats.org/drawingml/2006/main" xmlns:r="http://schemas.openxmlformats.org/officeDocument/2006/relationships" xmlns:mc="http://schemas.openxmlformats.org/markup-compatibility/2006" xmlns:mv="urn:schemas-microsoft-com:mac:vml" xmlns:p="http://schemas.openxmlformats.org/presentationml/2006/main" xmlns:c="http://schemas.openxmlformats.org/drawingml/2006/chart" xmlns:dgm="http://schemas.openxmlformats.org/drawingml/2006/diagram" xmlns:o="urn:schemas-microsoft-com:office:office" xmlns:v="urn:schemas-microsoft-com:vml" xmlns:pvml="urn:schemas-microsoft-com:office:powerpoint" xmlns:com="http://schemas.openxmlformats.org/drawingml/2006/compatibility" xmlns:p14="http://schemas.microsoft.com/office/powerpoint/2010/main" xmlns:p15="http://schemas.microsoft.com/office/powerpoint/2012/main" matchingName="Quote" showMasterSp="0">
+<p:sldLayout xmlns:a="http://schemas.openxmlformats.org/drawingml/2006/main" xmlns:r="http://schemas.openxmlformats.org/officeDocument/2006/relationships" xmlns:p="http://schemas.openxmlformats.org/presentationml/2006/main" showMasterSp="0" matchingName="Quote">
   <p:cSld name="Quote">
     <p:spTree>
       <p:nvGrpSpPr>
-        <p:cNvPr id="17" name="Shape 17"/>
+        <p:cNvPr id="1" name="Shape 17"/>
         <p:cNvGrpSpPr/>
         <p:nvPr/>
       </p:nvGrpSpPr>
@@ -3059,9 +3155,11 @@
       <p:sp>
         <p:nvSpPr>
           <p:cNvPr id="18" name="Google Shape;18;p13"/>
-          <p:cNvSpPr txBox="1"/>
+          <p:cNvSpPr txBox="1">
+            <a:spLocks noGrp="1"/>
+          </p:cNvSpPr>
           <p:nvPr>
-            <p:ph idx="1" type="body"/>
+            <p:ph type="body" idx="1"/>
           </p:nvPr>
         </p:nvSpPr>
         <p:spPr>
@@ -3078,11 +3176,11 @@
           </a:ln>
         </p:spPr>
         <p:txBody>
-          <a:bodyPr anchorCtr="0" anchor="t" bIns="50800" lIns="50800" spcFirstLastPara="1" rIns="50800" wrap="square" tIns="50800">
+          <a:bodyPr spcFirstLastPara="1" wrap="square" lIns="50800" tIns="50800" rIns="50800" bIns="50800" anchor="t" anchorCtr="0">
             <a:spAutoFit/>
           </a:bodyPr>
           <a:lstStyle>
-            <a:lvl1pPr indent="-228600" lvl="0" marL="457200" algn="r">
+            <a:lvl1pPr marL="457200" lvl="0" indent="-228600" algn="r">
               <a:lnSpc>
                 <a:spcPct val="100000"/>
               </a:lnSpc>
@@ -3105,7 +3203,7 @@
                 <a:sym typeface="Helvetica Neue Light"/>
               </a:defRPr>
             </a:lvl1pPr>
-            <a:lvl2pPr indent="-314325" lvl="1" marL="914400" algn="l">
+            <a:lvl2pPr marL="914400" lvl="1" indent="-314325" algn="l">
               <a:lnSpc>
                 <a:spcPct val="100000"/>
               </a:lnSpc>
@@ -3122,7 +3220,7 @@
               <a:buChar char="•"/>
               <a:defRPr/>
             </a:lvl2pPr>
-            <a:lvl3pPr indent="-314325" lvl="2" marL="1371600" algn="l">
+            <a:lvl3pPr marL="1371600" lvl="2" indent="-314325" algn="l">
               <a:lnSpc>
                 <a:spcPct val="100000"/>
               </a:lnSpc>
@@ -3139,7 +3237,7 @@
               <a:buChar char="•"/>
               <a:defRPr/>
             </a:lvl3pPr>
-            <a:lvl4pPr indent="-314325" lvl="3" marL="1828800" algn="l">
+            <a:lvl4pPr marL="1828800" lvl="3" indent="-314325" algn="l">
               <a:lnSpc>
                 <a:spcPct val="100000"/>
               </a:lnSpc>
@@ -3156,7 +3254,7 @@
               <a:buChar char="•"/>
               <a:defRPr/>
             </a:lvl4pPr>
-            <a:lvl5pPr indent="-314325" lvl="4" marL="2286000" algn="l">
+            <a:lvl5pPr marL="2286000" lvl="4" indent="-314325" algn="l">
               <a:lnSpc>
                 <a:spcPct val="100000"/>
               </a:lnSpc>
@@ -3173,7 +3271,7 @@
               <a:buChar char="•"/>
               <a:defRPr/>
             </a:lvl5pPr>
-            <a:lvl6pPr indent="-314325" lvl="5" marL="2743200" algn="l">
+            <a:lvl6pPr marL="2743200" lvl="5" indent="-314325" algn="l">
               <a:lnSpc>
                 <a:spcPct val="100000"/>
               </a:lnSpc>
@@ -3190,7 +3288,7 @@
               <a:buChar char="•"/>
               <a:defRPr/>
             </a:lvl6pPr>
-            <a:lvl7pPr indent="-314325" lvl="6" marL="3200400" algn="l">
+            <a:lvl7pPr marL="3200400" lvl="6" indent="-314325" algn="l">
               <a:lnSpc>
                 <a:spcPct val="100000"/>
               </a:lnSpc>
@@ -3207,7 +3305,7 @@
               <a:buChar char="•"/>
               <a:defRPr/>
             </a:lvl7pPr>
-            <a:lvl8pPr indent="-314325" lvl="7" marL="3657600" algn="l">
+            <a:lvl8pPr marL="3657600" lvl="7" indent="-314325" algn="l">
               <a:lnSpc>
                 <a:spcPct val="100000"/>
               </a:lnSpc>
@@ -3224,7 +3322,7 @@
               <a:buChar char="•"/>
               <a:defRPr/>
             </a:lvl8pPr>
-            <a:lvl9pPr indent="-314325" lvl="8" marL="4114800" algn="l">
+            <a:lvl9pPr marL="4114800" lvl="8" indent="-314325" algn="l">
               <a:lnSpc>
                 <a:spcPct val="100000"/>
               </a:lnSpc>
@@ -3242,15 +3340,19 @@
               <a:defRPr/>
             </a:lvl9pPr>
           </a:lstStyle>
-          <a:p/>
+          <a:p>
+            <a:endParaRPr/>
+          </a:p>
         </p:txBody>
       </p:sp>
       <p:sp>
         <p:nvSpPr>
           <p:cNvPr id="19" name="Google Shape;19;p13"/>
-          <p:cNvSpPr txBox="1"/>
+          <p:cNvSpPr txBox="1">
+            <a:spLocks noGrp="1"/>
+          </p:cNvSpPr>
           <p:nvPr>
-            <p:ph idx="2" type="body"/>
+            <p:ph type="body" idx="2"/>
           </p:nvPr>
         </p:nvSpPr>
         <p:spPr>
@@ -3267,11 +3369,11 @@
           </a:ln>
         </p:spPr>
         <p:txBody>
-          <a:bodyPr anchorCtr="0" anchor="ctr" bIns="50800" lIns="50800" spcFirstLastPara="1" rIns="50800" wrap="square" tIns="50800">
+          <a:bodyPr spcFirstLastPara="1" wrap="square" lIns="50800" tIns="50800" rIns="50800" bIns="50800" anchor="ctr" anchorCtr="0">
             <a:spAutoFit/>
           </a:bodyPr>
           <a:lstStyle>
-            <a:lvl1pPr indent="-228600" lvl="0" marL="457200" algn="ctr">
+            <a:lvl1pPr marL="457200" lvl="0" indent="-228600" algn="ctr">
               <a:lnSpc>
                 <a:spcPct val="100000"/>
               </a:lnSpc>
@@ -3289,7 +3391,7 @@
               <a:buNone/>
               <a:defRPr sz="3800"/>
             </a:lvl1pPr>
-            <a:lvl2pPr indent="-314325" lvl="1" marL="914400" algn="l">
+            <a:lvl2pPr marL="914400" lvl="1" indent="-314325" algn="l">
               <a:lnSpc>
                 <a:spcPct val="100000"/>
               </a:lnSpc>
@@ -3306,7 +3408,7 @@
               <a:buChar char="•"/>
               <a:defRPr/>
             </a:lvl2pPr>
-            <a:lvl3pPr indent="-314325" lvl="2" marL="1371600" algn="l">
+            <a:lvl3pPr marL="1371600" lvl="2" indent="-314325" algn="l">
               <a:lnSpc>
                 <a:spcPct val="100000"/>
               </a:lnSpc>
@@ -3323,7 +3425,7 @@
               <a:buChar char="•"/>
               <a:defRPr/>
             </a:lvl3pPr>
-            <a:lvl4pPr indent="-314325" lvl="3" marL="1828800" algn="l">
+            <a:lvl4pPr marL="1828800" lvl="3" indent="-314325" algn="l">
               <a:lnSpc>
                 <a:spcPct val="100000"/>
               </a:lnSpc>
@@ -3340,7 +3442,7 @@
               <a:buChar char="•"/>
               <a:defRPr/>
             </a:lvl4pPr>
-            <a:lvl5pPr indent="-314325" lvl="4" marL="2286000" algn="l">
+            <a:lvl5pPr marL="2286000" lvl="4" indent="-314325" algn="l">
               <a:lnSpc>
                 <a:spcPct val="100000"/>
               </a:lnSpc>
@@ -3357,7 +3459,7 @@
               <a:buChar char="•"/>
               <a:defRPr/>
             </a:lvl5pPr>
-            <a:lvl6pPr indent="-314325" lvl="5" marL="2743200" algn="l">
+            <a:lvl6pPr marL="2743200" lvl="5" indent="-314325" algn="l">
               <a:lnSpc>
                 <a:spcPct val="100000"/>
               </a:lnSpc>
@@ -3374,7 +3476,7 @@
               <a:buChar char="•"/>
               <a:defRPr/>
             </a:lvl6pPr>
-            <a:lvl7pPr indent="-314325" lvl="6" marL="3200400" algn="l">
+            <a:lvl7pPr marL="3200400" lvl="6" indent="-314325" algn="l">
               <a:lnSpc>
                 <a:spcPct val="100000"/>
               </a:lnSpc>
@@ -3391,7 +3493,7 @@
               <a:buChar char="•"/>
               <a:defRPr/>
             </a:lvl7pPr>
-            <a:lvl8pPr indent="-314325" lvl="7" marL="3657600" algn="l">
+            <a:lvl8pPr marL="3657600" lvl="7" indent="-314325" algn="l">
               <a:lnSpc>
                 <a:spcPct val="100000"/>
               </a:lnSpc>
@@ -3408,7 +3510,7 @@
               <a:buChar char="•"/>
               <a:defRPr/>
             </a:lvl8pPr>
-            <a:lvl9pPr indent="-314325" lvl="8" marL="4114800" algn="l">
+            <a:lvl9pPr marL="4114800" lvl="8" indent="-314325" algn="l">
               <a:lnSpc>
                 <a:spcPct val="100000"/>
               </a:lnSpc>
@@ -3426,15 +3528,19 @@
               <a:defRPr/>
             </a:lvl9pPr>
           </a:lstStyle>
-          <a:p/>
+          <a:p>
+            <a:endParaRPr/>
+          </a:p>
         </p:txBody>
       </p:sp>
       <p:sp>
         <p:nvSpPr>
           <p:cNvPr id="20" name="Google Shape;20;p13"/>
-          <p:cNvSpPr txBox="1"/>
+          <p:cNvSpPr txBox="1">
+            <a:spLocks noGrp="1"/>
+          </p:cNvSpPr>
           <p:nvPr>
-            <p:ph idx="12" type="sldNum"/>
+            <p:ph type="sldNum" idx="12"/>
           </p:nvPr>
         </p:nvSpPr>
         <p:spPr>
@@ -3451,11 +3557,11 @@
           </a:ln>
         </p:spPr>
         <p:txBody>
-          <a:bodyPr anchorCtr="0" anchor="t" bIns="50800" lIns="50800" spcFirstLastPara="1" rIns="50800" wrap="square" tIns="50800">
+          <a:bodyPr spcFirstLastPara="1" wrap="square" lIns="50800" tIns="50800" rIns="50800" bIns="50800" anchor="t" anchorCtr="0">
             <a:spAutoFit/>
           </a:bodyPr>
           <a:lstStyle>
-            <a:lvl1pPr indent="0" lvl="0" marL="0" marR="0" algn="ctr">
+            <a:lvl1pPr marL="0" marR="0" lvl="0" indent="0" algn="ctr">
               <a:lnSpc>
                 <a:spcPct val="100000"/>
               </a:lnSpc>
@@ -3471,7 +3577,7 @@
               <a:buSzPts val="1800"/>
               <a:buFont typeface="Helvetica Neue Light"/>
               <a:buNone/>
-              <a:defRPr b="0" i="0" sz="1800" u="none" cap="none" strike="noStrike">
+              <a:defRPr sz="1800" b="0" i="0" u="none" strike="noStrike" cap="none">
                 <a:solidFill>
                   <a:srgbClr val="000000"/>
                 </a:solidFill>
@@ -3481,7 +3587,7 @@
                 <a:sym typeface="Helvetica Neue Light"/>
               </a:defRPr>
             </a:lvl1pPr>
-            <a:lvl2pPr indent="0" lvl="1" marL="0" marR="0" algn="ctr">
+            <a:lvl2pPr marL="0" marR="0" lvl="1" indent="0" algn="ctr">
               <a:lnSpc>
                 <a:spcPct val="100000"/>
               </a:lnSpc>
@@ -3497,7 +3603,7 @@
               <a:buSzPts val="1800"/>
               <a:buFont typeface="Helvetica Neue Light"/>
               <a:buNone/>
-              <a:defRPr b="0" i="0" sz="1800" u="none" cap="none" strike="noStrike">
+              <a:defRPr sz="1800" b="0" i="0" u="none" strike="noStrike" cap="none">
                 <a:solidFill>
                   <a:srgbClr val="000000"/>
                 </a:solidFill>
@@ -3507,7 +3613,7 @@
                 <a:sym typeface="Helvetica Neue Light"/>
               </a:defRPr>
             </a:lvl2pPr>
-            <a:lvl3pPr indent="0" lvl="2" marL="0" marR="0" algn="ctr">
+            <a:lvl3pPr marL="0" marR="0" lvl="2" indent="0" algn="ctr">
               <a:lnSpc>
                 <a:spcPct val="100000"/>
               </a:lnSpc>
@@ -3523,7 +3629,7 @@
               <a:buSzPts val="1800"/>
               <a:buFont typeface="Helvetica Neue Light"/>
               <a:buNone/>
-              <a:defRPr b="0" i="0" sz="1800" u="none" cap="none" strike="noStrike">
+              <a:defRPr sz="1800" b="0" i="0" u="none" strike="noStrike" cap="none">
                 <a:solidFill>
                   <a:srgbClr val="000000"/>
                 </a:solidFill>
@@ -3533,7 +3639,7 @@
                 <a:sym typeface="Helvetica Neue Light"/>
               </a:defRPr>
             </a:lvl3pPr>
-            <a:lvl4pPr indent="0" lvl="3" marL="0" marR="0" algn="ctr">
+            <a:lvl4pPr marL="0" marR="0" lvl="3" indent="0" algn="ctr">
               <a:lnSpc>
                 <a:spcPct val="100000"/>
               </a:lnSpc>
@@ -3549,7 +3655,7 @@
               <a:buSzPts val="1800"/>
               <a:buFont typeface="Helvetica Neue Light"/>
               <a:buNone/>
-              <a:defRPr b="0" i="0" sz="1800" u="none" cap="none" strike="noStrike">
+              <a:defRPr sz="1800" b="0" i="0" u="none" strike="noStrike" cap="none">
                 <a:solidFill>
                   <a:srgbClr val="000000"/>
                 </a:solidFill>
@@ -3559,7 +3665,7 @@
                 <a:sym typeface="Helvetica Neue Light"/>
               </a:defRPr>
             </a:lvl4pPr>
-            <a:lvl5pPr indent="0" lvl="4" marL="0" marR="0" algn="ctr">
+            <a:lvl5pPr marL="0" marR="0" lvl="4" indent="0" algn="ctr">
               <a:lnSpc>
                 <a:spcPct val="100000"/>
               </a:lnSpc>
@@ -3575,7 +3681,7 @@
               <a:buSzPts val="1800"/>
               <a:buFont typeface="Helvetica Neue Light"/>
               <a:buNone/>
-              <a:defRPr b="0" i="0" sz="1800" u="none" cap="none" strike="noStrike">
+              <a:defRPr sz="1800" b="0" i="0" u="none" strike="noStrike" cap="none">
                 <a:solidFill>
                   <a:srgbClr val="000000"/>
                 </a:solidFill>
@@ -3585,7 +3691,7 @@
                 <a:sym typeface="Helvetica Neue Light"/>
               </a:defRPr>
             </a:lvl5pPr>
-            <a:lvl6pPr indent="0" lvl="5" marL="0" marR="0" algn="ctr">
+            <a:lvl6pPr marL="0" marR="0" lvl="5" indent="0" algn="ctr">
               <a:lnSpc>
                 <a:spcPct val="100000"/>
               </a:lnSpc>
@@ -3601,7 +3707,7 @@
               <a:buSzPts val="1800"/>
               <a:buFont typeface="Helvetica Neue Light"/>
               <a:buNone/>
-              <a:defRPr b="0" i="0" sz="1800" u="none" cap="none" strike="noStrike">
+              <a:defRPr sz="1800" b="0" i="0" u="none" strike="noStrike" cap="none">
                 <a:solidFill>
                   <a:srgbClr val="000000"/>
                 </a:solidFill>
@@ -3611,7 +3717,7 @@
                 <a:sym typeface="Helvetica Neue Light"/>
               </a:defRPr>
             </a:lvl6pPr>
-            <a:lvl7pPr indent="0" lvl="6" marL="0" marR="0" algn="ctr">
+            <a:lvl7pPr marL="0" marR="0" lvl="6" indent="0" algn="ctr">
               <a:lnSpc>
                 <a:spcPct val="100000"/>
               </a:lnSpc>
@@ -3627,7 +3733,7 @@
               <a:buSzPts val="1800"/>
               <a:buFont typeface="Helvetica Neue Light"/>
               <a:buNone/>
-              <a:defRPr b="0" i="0" sz="1800" u="none" cap="none" strike="noStrike">
+              <a:defRPr sz="1800" b="0" i="0" u="none" strike="noStrike" cap="none">
                 <a:solidFill>
                   <a:srgbClr val="000000"/>
                 </a:solidFill>
@@ -3637,7 +3743,7 @@
                 <a:sym typeface="Helvetica Neue Light"/>
               </a:defRPr>
             </a:lvl7pPr>
-            <a:lvl8pPr indent="0" lvl="7" marL="0" marR="0" algn="ctr">
+            <a:lvl8pPr marL="0" marR="0" lvl="7" indent="0" algn="ctr">
               <a:lnSpc>
                 <a:spcPct val="100000"/>
               </a:lnSpc>
@@ -3653,7 +3759,7 @@
               <a:buSzPts val="1800"/>
               <a:buFont typeface="Helvetica Neue Light"/>
               <a:buNone/>
-              <a:defRPr b="0" i="0" sz="1800" u="none" cap="none" strike="noStrike">
+              <a:defRPr sz="1800" b="0" i="0" u="none" strike="noStrike" cap="none">
                 <a:solidFill>
                   <a:srgbClr val="000000"/>
                 </a:solidFill>
@@ -3663,7 +3769,7 @@
                 <a:sym typeface="Helvetica Neue Light"/>
               </a:defRPr>
             </a:lvl8pPr>
-            <a:lvl9pPr indent="0" lvl="8" marL="0" marR="0" algn="ctr">
+            <a:lvl9pPr marL="0" marR="0" lvl="8" indent="0" algn="ctr">
               <a:lnSpc>
                 <a:spcPct val="100000"/>
               </a:lnSpc>
@@ -3679,7 +3785,7 @@
               <a:buSzPts val="1800"/>
               <a:buFont typeface="Helvetica Neue Light"/>
               <a:buNone/>
-              <a:defRPr b="0" i="0" sz="1800" u="none" cap="none" strike="noStrike">
+              <a:defRPr sz="1800" b="0" i="0" u="none" strike="noStrike" cap="none">
                 <a:solidFill>
                   <a:srgbClr val="000000"/>
                 </a:solidFill>
@@ -3691,7 +3797,7 @@
             </a:lvl9pPr>
           </a:lstStyle>
           <a:p>
-            <a:pPr indent="0" lvl="0" marL="0" rtl="0" algn="ctr">
+            <a:pPr marL="0" lvl="0" indent="0" algn="ctr" rtl="0">
               <a:spcBef>
                 <a:spcPts val="0"/>
               </a:spcBef>
@@ -3702,7 +3808,7 @@
             </a:pPr>
             <a:fld id="{00000000-1234-1234-1234-123412341234}" type="slidenum">
               <a:rPr lang="en-US"/>
-              <a:t>‹#›</a:t>
+              <a:t>‹nº›</a:t>
             </a:fld>
             <a:endParaRPr/>
           </a:p>
@@ -3717,11 +3823,11 @@
 </file>
 
 <file path=ppt/slideLayouts/slideLayout4.xml><?xml version="1.0" encoding="utf-8"?>
-<p:sldLayout xmlns:a="http://schemas.openxmlformats.org/drawingml/2006/main" xmlns:r="http://schemas.openxmlformats.org/officeDocument/2006/relationships" xmlns:mc="http://schemas.openxmlformats.org/markup-compatibility/2006" xmlns:mv="urn:schemas-microsoft-com:mac:vml" xmlns:p="http://schemas.openxmlformats.org/presentationml/2006/main" xmlns:c="http://schemas.openxmlformats.org/drawingml/2006/chart" xmlns:dgm="http://schemas.openxmlformats.org/drawingml/2006/diagram" xmlns:o="urn:schemas-microsoft-com:office:office" xmlns:v="urn:schemas-microsoft-com:vml" xmlns:pvml="urn:schemas-microsoft-com:office:powerpoint" xmlns:com="http://schemas.openxmlformats.org/drawingml/2006/compatibility" xmlns:p14="http://schemas.microsoft.com/office/powerpoint/2010/main" xmlns:p15="http://schemas.microsoft.com/office/powerpoint/2012/main" matchingName="Title" showMasterSp="0">
+<p:sldLayout xmlns:a="http://schemas.openxmlformats.org/drawingml/2006/main" xmlns:r="http://schemas.openxmlformats.org/officeDocument/2006/relationships" xmlns:p="http://schemas.openxmlformats.org/presentationml/2006/main" showMasterSp="0" matchingName="Title">
   <p:cSld name="Title">
     <p:spTree>
       <p:nvGrpSpPr>
-        <p:cNvPr id="21" name="Shape 21"/>
+        <p:cNvPr id="1" name="Shape 21"/>
         <p:cNvGrpSpPr/>
         <p:nvPr/>
       </p:nvGrpSpPr>
@@ -3753,12 +3859,12 @@
           </a:ln>
         </p:spPr>
         <p:txBody>
-          <a:bodyPr anchorCtr="0" anchor="ctr" bIns="50800" lIns="50800" spcFirstLastPara="1" rIns="50800" wrap="square" tIns="50800">
+          <a:bodyPr spcFirstLastPara="1" wrap="square" lIns="50800" tIns="50800" rIns="50800" bIns="50800" anchor="ctr" anchorCtr="0">
             <a:spAutoFit/>
           </a:bodyPr>
           <a:lstStyle/>
           <a:p>
-            <a:pPr indent="0" lvl="0" marL="0" marR="0" rtl="0" algn="ctr">
+            <a:pPr marL="0" marR="0" lvl="0" indent="0" algn="ctr" rtl="0">
               <a:lnSpc>
                 <a:spcPct val="100000"/>
               </a:lnSpc>
@@ -3775,10 +3881,7 @@
               <a:buFont typeface="Calibri"/>
               <a:buNone/>
             </a:pPr>
-            <a:r>
-              <a:t/>
-            </a:r>
-            <a:endParaRPr b="1" i="0" sz="4600" u="none" cap="none" strike="noStrike">
+            <a:endParaRPr sz="4600" b="1" i="0" u="none" strike="noStrike" cap="none">
               <a:solidFill>
                 <a:srgbClr val="000000"/>
               </a:solidFill>
@@ -3793,9 +3896,11 @@
       <p:sp>
         <p:nvSpPr>
           <p:cNvPr id="23" name="Google Shape;23;p14"/>
-          <p:cNvSpPr txBox="1"/>
+          <p:cNvSpPr txBox="1">
+            <a:spLocks noGrp="1"/>
+          </p:cNvSpPr>
           <p:nvPr>
-            <p:ph idx="12" type="sldNum"/>
+            <p:ph type="sldNum" idx="12"/>
           </p:nvPr>
         </p:nvSpPr>
         <p:spPr>
@@ -3812,11 +3917,11 @@
           </a:ln>
         </p:spPr>
         <p:txBody>
-          <a:bodyPr anchorCtr="0" anchor="t" bIns="50800" lIns="50800" spcFirstLastPara="1" rIns="50800" wrap="square" tIns="50800">
+          <a:bodyPr spcFirstLastPara="1" wrap="square" lIns="50800" tIns="50800" rIns="50800" bIns="50800" anchor="t" anchorCtr="0">
             <a:spAutoFit/>
           </a:bodyPr>
           <a:lstStyle>
-            <a:lvl1pPr indent="0" lvl="0" marL="0" marR="0" algn="ctr">
+            <a:lvl1pPr marL="0" marR="0" lvl="0" indent="0" algn="ctr">
               <a:lnSpc>
                 <a:spcPct val="100000"/>
               </a:lnSpc>
@@ -3832,7 +3937,7 @@
               <a:buSzPts val="1800"/>
               <a:buFont typeface="Helvetica Neue Light"/>
               <a:buNone/>
-              <a:defRPr b="0" i="0" sz="1800" u="none" cap="none" strike="noStrike">
+              <a:defRPr sz="1800" b="0" i="0" u="none" strike="noStrike" cap="none">
                 <a:solidFill>
                   <a:srgbClr val="000000"/>
                 </a:solidFill>
@@ -3842,7 +3947,7 @@
                 <a:sym typeface="Helvetica Neue Light"/>
               </a:defRPr>
             </a:lvl1pPr>
-            <a:lvl2pPr indent="0" lvl="1" marL="0" marR="0" algn="ctr">
+            <a:lvl2pPr marL="0" marR="0" lvl="1" indent="0" algn="ctr">
               <a:lnSpc>
                 <a:spcPct val="100000"/>
               </a:lnSpc>
@@ -3858,7 +3963,7 @@
               <a:buSzPts val="1800"/>
               <a:buFont typeface="Helvetica Neue Light"/>
               <a:buNone/>
-              <a:defRPr b="0" i="0" sz="1800" u="none" cap="none" strike="noStrike">
+              <a:defRPr sz="1800" b="0" i="0" u="none" strike="noStrike" cap="none">
                 <a:solidFill>
                   <a:srgbClr val="000000"/>
                 </a:solidFill>
@@ -3868,7 +3973,7 @@
                 <a:sym typeface="Helvetica Neue Light"/>
               </a:defRPr>
             </a:lvl2pPr>
-            <a:lvl3pPr indent="0" lvl="2" marL="0" marR="0" algn="ctr">
+            <a:lvl3pPr marL="0" marR="0" lvl="2" indent="0" algn="ctr">
               <a:lnSpc>
                 <a:spcPct val="100000"/>
               </a:lnSpc>
@@ -3884,7 +3989,7 @@
               <a:buSzPts val="1800"/>
               <a:buFont typeface="Helvetica Neue Light"/>
               <a:buNone/>
-              <a:defRPr b="0" i="0" sz="1800" u="none" cap="none" strike="noStrike">
+              <a:defRPr sz="1800" b="0" i="0" u="none" strike="noStrike" cap="none">
                 <a:solidFill>
                   <a:srgbClr val="000000"/>
                 </a:solidFill>
@@ -3894,7 +3999,7 @@
                 <a:sym typeface="Helvetica Neue Light"/>
               </a:defRPr>
             </a:lvl3pPr>
-            <a:lvl4pPr indent="0" lvl="3" marL="0" marR="0" algn="ctr">
+            <a:lvl4pPr marL="0" marR="0" lvl="3" indent="0" algn="ctr">
               <a:lnSpc>
                 <a:spcPct val="100000"/>
               </a:lnSpc>
@@ -3910,7 +4015,7 @@
               <a:buSzPts val="1800"/>
               <a:buFont typeface="Helvetica Neue Light"/>
               <a:buNone/>
-              <a:defRPr b="0" i="0" sz="1800" u="none" cap="none" strike="noStrike">
+              <a:defRPr sz="1800" b="0" i="0" u="none" strike="noStrike" cap="none">
                 <a:solidFill>
                   <a:srgbClr val="000000"/>
                 </a:solidFill>
@@ -3920,7 +4025,7 @@
                 <a:sym typeface="Helvetica Neue Light"/>
               </a:defRPr>
             </a:lvl4pPr>
-            <a:lvl5pPr indent="0" lvl="4" marL="0" marR="0" algn="ctr">
+            <a:lvl5pPr marL="0" marR="0" lvl="4" indent="0" algn="ctr">
               <a:lnSpc>
                 <a:spcPct val="100000"/>
               </a:lnSpc>
@@ -3936,7 +4041,7 @@
               <a:buSzPts val="1800"/>
               <a:buFont typeface="Helvetica Neue Light"/>
               <a:buNone/>
-              <a:defRPr b="0" i="0" sz="1800" u="none" cap="none" strike="noStrike">
+              <a:defRPr sz="1800" b="0" i="0" u="none" strike="noStrike" cap="none">
                 <a:solidFill>
                   <a:srgbClr val="000000"/>
                 </a:solidFill>
@@ -3946,7 +4051,7 @@
                 <a:sym typeface="Helvetica Neue Light"/>
               </a:defRPr>
             </a:lvl5pPr>
-            <a:lvl6pPr indent="0" lvl="5" marL="0" marR="0" algn="ctr">
+            <a:lvl6pPr marL="0" marR="0" lvl="5" indent="0" algn="ctr">
               <a:lnSpc>
                 <a:spcPct val="100000"/>
               </a:lnSpc>
@@ -3962,7 +4067,7 @@
               <a:buSzPts val="1800"/>
               <a:buFont typeface="Helvetica Neue Light"/>
               <a:buNone/>
-              <a:defRPr b="0" i="0" sz="1800" u="none" cap="none" strike="noStrike">
+              <a:defRPr sz="1800" b="0" i="0" u="none" strike="noStrike" cap="none">
                 <a:solidFill>
                   <a:srgbClr val="000000"/>
                 </a:solidFill>
@@ -3972,7 +4077,7 @@
                 <a:sym typeface="Helvetica Neue Light"/>
               </a:defRPr>
             </a:lvl6pPr>
-            <a:lvl7pPr indent="0" lvl="6" marL="0" marR="0" algn="ctr">
+            <a:lvl7pPr marL="0" marR="0" lvl="6" indent="0" algn="ctr">
               <a:lnSpc>
                 <a:spcPct val="100000"/>
               </a:lnSpc>
@@ -3988,7 +4093,7 @@
               <a:buSzPts val="1800"/>
               <a:buFont typeface="Helvetica Neue Light"/>
               <a:buNone/>
-              <a:defRPr b="0" i="0" sz="1800" u="none" cap="none" strike="noStrike">
+              <a:defRPr sz="1800" b="0" i="0" u="none" strike="noStrike" cap="none">
                 <a:solidFill>
                   <a:srgbClr val="000000"/>
                 </a:solidFill>
@@ -3998,7 +4103,7 @@
                 <a:sym typeface="Helvetica Neue Light"/>
               </a:defRPr>
             </a:lvl7pPr>
-            <a:lvl8pPr indent="0" lvl="7" marL="0" marR="0" algn="ctr">
+            <a:lvl8pPr marL="0" marR="0" lvl="7" indent="0" algn="ctr">
               <a:lnSpc>
                 <a:spcPct val="100000"/>
               </a:lnSpc>
@@ -4014,7 +4119,7 @@
               <a:buSzPts val="1800"/>
               <a:buFont typeface="Helvetica Neue Light"/>
               <a:buNone/>
-              <a:defRPr b="0" i="0" sz="1800" u="none" cap="none" strike="noStrike">
+              <a:defRPr sz="1800" b="0" i="0" u="none" strike="noStrike" cap="none">
                 <a:solidFill>
                   <a:srgbClr val="000000"/>
                 </a:solidFill>
@@ -4024,7 +4129,7 @@
                 <a:sym typeface="Helvetica Neue Light"/>
               </a:defRPr>
             </a:lvl8pPr>
-            <a:lvl9pPr indent="0" lvl="8" marL="0" marR="0" algn="ctr">
+            <a:lvl9pPr marL="0" marR="0" lvl="8" indent="0" algn="ctr">
               <a:lnSpc>
                 <a:spcPct val="100000"/>
               </a:lnSpc>
@@ -4040,7 +4145,7 @@
               <a:buSzPts val="1800"/>
               <a:buFont typeface="Helvetica Neue Light"/>
               <a:buNone/>
-              <a:defRPr b="0" i="0" sz="1800" u="none" cap="none" strike="noStrike">
+              <a:defRPr sz="1800" b="0" i="0" u="none" strike="noStrike" cap="none">
                 <a:solidFill>
                   <a:srgbClr val="000000"/>
                 </a:solidFill>
@@ -4052,7 +4157,7 @@
             </a:lvl9pPr>
           </a:lstStyle>
           <a:p>
-            <a:pPr indent="0" lvl="0" marL="0" rtl="0" algn="ctr">
+            <a:pPr marL="0" lvl="0" indent="0" algn="ctr" rtl="0">
               <a:spcBef>
                 <a:spcPts val="0"/>
               </a:spcBef>
@@ -4063,7 +4168,7 @@
             </a:pPr>
             <a:fld id="{00000000-1234-1234-1234-123412341234}" type="slidenum">
               <a:rPr lang="en-US"/>
-              <a:t>‹#›</a:t>
+              <a:t>‹nº›</a:t>
             </a:fld>
             <a:endParaRPr/>
           </a:p>
@@ -4078,11 +4183,11 @@
 </file>
 
 <file path=ppt/slideLayouts/slideLayout5.xml><?xml version="1.0" encoding="utf-8"?>
-<p:sldLayout xmlns:a="http://schemas.openxmlformats.org/drawingml/2006/main" xmlns:r="http://schemas.openxmlformats.org/officeDocument/2006/relationships" xmlns:mc="http://schemas.openxmlformats.org/markup-compatibility/2006" xmlns:mv="urn:schemas-microsoft-com:mac:vml" xmlns:p="http://schemas.openxmlformats.org/presentationml/2006/main" xmlns:c="http://schemas.openxmlformats.org/drawingml/2006/chart" xmlns:dgm="http://schemas.openxmlformats.org/drawingml/2006/diagram" xmlns:o="urn:schemas-microsoft-com:office:office" xmlns:v="urn:schemas-microsoft-com:vml" xmlns:pvml="urn:schemas-microsoft-com:office:powerpoint" xmlns:com="http://schemas.openxmlformats.org/drawingml/2006/compatibility" xmlns:p14="http://schemas.microsoft.com/office/powerpoint/2010/main" xmlns:p15="http://schemas.microsoft.com/office/powerpoint/2012/main" matchingName="Default" showMasterSp="0">
+<p:sldLayout xmlns:a="http://schemas.openxmlformats.org/drawingml/2006/main" xmlns:r="http://schemas.openxmlformats.org/officeDocument/2006/relationships" xmlns:p="http://schemas.openxmlformats.org/presentationml/2006/main" showMasterSp="0" matchingName="Default">
   <p:cSld name="Default">
     <p:spTree>
       <p:nvGrpSpPr>
-        <p:cNvPr id="24" name="Shape 24"/>
+        <p:cNvPr id="1" name="Shape 24"/>
         <p:cNvGrpSpPr/>
         <p:nvPr/>
       </p:nvGrpSpPr>
@@ -4096,7 +4201,7 @@
       </p:grpSpPr>
       <p:pic>
         <p:nvPicPr>
-          <p:cNvPr descr="ufal" id="25" name="Google Shape;25;p15"/>
+          <p:cNvPr id="25" name="Google Shape;25;p15" descr="ufal"/>
           <p:cNvPicPr preferRelativeResize="0"/>
           <p:nvPr/>
         </p:nvPicPr>
@@ -4104,7 +4209,7 @@
           <a:blip r:embed="rId2">
             <a:alphaModFix/>
           </a:blip>
-          <a:srcRect b="0" l="0" r="0" t="0"/>
+          <a:srcRect/>
           <a:stretch/>
         </p:blipFill>
         <p:spPr>
@@ -4131,7 +4236,7 @@
           <a:blip r:embed="rId3">
             <a:alphaModFix/>
           </a:blip>
-          <a:srcRect b="0" l="0" r="0" t="0"/>
+          <a:srcRect/>
           <a:stretch/>
         </p:blipFill>
         <p:spPr>
@@ -4151,9 +4256,11 @@
       <p:sp>
         <p:nvSpPr>
           <p:cNvPr id="27" name="Google Shape;27;p15"/>
-          <p:cNvSpPr txBox="1"/>
+          <p:cNvSpPr txBox="1">
+            <a:spLocks noGrp="1"/>
+          </p:cNvSpPr>
           <p:nvPr>
-            <p:ph idx="12" type="sldNum"/>
+            <p:ph type="sldNum" idx="12"/>
           </p:nvPr>
         </p:nvSpPr>
         <p:spPr>
@@ -4170,11 +4277,11 @@
           </a:ln>
         </p:spPr>
         <p:txBody>
-          <a:bodyPr anchorCtr="0" anchor="t" bIns="65000" lIns="65000" spcFirstLastPara="1" rIns="65000" wrap="square" tIns="65000">
+          <a:bodyPr spcFirstLastPara="1" wrap="square" lIns="65000" tIns="65000" rIns="65000" bIns="65000" anchor="t" anchorCtr="0">
             <a:spAutoFit/>
           </a:bodyPr>
           <a:lstStyle>
-            <a:lvl1pPr indent="0" lvl="0" marL="0" marR="0" algn="r">
+            <a:lvl1pPr marL="0" marR="0" lvl="0" indent="0" algn="r">
               <a:lnSpc>
                 <a:spcPct val="100000"/>
               </a:lnSpc>
@@ -4190,7 +4297,7 @@
               <a:buSzPts val="1800"/>
               <a:buFont typeface="Trebuchet MS"/>
               <a:buNone/>
-              <a:defRPr b="0" i="0" sz="1800" u="none" cap="none" strike="noStrike">
+              <a:defRPr sz="1800" b="0" i="0" u="none" strike="noStrike" cap="none">
                 <a:solidFill>
                   <a:srgbClr val="FFFFFF"/>
                 </a:solidFill>
@@ -4200,7 +4307,7 @@
                 <a:sym typeface="Trebuchet MS"/>
               </a:defRPr>
             </a:lvl1pPr>
-            <a:lvl2pPr indent="0" lvl="1" marL="0" marR="0" algn="r">
+            <a:lvl2pPr marL="0" marR="0" lvl="1" indent="0" algn="r">
               <a:lnSpc>
                 <a:spcPct val="100000"/>
               </a:lnSpc>
@@ -4216,7 +4323,7 @@
               <a:buSzPts val="1800"/>
               <a:buFont typeface="Trebuchet MS"/>
               <a:buNone/>
-              <a:defRPr b="0" i="0" sz="1800" u="none" cap="none" strike="noStrike">
+              <a:defRPr sz="1800" b="0" i="0" u="none" strike="noStrike" cap="none">
                 <a:solidFill>
                   <a:srgbClr val="FFFFFF"/>
                 </a:solidFill>
@@ -4226,7 +4333,7 @@
                 <a:sym typeface="Trebuchet MS"/>
               </a:defRPr>
             </a:lvl2pPr>
-            <a:lvl3pPr indent="0" lvl="2" marL="0" marR="0" algn="r">
+            <a:lvl3pPr marL="0" marR="0" lvl="2" indent="0" algn="r">
               <a:lnSpc>
                 <a:spcPct val="100000"/>
               </a:lnSpc>
@@ -4242,7 +4349,7 @@
               <a:buSzPts val="1800"/>
               <a:buFont typeface="Trebuchet MS"/>
               <a:buNone/>
-              <a:defRPr b="0" i="0" sz="1800" u="none" cap="none" strike="noStrike">
+              <a:defRPr sz="1800" b="0" i="0" u="none" strike="noStrike" cap="none">
                 <a:solidFill>
                   <a:srgbClr val="FFFFFF"/>
                 </a:solidFill>
@@ -4252,7 +4359,7 @@
                 <a:sym typeface="Trebuchet MS"/>
               </a:defRPr>
             </a:lvl3pPr>
-            <a:lvl4pPr indent="0" lvl="3" marL="0" marR="0" algn="r">
+            <a:lvl4pPr marL="0" marR="0" lvl="3" indent="0" algn="r">
               <a:lnSpc>
                 <a:spcPct val="100000"/>
               </a:lnSpc>
@@ -4268,7 +4375,7 @@
               <a:buSzPts val="1800"/>
               <a:buFont typeface="Trebuchet MS"/>
               <a:buNone/>
-              <a:defRPr b="0" i="0" sz="1800" u="none" cap="none" strike="noStrike">
+              <a:defRPr sz="1800" b="0" i="0" u="none" strike="noStrike" cap="none">
                 <a:solidFill>
                   <a:srgbClr val="FFFFFF"/>
                 </a:solidFill>
@@ -4278,7 +4385,7 @@
                 <a:sym typeface="Trebuchet MS"/>
               </a:defRPr>
             </a:lvl4pPr>
-            <a:lvl5pPr indent="0" lvl="4" marL="0" marR="0" algn="r">
+            <a:lvl5pPr marL="0" marR="0" lvl="4" indent="0" algn="r">
               <a:lnSpc>
                 <a:spcPct val="100000"/>
               </a:lnSpc>
@@ -4294,7 +4401,7 @@
               <a:buSzPts val="1800"/>
               <a:buFont typeface="Trebuchet MS"/>
               <a:buNone/>
-              <a:defRPr b="0" i="0" sz="1800" u="none" cap="none" strike="noStrike">
+              <a:defRPr sz="1800" b="0" i="0" u="none" strike="noStrike" cap="none">
                 <a:solidFill>
                   <a:srgbClr val="FFFFFF"/>
                 </a:solidFill>
@@ -4304,7 +4411,7 @@
                 <a:sym typeface="Trebuchet MS"/>
               </a:defRPr>
             </a:lvl5pPr>
-            <a:lvl6pPr indent="0" lvl="5" marL="0" marR="0" algn="r">
+            <a:lvl6pPr marL="0" marR="0" lvl="5" indent="0" algn="r">
               <a:lnSpc>
                 <a:spcPct val="100000"/>
               </a:lnSpc>
@@ -4320,7 +4427,7 @@
               <a:buSzPts val="1800"/>
               <a:buFont typeface="Trebuchet MS"/>
               <a:buNone/>
-              <a:defRPr b="0" i="0" sz="1800" u="none" cap="none" strike="noStrike">
+              <a:defRPr sz="1800" b="0" i="0" u="none" strike="noStrike" cap="none">
                 <a:solidFill>
                   <a:srgbClr val="FFFFFF"/>
                 </a:solidFill>
@@ -4330,7 +4437,7 @@
                 <a:sym typeface="Trebuchet MS"/>
               </a:defRPr>
             </a:lvl6pPr>
-            <a:lvl7pPr indent="0" lvl="6" marL="0" marR="0" algn="r">
+            <a:lvl7pPr marL="0" marR="0" lvl="6" indent="0" algn="r">
               <a:lnSpc>
                 <a:spcPct val="100000"/>
               </a:lnSpc>
@@ -4346,7 +4453,7 @@
               <a:buSzPts val="1800"/>
               <a:buFont typeface="Trebuchet MS"/>
               <a:buNone/>
-              <a:defRPr b="0" i="0" sz="1800" u="none" cap="none" strike="noStrike">
+              <a:defRPr sz="1800" b="0" i="0" u="none" strike="noStrike" cap="none">
                 <a:solidFill>
                   <a:srgbClr val="FFFFFF"/>
                 </a:solidFill>
@@ -4356,7 +4463,7 @@
                 <a:sym typeface="Trebuchet MS"/>
               </a:defRPr>
             </a:lvl7pPr>
-            <a:lvl8pPr indent="0" lvl="7" marL="0" marR="0" algn="r">
+            <a:lvl8pPr marL="0" marR="0" lvl="7" indent="0" algn="r">
               <a:lnSpc>
                 <a:spcPct val="100000"/>
               </a:lnSpc>
@@ -4372,7 +4479,7 @@
               <a:buSzPts val="1800"/>
               <a:buFont typeface="Trebuchet MS"/>
               <a:buNone/>
-              <a:defRPr b="0" i="0" sz="1800" u="none" cap="none" strike="noStrike">
+              <a:defRPr sz="1800" b="0" i="0" u="none" strike="noStrike" cap="none">
                 <a:solidFill>
                   <a:srgbClr val="FFFFFF"/>
                 </a:solidFill>
@@ -4382,7 +4489,7 @@
                 <a:sym typeface="Trebuchet MS"/>
               </a:defRPr>
             </a:lvl8pPr>
-            <a:lvl9pPr indent="0" lvl="8" marL="0" marR="0" algn="r">
+            <a:lvl9pPr marL="0" marR="0" lvl="8" indent="0" algn="r">
               <a:lnSpc>
                 <a:spcPct val="100000"/>
               </a:lnSpc>
@@ -4398,7 +4505,7 @@
               <a:buSzPts val="1800"/>
               <a:buFont typeface="Trebuchet MS"/>
               <a:buNone/>
-              <a:defRPr b="0" i="0" sz="1800" u="none" cap="none" strike="noStrike">
+              <a:defRPr sz="1800" b="0" i="0" u="none" strike="noStrike" cap="none">
                 <a:solidFill>
                   <a:srgbClr val="FFFFFF"/>
                 </a:solidFill>
@@ -4410,7 +4517,7 @@
             </a:lvl9pPr>
           </a:lstStyle>
           <a:p>
-            <a:pPr indent="0" lvl="0" marL="0" rtl="0" algn="r">
+            <a:pPr marL="0" lvl="0" indent="0" algn="r" rtl="0">
               <a:spcBef>
                 <a:spcPts val="0"/>
               </a:spcBef>
@@ -4421,7 +4528,7 @@
             </a:pPr>
             <a:fld id="{00000000-1234-1234-1234-123412341234}" type="slidenum">
               <a:rPr lang="en-US"/>
-              <a:t>‹#›</a:t>
+              <a:t>‹nº›</a:t>
             </a:fld>
             <a:endParaRPr>
               <a:solidFill>
@@ -4444,18 +4551,19 @@
 </file>
 
 <file path=ppt/slideMasters/slideMaster1.xml><?xml version="1.0" encoding="utf-8"?>
-<p:sldMaster xmlns:a="http://schemas.openxmlformats.org/drawingml/2006/main" xmlns:r="http://schemas.openxmlformats.org/officeDocument/2006/relationships" xmlns:mc="http://schemas.openxmlformats.org/markup-compatibility/2006" xmlns:mv="urn:schemas-microsoft-com:mac:vml" xmlns:p="http://schemas.openxmlformats.org/presentationml/2006/main" xmlns:c="http://schemas.openxmlformats.org/drawingml/2006/chart" xmlns:dgm="http://schemas.openxmlformats.org/drawingml/2006/diagram" xmlns:o="urn:schemas-microsoft-com:office:office" xmlns:v="urn:schemas-microsoft-com:vml" xmlns:pvml="urn:schemas-microsoft-com:office:powerpoint" xmlns:com="http://schemas.openxmlformats.org/drawingml/2006/compatibility" xmlns:p14="http://schemas.microsoft.com/office/powerpoint/2010/main" xmlns:p15="http://schemas.microsoft.com/office/powerpoint/2012/main">
+<p:sldMaster xmlns:a="http://schemas.openxmlformats.org/drawingml/2006/main" xmlns:r="http://schemas.openxmlformats.org/officeDocument/2006/relationships" xmlns:p="http://schemas.openxmlformats.org/presentationml/2006/main">
   <p:cSld>
     <p:bg>
       <p:bgPr>
         <a:solidFill>
           <a:srgbClr val="FFFFFF"/>
         </a:solidFill>
+        <a:effectLst/>
       </p:bgPr>
     </p:bg>
     <p:spTree>
       <p:nvGrpSpPr>
-        <p:cNvPr id="5" name="Shape 5"/>
+        <p:cNvPr id="1" name="Shape 5"/>
         <p:cNvGrpSpPr/>
         <p:nvPr/>
       </p:nvGrpSpPr>
@@ -4470,7 +4578,9 @@
       <p:sp>
         <p:nvSpPr>
           <p:cNvPr id="6" name="Google Shape;6;p10"/>
-          <p:cNvSpPr txBox="1"/>
+          <p:cNvSpPr txBox="1">
+            <a:spLocks noGrp="1"/>
+          </p:cNvSpPr>
           <p:nvPr>
             <p:ph type="title"/>
           </p:nvPr>
@@ -4489,11 +4599,11 @@
           </a:ln>
         </p:spPr>
         <p:txBody>
-          <a:bodyPr anchorCtr="0" anchor="ctr" bIns="50800" lIns="50800" spcFirstLastPara="1" rIns="50800" wrap="square" tIns="50800">
+          <a:bodyPr spcFirstLastPara="1" wrap="square" lIns="50800" tIns="50800" rIns="50800" bIns="50800" anchor="ctr" anchorCtr="0">
             <a:normAutofit/>
           </a:bodyPr>
           <a:lstStyle>
-            <a:lvl1pPr lvl="0" marR="0" rtl="0" algn="l">
+            <a:lvl1pPr marR="0" lvl="0" algn="l" rtl="0">
               <a:lnSpc>
                 <a:spcPct val="100000"/>
               </a:lnSpc>
@@ -4509,7 +4619,7 @@
               <a:buSzPts val="4000"/>
               <a:buFont typeface="Calibri"/>
               <a:buNone/>
-              <a:defRPr b="1" i="0" sz="4000" u="none" cap="none" strike="noStrike">
+              <a:defRPr sz="4000" b="1" i="0" u="none" strike="noStrike" cap="none">
                 <a:solidFill>
                   <a:srgbClr val="000000"/>
                 </a:solidFill>
@@ -4519,7 +4629,7 @@
                 <a:sym typeface="Calibri"/>
               </a:defRPr>
             </a:lvl1pPr>
-            <a:lvl2pPr lvl="1" marR="0" rtl="0" algn="l">
+            <a:lvl2pPr marR="0" lvl="1" algn="l" rtl="0">
               <a:lnSpc>
                 <a:spcPct val="100000"/>
               </a:lnSpc>
@@ -4535,7 +4645,7 @@
               <a:buSzPts val="4000"/>
               <a:buFont typeface="Calibri"/>
               <a:buNone/>
-              <a:defRPr b="1" i="0" sz="4000" u="none" cap="none" strike="noStrike">
+              <a:defRPr sz="4000" b="1" i="0" u="none" strike="noStrike" cap="none">
                 <a:solidFill>
                   <a:srgbClr val="000000"/>
                 </a:solidFill>
@@ -4545,7 +4655,7 @@
                 <a:sym typeface="Calibri"/>
               </a:defRPr>
             </a:lvl2pPr>
-            <a:lvl3pPr lvl="2" marR="0" rtl="0" algn="l">
+            <a:lvl3pPr marR="0" lvl="2" algn="l" rtl="0">
               <a:lnSpc>
                 <a:spcPct val="100000"/>
               </a:lnSpc>
@@ -4561,7 +4671,7 @@
               <a:buSzPts val="4000"/>
               <a:buFont typeface="Calibri"/>
               <a:buNone/>
-              <a:defRPr b="1" i="0" sz="4000" u="none" cap="none" strike="noStrike">
+              <a:defRPr sz="4000" b="1" i="0" u="none" strike="noStrike" cap="none">
                 <a:solidFill>
                   <a:srgbClr val="000000"/>
                 </a:solidFill>
@@ -4571,7 +4681,7 @@
                 <a:sym typeface="Calibri"/>
               </a:defRPr>
             </a:lvl3pPr>
-            <a:lvl4pPr lvl="3" marR="0" rtl="0" algn="l">
+            <a:lvl4pPr marR="0" lvl="3" algn="l" rtl="0">
               <a:lnSpc>
                 <a:spcPct val="100000"/>
               </a:lnSpc>
@@ -4587,7 +4697,7 @@
               <a:buSzPts val="4000"/>
               <a:buFont typeface="Calibri"/>
               <a:buNone/>
-              <a:defRPr b="1" i="0" sz="4000" u="none" cap="none" strike="noStrike">
+              <a:defRPr sz="4000" b="1" i="0" u="none" strike="noStrike" cap="none">
                 <a:solidFill>
                   <a:srgbClr val="000000"/>
                 </a:solidFill>
@@ -4597,7 +4707,7 @@
                 <a:sym typeface="Calibri"/>
               </a:defRPr>
             </a:lvl4pPr>
-            <a:lvl5pPr lvl="4" marR="0" rtl="0" algn="l">
+            <a:lvl5pPr marR="0" lvl="4" algn="l" rtl="0">
               <a:lnSpc>
                 <a:spcPct val="100000"/>
               </a:lnSpc>
@@ -4613,7 +4723,7 @@
               <a:buSzPts val="4000"/>
               <a:buFont typeface="Calibri"/>
               <a:buNone/>
-              <a:defRPr b="1" i="0" sz="4000" u="none" cap="none" strike="noStrike">
+              <a:defRPr sz="4000" b="1" i="0" u="none" strike="noStrike" cap="none">
                 <a:solidFill>
                   <a:srgbClr val="000000"/>
                 </a:solidFill>
@@ -4623,7 +4733,7 @@
                 <a:sym typeface="Calibri"/>
               </a:defRPr>
             </a:lvl5pPr>
-            <a:lvl6pPr lvl="5" marR="0" rtl="0" algn="l">
+            <a:lvl6pPr marR="0" lvl="5" algn="l" rtl="0">
               <a:lnSpc>
                 <a:spcPct val="100000"/>
               </a:lnSpc>
@@ -4639,7 +4749,7 @@
               <a:buSzPts val="4000"/>
               <a:buFont typeface="Calibri"/>
               <a:buNone/>
-              <a:defRPr b="1" i="0" sz="4000" u="none" cap="none" strike="noStrike">
+              <a:defRPr sz="4000" b="1" i="0" u="none" strike="noStrike" cap="none">
                 <a:solidFill>
                   <a:srgbClr val="000000"/>
                 </a:solidFill>
@@ -4649,7 +4759,7 @@
                 <a:sym typeface="Calibri"/>
               </a:defRPr>
             </a:lvl6pPr>
-            <a:lvl7pPr lvl="6" marR="0" rtl="0" algn="l">
+            <a:lvl7pPr marR="0" lvl="6" algn="l" rtl="0">
               <a:lnSpc>
                 <a:spcPct val="100000"/>
               </a:lnSpc>
@@ -4665,7 +4775,7 @@
               <a:buSzPts val="4000"/>
               <a:buFont typeface="Calibri"/>
               <a:buNone/>
-              <a:defRPr b="1" i="0" sz="4000" u="none" cap="none" strike="noStrike">
+              <a:defRPr sz="4000" b="1" i="0" u="none" strike="noStrike" cap="none">
                 <a:solidFill>
                   <a:srgbClr val="000000"/>
                 </a:solidFill>
@@ -4675,7 +4785,7 @@
                 <a:sym typeface="Calibri"/>
               </a:defRPr>
             </a:lvl7pPr>
-            <a:lvl8pPr lvl="7" marR="0" rtl="0" algn="l">
+            <a:lvl8pPr marR="0" lvl="7" algn="l" rtl="0">
               <a:lnSpc>
                 <a:spcPct val="100000"/>
               </a:lnSpc>
@@ -4691,7 +4801,7 @@
               <a:buSzPts val="4000"/>
               <a:buFont typeface="Calibri"/>
               <a:buNone/>
-              <a:defRPr b="1" i="0" sz="4000" u="none" cap="none" strike="noStrike">
+              <a:defRPr sz="4000" b="1" i="0" u="none" strike="noStrike" cap="none">
                 <a:solidFill>
                   <a:srgbClr val="000000"/>
                 </a:solidFill>
@@ -4701,7 +4811,7 @@
                 <a:sym typeface="Calibri"/>
               </a:defRPr>
             </a:lvl8pPr>
-            <a:lvl9pPr lvl="8" marR="0" rtl="0" algn="l">
+            <a:lvl9pPr marR="0" lvl="8" algn="l" rtl="0">
               <a:lnSpc>
                 <a:spcPct val="100000"/>
               </a:lnSpc>
@@ -4717,7 +4827,7 @@
               <a:buSzPts val="4000"/>
               <a:buFont typeface="Calibri"/>
               <a:buNone/>
-              <a:defRPr b="1" i="0" sz="4000" u="none" cap="none" strike="noStrike">
+              <a:defRPr sz="4000" b="1" i="0" u="none" strike="noStrike" cap="none">
                 <a:solidFill>
                   <a:srgbClr val="000000"/>
                 </a:solidFill>
@@ -4728,15 +4838,19 @@
               </a:defRPr>
             </a:lvl9pPr>
           </a:lstStyle>
-          <a:p/>
+          <a:p>
+            <a:endParaRPr/>
+          </a:p>
         </p:txBody>
       </p:sp>
       <p:sp>
         <p:nvSpPr>
           <p:cNvPr id="7" name="Google Shape;7;p10"/>
-          <p:cNvSpPr txBox="1"/>
+          <p:cNvSpPr txBox="1">
+            <a:spLocks noGrp="1"/>
+          </p:cNvSpPr>
           <p:nvPr>
-            <p:ph idx="1" type="body"/>
+            <p:ph type="body" idx="1"/>
           </p:nvPr>
         </p:nvSpPr>
         <p:spPr>
@@ -4753,11 +4867,11 @@
           </a:ln>
         </p:spPr>
         <p:txBody>
-          <a:bodyPr anchorCtr="0" anchor="t" bIns="50800" lIns="50800" spcFirstLastPara="1" rIns="50800" wrap="square" tIns="50800">
+          <a:bodyPr spcFirstLastPara="1" wrap="square" lIns="50800" tIns="50800" rIns="50800" bIns="50800" anchor="t" anchorCtr="0">
             <a:normAutofit/>
           </a:bodyPr>
           <a:lstStyle>
-            <a:lvl1pPr indent="-400050" lvl="0" marL="457200" marR="0" rtl="0" algn="l">
+            <a:lvl1pPr marL="457200" marR="0" lvl="0" indent="-400050" algn="l" rtl="0">
               <a:lnSpc>
                 <a:spcPct val="100000"/>
               </a:lnSpc>
@@ -4773,7 +4887,7 @@
               <a:buSzPts val="2700"/>
               <a:buFont typeface="Calibri"/>
               <a:buChar char="•"/>
-              <a:defRPr b="0" i="0" sz="3600" u="none" cap="none" strike="noStrike">
+              <a:defRPr sz="3600" b="0" i="0" u="none" strike="noStrike" cap="none">
                 <a:solidFill>
                   <a:srgbClr val="000000"/>
                 </a:solidFill>
@@ -4783,7 +4897,7 @@
                 <a:sym typeface="Calibri"/>
               </a:defRPr>
             </a:lvl1pPr>
-            <a:lvl2pPr indent="-381000" lvl="1" marL="914400" marR="0" rtl="0" algn="l">
+            <a:lvl2pPr marL="914400" marR="0" lvl="1" indent="-381000" algn="l" rtl="0">
               <a:lnSpc>
                 <a:spcPct val="100000"/>
               </a:lnSpc>
@@ -4799,7 +4913,7 @@
               <a:buSzPts val="2400"/>
               <a:buFont typeface="Calibri"/>
               <a:buChar char="•"/>
-              <a:defRPr b="0" i="0" sz="3200" u="none" cap="none" strike="noStrike">
+              <a:defRPr sz="3200" b="0" i="0" u="none" strike="noStrike" cap="none">
                 <a:solidFill>
                   <a:srgbClr val="000000"/>
                 </a:solidFill>
@@ -4809,7 +4923,7 @@
                 <a:sym typeface="Calibri"/>
               </a:defRPr>
             </a:lvl2pPr>
-            <a:lvl3pPr indent="-371475" lvl="2" marL="1371600" marR="0" rtl="0" algn="l">
+            <a:lvl3pPr marL="1371600" marR="0" lvl="2" indent="-371475" algn="l" rtl="0">
               <a:lnSpc>
                 <a:spcPct val="100000"/>
               </a:lnSpc>
@@ -4825,7 +4939,7 @@
               <a:buSzPts val="2250"/>
               <a:buFont typeface="Calibri"/>
               <a:buChar char="•"/>
-              <a:defRPr b="0" i="0" sz="3000" u="none" cap="none" strike="noStrike">
+              <a:defRPr sz="3000" b="0" i="0" u="none" strike="noStrike" cap="none">
                 <a:solidFill>
                   <a:srgbClr val="000000"/>
                 </a:solidFill>
@@ -4835,7 +4949,7 @@
                 <a:sym typeface="Calibri"/>
               </a:defRPr>
             </a:lvl3pPr>
-            <a:lvl4pPr indent="-361950" lvl="3" marL="1828800" marR="0" rtl="0" algn="l">
+            <a:lvl4pPr marL="1828800" marR="0" lvl="3" indent="-361950" algn="l" rtl="0">
               <a:lnSpc>
                 <a:spcPct val="100000"/>
               </a:lnSpc>
@@ -4851,7 +4965,7 @@
               <a:buSzPts val="2100"/>
               <a:buFont typeface="Calibri"/>
               <a:buChar char="•"/>
-              <a:defRPr b="0" i="0" sz="2800" u="none" cap="none" strike="noStrike">
+              <a:defRPr sz="2800" b="0" i="0" u="none" strike="noStrike" cap="none">
                 <a:solidFill>
                   <a:srgbClr val="000000"/>
                 </a:solidFill>
@@ -4861,7 +4975,7 @@
                 <a:sym typeface="Calibri"/>
               </a:defRPr>
             </a:lvl4pPr>
-            <a:lvl5pPr indent="-361950" lvl="4" marL="2286000" marR="0" rtl="0" algn="l">
+            <a:lvl5pPr marL="2286000" marR="0" lvl="4" indent="-361950" algn="l" rtl="0">
               <a:lnSpc>
                 <a:spcPct val="100000"/>
               </a:lnSpc>
@@ -4877,7 +4991,7 @@
               <a:buSzPts val="2100"/>
               <a:buFont typeface="Calibri"/>
               <a:buChar char="•"/>
-              <a:defRPr b="0" i="0" sz="2800" u="none" cap="none" strike="noStrike">
+              <a:defRPr sz="2800" b="0" i="0" u="none" strike="noStrike" cap="none">
                 <a:solidFill>
                   <a:srgbClr val="000000"/>
                 </a:solidFill>
@@ -4887,7 +5001,7 @@
                 <a:sym typeface="Calibri"/>
               </a:defRPr>
             </a:lvl5pPr>
-            <a:lvl6pPr indent="-400050" lvl="5" marL="2743200" marR="0" rtl="0" algn="l">
+            <a:lvl6pPr marL="2743200" marR="0" lvl="5" indent="-400050" algn="l" rtl="0">
               <a:lnSpc>
                 <a:spcPct val="100000"/>
               </a:lnSpc>
@@ -4903,7 +5017,7 @@
               <a:buSzPts val="2700"/>
               <a:buFont typeface="Calibri"/>
               <a:buChar char="•"/>
-              <a:defRPr b="0" i="0" sz="3600" u="none" cap="none" strike="noStrike">
+              <a:defRPr sz="3600" b="0" i="0" u="none" strike="noStrike" cap="none">
                 <a:solidFill>
                   <a:srgbClr val="000000"/>
                 </a:solidFill>
@@ -4913,7 +5027,7 @@
                 <a:sym typeface="Calibri"/>
               </a:defRPr>
             </a:lvl6pPr>
-            <a:lvl7pPr indent="-400050" lvl="6" marL="3200400" marR="0" rtl="0" algn="l">
+            <a:lvl7pPr marL="3200400" marR="0" lvl="6" indent="-400050" algn="l" rtl="0">
               <a:lnSpc>
                 <a:spcPct val="100000"/>
               </a:lnSpc>
@@ -4929,7 +5043,7 @@
               <a:buSzPts val="2700"/>
               <a:buFont typeface="Calibri"/>
               <a:buChar char="•"/>
-              <a:defRPr b="0" i="0" sz="3600" u="none" cap="none" strike="noStrike">
+              <a:defRPr sz="3600" b="0" i="0" u="none" strike="noStrike" cap="none">
                 <a:solidFill>
                   <a:srgbClr val="000000"/>
                 </a:solidFill>
@@ -4939,7 +5053,7 @@
                 <a:sym typeface="Calibri"/>
               </a:defRPr>
             </a:lvl7pPr>
-            <a:lvl8pPr indent="-400050" lvl="7" marL="3657600" marR="0" rtl="0" algn="l">
+            <a:lvl8pPr marL="3657600" marR="0" lvl="7" indent="-400050" algn="l" rtl="0">
               <a:lnSpc>
                 <a:spcPct val="100000"/>
               </a:lnSpc>
@@ -4955,7 +5069,7 @@
               <a:buSzPts val="2700"/>
               <a:buFont typeface="Calibri"/>
               <a:buChar char="•"/>
-              <a:defRPr b="0" i="0" sz="3600" u="none" cap="none" strike="noStrike">
+              <a:defRPr sz="3600" b="0" i="0" u="none" strike="noStrike" cap="none">
                 <a:solidFill>
                   <a:srgbClr val="000000"/>
                 </a:solidFill>
@@ -4965,7 +5079,7 @@
                 <a:sym typeface="Calibri"/>
               </a:defRPr>
             </a:lvl8pPr>
-            <a:lvl9pPr indent="-400050" lvl="8" marL="4114800" marR="0" rtl="0" algn="l">
+            <a:lvl9pPr marL="4114800" marR="0" lvl="8" indent="-400050" algn="l" rtl="0">
               <a:lnSpc>
                 <a:spcPct val="100000"/>
               </a:lnSpc>
@@ -4981,7 +5095,7 @@
               <a:buSzPts val="2700"/>
               <a:buFont typeface="Calibri"/>
               <a:buChar char="•"/>
-              <a:defRPr b="0" i="0" sz="3600" u="none" cap="none" strike="noStrike">
+              <a:defRPr sz="3600" b="0" i="0" u="none" strike="noStrike" cap="none">
                 <a:solidFill>
                   <a:srgbClr val="000000"/>
                 </a:solidFill>
@@ -4992,7 +5106,9 @@
               </a:defRPr>
             </a:lvl9pPr>
           </a:lstStyle>
-          <a:p/>
+          <a:p>
+            <a:endParaRPr/>
+          </a:p>
         </p:txBody>
       </p:sp>
       <p:pic>
@@ -5002,10 +5118,10 @@
           <p:nvPr/>
         </p:nvPicPr>
         <p:blipFill rotWithShape="1">
-          <a:blip r:embed="rId1">
+          <a:blip r:embed="rId7">
             <a:alphaModFix/>
           </a:blip>
-          <a:srcRect b="0" l="0" r="0" t="0"/>
+          <a:srcRect/>
           <a:stretch/>
         </p:blipFill>
         <p:spPr>
@@ -5029,10 +5145,10 @@
           <p:nvPr/>
         </p:nvPicPr>
         <p:blipFill rotWithShape="1">
-          <a:blip r:embed="rId2">
+          <a:blip r:embed="rId8">
             <a:alphaModFix/>
           </a:blip>
-          <a:srcRect b="0" l="0" r="0" t="0"/>
+          <a:srcRect/>
           <a:stretch/>
         </p:blipFill>
         <p:spPr>
@@ -5052,9 +5168,11 @@
       <p:sp>
         <p:nvSpPr>
           <p:cNvPr id="10" name="Google Shape;10;p10"/>
-          <p:cNvSpPr txBox="1"/>
+          <p:cNvSpPr txBox="1">
+            <a:spLocks noGrp="1"/>
+          </p:cNvSpPr>
           <p:nvPr>
-            <p:ph idx="12" type="sldNum"/>
+            <p:ph type="sldNum" idx="12"/>
           </p:nvPr>
         </p:nvSpPr>
         <p:spPr>
@@ -5071,11 +5189,11 @@
           </a:ln>
         </p:spPr>
         <p:txBody>
-          <a:bodyPr anchorCtr="0" anchor="t" bIns="50800" lIns="50800" spcFirstLastPara="1" rIns="50800" wrap="square" tIns="50800">
+          <a:bodyPr spcFirstLastPara="1" wrap="square" lIns="50800" tIns="50800" rIns="50800" bIns="50800" anchor="t" anchorCtr="0">
             <a:spAutoFit/>
           </a:bodyPr>
           <a:lstStyle>
-            <a:lvl1pPr indent="0" lvl="0" marL="0" marR="0" rtl="0" algn="ctr">
+            <a:lvl1pPr marL="0" marR="0" lvl="0" indent="0" algn="ctr" rtl="0">
               <a:lnSpc>
                 <a:spcPct val="100000"/>
               </a:lnSpc>
@@ -5091,7 +5209,7 @@
               <a:buSzPts val="1800"/>
               <a:buFont typeface="Helvetica Neue Light"/>
               <a:buNone/>
-              <a:defRPr b="0" i="0" sz="1800" u="none" cap="none" strike="noStrike">
+              <a:defRPr sz="1800" b="0" i="0" u="none" strike="noStrike" cap="none">
                 <a:solidFill>
                   <a:srgbClr val="000000"/>
                 </a:solidFill>
@@ -5101,7 +5219,7 @@
                 <a:sym typeface="Helvetica Neue Light"/>
               </a:defRPr>
             </a:lvl1pPr>
-            <a:lvl2pPr indent="0" lvl="1" marL="0" marR="0" rtl="0" algn="ctr">
+            <a:lvl2pPr marL="0" marR="0" lvl="1" indent="0" algn="ctr" rtl="0">
               <a:lnSpc>
                 <a:spcPct val="100000"/>
               </a:lnSpc>
@@ -5117,7 +5235,7 @@
               <a:buSzPts val="1800"/>
               <a:buFont typeface="Helvetica Neue Light"/>
               <a:buNone/>
-              <a:defRPr b="0" i="0" sz="1800" u="none" cap="none" strike="noStrike">
+              <a:defRPr sz="1800" b="0" i="0" u="none" strike="noStrike" cap="none">
                 <a:solidFill>
                   <a:srgbClr val="000000"/>
                 </a:solidFill>
@@ -5127,7 +5245,7 @@
                 <a:sym typeface="Helvetica Neue Light"/>
               </a:defRPr>
             </a:lvl2pPr>
-            <a:lvl3pPr indent="0" lvl="2" marL="0" marR="0" rtl="0" algn="ctr">
+            <a:lvl3pPr marL="0" marR="0" lvl="2" indent="0" algn="ctr" rtl="0">
               <a:lnSpc>
                 <a:spcPct val="100000"/>
               </a:lnSpc>
@@ -5143,7 +5261,7 @@
               <a:buSzPts val="1800"/>
               <a:buFont typeface="Helvetica Neue Light"/>
               <a:buNone/>
-              <a:defRPr b="0" i="0" sz="1800" u="none" cap="none" strike="noStrike">
+              <a:defRPr sz="1800" b="0" i="0" u="none" strike="noStrike" cap="none">
                 <a:solidFill>
                   <a:srgbClr val="000000"/>
                 </a:solidFill>
@@ -5153,7 +5271,7 @@
                 <a:sym typeface="Helvetica Neue Light"/>
               </a:defRPr>
             </a:lvl3pPr>
-            <a:lvl4pPr indent="0" lvl="3" marL="0" marR="0" rtl="0" algn="ctr">
+            <a:lvl4pPr marL="0" marR="0" lvl="3" indent="0" algn="ctr" rtl="0">
               <a:lnSpc>
                 <a:spcPct val="100000"/>
               </a:lnSpc>
@@ -5169,7 +5287,7 @@
               <a:buSzPts val="1800"/>
               <a:buFont typeface="Helvetica Neue Light"/>
               <a:buNone/>
-              <a:defRPr b="0" i="0" sz="1800" u="none" cap="none" strike="noStrike">
+              <a:defRPr sz="1800" b="0" i="0" u="none" strike="noStrike" cap="none">
                 <a:solidFill>
                   <a:srgbClr val="000000"/>
                 </a:solidFill>
@@ -5179,7 +5297,7 @@
                 <a:sym typeface="Helvetica Neue Light"/>
               </a:defRPr>
             </a:lvl4pPr>
-            <a:lvl5pPr indent="0" lvl="4" marL="0" marR="0" rtl="0" algn="ctr">
+            <a:lvl5pPr marL="0" marR="0" lvl="4" indent="0" algn="ctr" rtl="0">
               <a:lnSpc>
                 <a:spcPct val="100000"/>
               </a:lnSpc>
@@ -5195,7 +5313,7 @@
               <a:buSzPts val="1800"/>
               <a:buFont typeface="Helvetica Neue Light"/>
               <a:buNone/>
-              <a:defRPr b="0" i="0" sz="1800" u="none" cap="none" strike="noStrike">
+              <a:defRPr sz="1800" b="0" i="0" u="none" strike="noStrike" cap="none">
                 <a:solidFill>
                   <a:srgbClr val="000000"/>
                 </a:solidFill>
@@ -5205,7 +5323,7 @@
                 <a:sym typeface="Helvetica Neue Light"/>
               </a:defRPr>
             </a:lvl5pPr>
-            <a:lvl6pPr indent="0" lvl="5" marL="0" marR="0" rtl="0" algn="ctr">
+            <a:lvl6pPr marL="0" marR="0" lvl="5" indent="0" algn="ctr" rtl="0">
               <a:lnSpc>
                 <a:spcPct val="100000"/>
               </a:lnSpc>
@@ -5221,7 +5339,7 @@
               <a:buSzPts val="1800"/>
               <a:buFont typeface="Helvetica Neue Light"/>
               <a:buNone/>
-              <a:defRPr b="0" i="0" sz="1800" u="none" cap="none" strike="noStrike">
+              <a:defRPr sz="1800" b="0" i="0" u="none" strike="noStrike" cap="none">
                 <a:solidFill>
                   <a:srgbClr val="000000"/>
                 </a:solidFill>
@@ -5231,7 +5349,7 @@
                 <a:sym typeface="Helvetica Neue Light"/>
               </a:defRPr>
             </a:lvl6pPr>
-            <a:lvl7pPr indent="0" lvl="6" marL="0" marR="0" rtl="0" algn="ctr">
+            <a:lvl7pPr marL="0" marR="0" lvl="6" indent="0" algn="ctr" rtl="0">
               <a:lnSpc>
                 <a:spcPct val="100000"/>
               </a:lnSpc>
@@ -5247,7 +5365,7 @@
               <a:buSzPts val="1800"/>
               <a:buFont typeface="Helvetica Neue Light"/>
               <a:buNone/>
-              <a:defRPr b="0" i="0" sz="1800" u="none" cap="none" strike="noStrike">
+              <a:defRPr sz="1800" b="0" i="0" u="none" strike="noStrike" cap="none">
                 <a:solidFill>
                   <a:srgbClr val="000000"/>
                 </a:solidFill>
@@ -5257,7 +5375,7 @@
                 <a:sym typeface="Helvetica Neue Light"/>
               </a:defRPr>
             </a:lvl7pPr>
-            <a:lvl8pPr indent="0" lvl="7" marL="0" marR="0" rtl="0" algn="ctr">
+            <a:lvl8pPr marL="0" marR="0" lvl="7" indent="0" algn="ctr" rtl="0">
               <a:lnSpc>
                 <a:spcPct val="100000"/>
               </a:lnSpc>
@@ -5273,7 +5391,7 @@
               <a:buSzPts val="1800"/>
               <a:buFont typeface="Helvetica Neue Light"/>
               <a:buNone/>
-              <a:defRPr b="0" i="0" sz="1800" u="none" cap="none" strike="noStrike">
+              <a:defRPr sz="1800" b="0" i="0" u="none" strike="noStrike" cap="none">
                 <a:solidFill>
                   <a:srgbClr val="000000"/>
                 </a:solidFill>
@@ -5283,7 +5401,7 @@
                 <a:sym typeface="Helvetica Neue Light"/>
               </a:defRPr>
             </a:lvl8pPr>
-            <a:lvl9pPr indent="0" lvl="8" marL="0" marR="0" rtl="0" algn="ctr">
+            <a:lvl9pPr marL="0" marR="0" lvl="8" indent="0" algn="ctr" rtl="0">
               <a:lnSpc>
                 <a:spcPct val="100000"/>
               </a:lnSpc>
@@ -5299,7 +5417,7 @@
               <a:buSzPts val="1800"/>
               <a:buFont typeface="Helvetica Neue Light"/>
               <a:buNone/>
-              <a:defRPr b="0" i="0" sz="1800" u="none" cap="none" strike="noStrike">
+              <a:defRPr sz="1800" b="0" i="0" u="none" strike="noStrike" cap="none">
                 <a:solidFill>
                   <a:srgbClr val="000000"/>
                 </a:solidFill>
@@ -5311,7 +5429,7 @@
             </a:lvl9pPr>
           </a:lstStyle>
           <a:p>
-            <a:pPr indent="0" lvl="0" marL="0" rtl="0" algn="ctr">
+            <a:pPr marL="0" lvl="0" indent="0" algn="ctr" rtl="0">
               <a:spcBef>
                 <a:spcPts val="0"/>
               </a:spcBef>
@@ -5322,7 +5440,7 @@
             </a:pPr>
             <a:fld id="{00000000-1234-1234-1234-123412341234}" type="slidenum">
               <a:rPr lang="en-US"/>
-              <a:t>‹#›</a:t>
+              <a:t>‹nº›</a:t>
             </a:fld>
             <a:endParaRPr sz="1400">
               <a:latin typeface="Arial"/>
@@ -5335,18 +5453,18 @@
       </p:sp>
     </p:spTree>
   </p:cSld>
-  <p:clrMap accent1="accent1" accent2="accent2" accent3="accent3" accent4="accent4" accent5="accent5" accent6="accent6" bg1="lt1" bg2="dk2" tx1="dk1" tx2="lt2" folHlink="folHlink" hlink="hlink"/>
+  <p:clrMap bg1="lt1" tx1="dk1" bg2="dk2" tx2="lt2" accent1="accent1" accent2="accent2" accent3="accent3" accent4="accent4" accent5="accent5" accent6="accent6" hlink="hlink" folHlink="folHlink"/>
   <p:sldLayoutIdLst>
-    <p:sldLayoutId id="2147483649" r:id="rId3"/>
-    <p:sldLayoutId id="2147483650" r:id="rId4"/>
-    <p:sldLayoutId id="2147483651" r:id="rId5"/>
-    <p:sldLayoutId id="2147483652" r:id="rId6"/>
-    <p:sldLayoutId id="2147483653" r:id="rId7"/>
+    <p:sldLayoutId id="2147483649" r:id="rId1"/>
+    <p:sldLayoutId id="2147483650" r:id="rId2"/>
+    <p:sldLayoutId id="2147483651" r:id="rId3"/>
+    <p:sldLayoutId id="2147483652" r:id="rId4"/>
+    <p:sldLayoutId id="2147483653" r:id="rId5"/>
   </p:sldLayoutIdLst>
-  <p:hf dt="0" ftr="0" hdr="0" sldNum="0"/>
+  <p:hf sldNum="0" hdr="0" ftr="0" dt="0"/>
   <p:txStyles>
     <p:titleStyle>
-      <a:defPPr lvl="0" marR="0" rtl="0" algn="l">
+      <a:defPPr marR="0" lvl="0" algn="l" rtl="0">
         <a:lnSpc>
           <a:spcPct val="100000"/>
         </a:lnSpc>
@@ -5357,7 +5475,7 @@
           <a:spcPts val="0"/>
         </a:spcAft>
       </a:defPPr>
-      <a:lvl1pPr lvl="0" marR="0" rtl="0" algn="l">
+      <a:lvl1pPr marR="0" lvl="0" algn="l" rtl="0">
         <a:lnSpc>
           <a:spcPct val="100000"/>
         </a:lnSpc>
@@ -5371,7 +5489,7 @@
           <a:srgbClr val="000000"/>
         </a:buClr>
         <a:buFont typeface="Arial"/>
-        <a:defRPr b="0" i="0" sz="1400" u="none" cap="none" strike="noStrike">
+        <a:defRPr sz="1400" b="0" i="0" u="none" strike="noStrike" cap="none">
           <a:solidFill>
             <a:srgbClr val="000000"/>
           </a:solidFill>
@@ -5381,7 +5499,7 @@
           <a:sym typeface="Arial"/>
         </a:defRPr>
       </a:lvl1pPr>
-      <a:lvl2pPr lvl="1" marR="0" rtl="0" algn="l">
+      <a:lvl2pPr marR="0" lvl="1" algn="l" rtl="0">
         <a:lnSpc>
           <a:spcPct val="100000"/>
         </a:lnSpc>
@@ -5395,7 +5513,7 @@
           <a:srgbClr val="000000"/>
         </a:buClr>
         <a:buFont typeface="Arial"/>
-        <a:defRPr b="0" i="0" sz="1400" u="none" cap="none" strike="noStrike">
+        <a:defRPr sz="1400" b="0" i="0" u="none" strike="noStrike" cap="none">
           <a:solidFill>
             <a:srgbClr val="000000"/>
           </a:solidFill>
@@ -5405,7 +5523,7 @@
           <a:sym typeface="Arial"/>
         </a:defRPr>
       </a:lvl2pPr>
-      <a:lvl3pPr lvl="2" marR="0" rtl="0" algn="l">
+      <a:lvl3pPr marR="0" lvl="2" algn="l" rtl="0">
         <a:lnSpc>
           <a:spcPct val="100000"/>
         </a:lnSpc>
@@ -5419,7 +5537,7 @@
           <a:srgbClr val="000000"/>
         </a:buClr>
         <a:buFont typeface="Arial"/>
-        <a:defRPr b="0" i="0" sz="1400" u="none" cap="none" strike="noStrike">
+        <a:defRPr sz="1400" b="0" i="0" u="none" strike="noStrike" cap="none">
           <a:solidFill>
             <a:srgbClr val="000000"/>
           </a:solidFill>
@@ -5429,7 +5547,7 @@
           <a:sym typeface="Arial"/>
         </a:defRPr>
       </a:lvl3pPr>
-      <a:lvl4pPr lvl="3" marR="0" rtl="0" algn="l">
+      <a:lvl4pPr marR="0" lvl="3" algn="l" rtl="0">
         <a:lnSpc>
           <a:spcPct val="100000"/>
         </a:lnSpc>
@@ -5443,7 +5561,7 @@
           <a:srgbClr val="000000"/>
         </a:buClr>
         <a:buFont typeface="Arial"/>
-        <a:defRPr b="0" i="0" sz="1400" u="none" cap="none" strike="noStrike">
+        <a:defRPr sz="1400" b="0" i="0" u="none" strike="noStrike" cap="none">
           <a:solidFill>
             <a:srgbClr val="000000"/>
           </a:solidFill>
@@ -5453,7 +5571,7 @@
           <a:sym typeface="Arial"/>
         </a:defRPr>
       </a:lvl4pPr>
-      <a:lvl5pPr lvl="4" marR="0" rtl="0" algn="l">
+      <a:lvl5pPr marR="0" lvl="4" algn="l" rtl="0">
         <a:lnSpc>
           <a:spcPct val="100000"/>
         </a:lnSpc>
@@ -5467,7 +5585,7 @@
           <a:srgbClr val="000000"/>
         </a:buClr>
         <a:buFont typeface="Arial"/>
-        <a:defRPr b="0" i="0" sz="1400" u="none" cap="none" strike="noStrike">
+        <a:defRPr sz="1400" b="0" i="0" u="none" strike="noStrike" cap="none">
           <a:solidFill>
             <a:srgbClr val="000000"/>
           </a:solidFill>
@@ -5477,7 +5595,7 @@
           <a:sym typeface="Arial"/>
         </a:defRPr>
       </a:lvl5pPr>
-      <a:lvl6pPr lvl="5" marR="0" rtl="0" algn="l">
+      <a:lvl6pPr marR="0" lvl="5" algn="l" rtl="0">
         <a:lnSpc>
           <a:spcPct val="100000"/>
         </a:lnSpc>
@@ -5491,7 +5609,7 @@
           <a:srgbClr val="000000"/>
         </a:buClr>
         <a:buFont typeface="Arial"/>
-        <a:defRPr b="0" i="0" sz="1400" u="none" cap="none" strike="noStrike">
+        <a:defRPr sz="1400" b="0" i="0" u="none" strike="noStrike" cap="none">
           <a:solidFill>
             <a:srgbClr val="000000"/>
           </a:solidFill>
@@ -5501,7 +5619,7 @@
           <a:sym typeface="Arial"/>
         </a:defRPr>
       </a:lvl6pPr>
-      <a:lvl7pPr lvl="6" marR="0" rtl="0" algn="l">
+      <a:lvl7pPr marR="0" lvl="6" algn="l" rtl="0">
         <a:lnSpc>
           <a:spcPct val="100000"/>
         </a:lnSpc>
@@ -5515,7 +5633,7 @@
           <a:srgbClr val="000000"/>
         </a:buClr>
         <a:buFont typeface="Arial"/>
-        <a:defRPr b="0" i="0" sz="1400" u="none" cap="none" strike="noStrike">
+        <a:defRPr sz="1400" b="0" i="0" u="none" strike="noStrike" cap="none">
           <a:solidFill>
             <a:srgbClr val="000000"/>
           </a:solidFill>
@@ -5525,7 +5643,7 @@
           <a:sym typeface="Arial"/>
         </a:defRPr>
       </a:lvl7pPr>
-      <a:lvl8pPr lvl="7" marR="0" rtl="0" algn="l">
+      <a:lvl8pPr marR="0" lvl="7" algn="l" rtl="0">
         <a:lnSpc>
           <a:spcPct val="100000"/>
         </a:lnSpc>
@@ -5539,7 +5657,7 @@
           <a:srgbClr val="000000"/>
         </a:buClr>
         <a:buFont typeface="Arial"/>
-        <a:defRPr b="0" i="0" sz="1400" u="none" cap="none" strike="noStrike">
+        <a:defRPr sz="1400" b="0" i="0" u="none" strike="noStrike" cap="none">
           <a:solidFill>
             <a:srgbClr val="000000"/>
           </a:solidFill>
@@ -5549,7 +5667,7 @@
           <a:sym typeface="Arial"/>
         </a:defRPr>
       </a:lvl8pPr>
-      <a:lvl9pPr lvl="8" marR="0" rtl="0" algn="l">
+      <a:lvl9pPr marR="0" lvl="8" algn="l" rtl="0">
         <a:lnSpc>
           <a:spcPct val="100000"/>
         </a:lnSpc>
@@ -5563,7 +5681,7 @@
           <a:srgbClr val="000000"/>
         </a:buClr>
         <a:buFont typeface="Arial"/>
-        <a:defRPr b="0" i="0" sz="1400" u="none" cap="none" strike="noStrike">
+        <a:defRPr sz="1400" b="0" i="0" u="none" strike="noStrike" cap="none">
           <a:solidFill>
             <a:srgbClr val="000000"/>
           </a:solidFill>
@@ -5575,7 +5693,7 @@
       </a:lvl9pPr>
     </p:titleStyle>
     <p:bodyStyle>
-      <a:defPPr lvl="0" marR="0" rtl="0" algn="l">
+      <a:defPPr marR="0" lvl="0" algn="l" rtl="0">
         <a:lnSpc>
           <a:spcPct val="100000"/>
         </a:lnSpc>
@@ -5586,7 +5704,7 @@
           <a:spcPts val="0"/>
         </a:spcAft>
       </a:defPPr>
-      <a:lvl1pPr lvl="0" marR="0" rtl="0" algn="l">
+      <a:lvl1pPr marR="0" lvl="0" algn="l" rtl="0">
         <a:lnSpc>
           <a:spcPct val="100000"/>
         </a:lnSpc>
@@ -5600,7 +5718,7 @@
           <a:srgbClr val="000000"/>
         </a:buClr>
         <a:buFont typeface="Arial"/>
-        <a:defRPr b="0" i="0" sz="1400" u="none" cap="none" strike="noStrike">
+        <a:defRPr sz="1400" b="0" i="0" u="none" strike="noStrike" cap="none">
           <a:solidFill>
             <a:srgbClr val="000000"/>
           </a:solidFill>
@@ -5610,7 +5728,7 @@
           <a:sym typeface="Arial"/>
         </a:defRPr>
       </a:lvl1pPr>
-      <a:lvl2pPr lvl="1" marR="0" rtl="0" algn="l">
+      <a:lvl2pPr marR="0" lvl="1" algn="l" rtl="0">
         <a:lnSpc>
           <a:spcPct val="100000"/>
         </a:lnSpc>
@@ -5624,7 +5742,7 @@
           <a:srgbClr val="000000"/>
         </a:buClr>
         <a:buFont typeface="Arial"/>
-        <a:defRPr b="0" i="0" sz="1400" u="none" cap="none" strike="noStrike">
+        <a:defRPr sz="1400" b="0" i="0" u="none" strike="noStrike" cap="none">
           <a:solidFill>
             <a:srgbClr val="000000"/>
           </a:solidFill>
@@ -5634,7 +5752,7 @@
           <a:sym typeface="Arial"/>
         </a:defRPr>
       </a:lvl2pPr>
-      <a:lvl3pPr lvl="2" marR="0" rtl="0" algn="l">
+      <a:lvl3pPr marR="0" lvl="2" algn="l" rtl="0">
         <a:lnSpc>
           <a:spcPct val="100000"/>
         </a:lnSpc>
@@ -5648,7 +5766,7 @@
           <a:srgbClr val="000000"/>
         </a:buClr>
         <a:buFont typeface="Arial"/>
-        <a:defRPr b="0" i="0" sz="1400" u="none" cap="none" strike="noStrike">
+        <a:defRPr sz="1400" b="0" i="0" u="none" strike="noStrike" cap="none">
           <a:solidFill>
             <a:srgbClr val="000000"/>
           </a:solidFill>
@@ -5658,7 +5776,7 @@
           <a:sym typeface="Arial"/>
         </a:defRPr>
       </a:lvl3pPr>
-      <a:lvl4pPr lvl="3" marR="0" rtl="0" algn="l">
+      <a:lvl4pPr marR="0" lvl="3" algn="l" rtl="0">
         <a:lnSpc>
           <a:spcPct val="100000"/>
         </a:lnSpc>
@@ -5672,7 +5790,7 @@
           <a:srgbClr val="000000"/>
         </a:buClr>
         <a:buFont typeface="Arial"/>
-        <a:defRPr b="0" i="0" sz="1400" u="none" cap="none" strike="noStrike">
+        <a:defRPr sz="1400" b="0" i="0" u="none" strike="noStrike" cap="none">
           <a:solidFill>
             <a:srgbClr val="000000"/>
           </a:solidFill>
@@ -5682,7 +5800,7 @@
           <a:sym typeface="Arial"/>
         </a:defRPr>
       </a:lvl4pPr>
-      <a:lvl5pPr lvl="4" marR="0" rtl="0" algn="l">
+      <a:lvl5pPr marR="0" lvl="4" algn="l" rtl="0">
         <a:lnSpc>
           <a:spcPct val="100000"/>
         </a:lnSpc>
@@ -5696,7 +5814,7 @@
           <a:srgbClr val="000000"/>
         </a:buClr>
         <a:buFont typeface="Arial"/>
-        <a:defRPr b="0" i="0" sz="1400" u="none" cap="none" strike="noStrike">
+        <a:defRPr sz="1400" b="0" i="0" u="none" strike="noStrike" cap="none">
           <a:solidFill>
             <a:srgbClr val="000000"/>
           </a:solidFill>
@@ -5706,7 +5824,7 @@
           <a:sym typeface="Arial"/>
         </a:defRPr>
       </a:lvl5pPr>
-      <a:lvl6pPr lvl="5" marR="0" rtl="0" algn="l">
+      <a:lvl6pPr marR="0" lvl="5" algn="l" rtl="0">
         <a:lnSpc>
           <a:spcPct val="100000"/>
         </a:lnSpc>
@@ -5720,7 +5838,7 @@
           <a:srgbClr val="000000"/>
         </a:buClr>
         <a:buFont typeface="Arial"/>
-        <a:defRPr b="0" i="0" sz="1400" u="none" cap="none" strike="noStrike">
+        <a:defRPr sz="1400" b="0" i="0" u="none" strike="noStrike" cap="none">
           <a:solidFill>
             <a:srgbClr val="000000"/>
           </a:solidFill>
@@ -5730,7 +5848,7 @@
           <a:sym typeface="Arial"/>
         </a:defRPr>
       </a:lvl6pPr>
-      <a:lvl7pPr lvl="6" marR="0" rtl="0" algn="l">
+      <a:lvl7pPr marR="0" lvl="6" algn="l" rtl="0">
         <a:lnSpc>
           <a:spcPct val="100000"/>
         </a:lnSpc>
@@ -5744,7 +5862,7 @@
           <a:srgbClr val="000000"/>
         </a:buClr>
         <a:buFont typeface="Arial"/>
-        <a:defRPr b="0" i="0" sz="1400" u="none" cap="none" strike="noStrike">
+        <a:defRPr sz="1400" b="0" i="0" u="none" strike="noStrike" cap="none">
           <a:solidFill>
             <a:srgbClr val="000000"/>
           </a:solidFill>
@@ -5754,7 +5872,7 @@
           <a:sym typeface="Arial"/>
         </a:defRPr>
       </a:lvl7pPr>
-      <a:lvl8pPr lvl="7" marR="0" rtl="0" algn="l">
+      <a:lvl8pPr marR="0" lvl="7" algn="l" rtl="0">
         <a:lnSpc>
           <a:spcPct val="100000"/>
         </a:lnSpc>
@@ -5768,7 +5886,7 @@
           <a:srgbClr val="000000"/>
         </a:buClr>
         <a:buFont typeface="Arial"/>
-        <a:defRPr b="0" i="0" sz="1400" u="none" cap="none" strike="noStrike">
+        <a:defRPr sz="1400" b="0" i="0" u="none" strike="noStrike" cap="none">
           <a:solidFill>
             <a:srgbClr val="000000"/>
           </a:solidFill>
@@ -5778,7 +5896,7 @@
           <a:sym typeface="Arial"/>
         </a:defRPr>
       </a:lvl8pPr>
-      <a:lvl9pPr lvl="8" marR="0" rtl="0" algn="l">
+      <a:lvl9pPr marR="0" lvl="8" algn="l" rtl="0">
         <a:lnSpc>
           <a:spcPct val="100000"/>
         </a:lnSpc>
@@ -5792,7 +5910,7 @@
           <a:srgbClr val="000000"/>
         </a:buClr>
         <a:buFont typeface="Arial"/>
-        <a:defRPr b="0" i="0" sz="1400" u="none" cap="none" strike="noStrike">
+        <a:defRPr sz="1400" b="0" i="0" u="none" strike="noStrike" cap="none">
           <a:solidFill>
             <a:srgbClr val="000000"/>
           </a:solidFill>
@@ -5804,7 +5922,7 @@
       </a:lvl9pPr>
     </p:bodyStyle>
     <p:otherStyle>
-      <a:defPPr lvl="0" marR="0" rtl="0" algn="l">
+      <a:defPPr marR="0" lvl="0" algn="l" rtl="0">
         <a:lnSpc>
           <a:spcPct val="100000"/>
         </a:lnSpc>
@@ -5815,7 +5933,7 @@
           <a:spcPts val="0"/>
         </a:spcAft>
       </a:defPPr>
-      <a:lvl1pPr lvl="0" marR="0" rtl="0" algn="l">
+      <a:lvl1pPr marR="0" lvl="0" algn="l" rtl="0">
         <a:lnSpc>
           <a:spcPct val="100000"/>
         </a:lnSpc>
@@ -5829,7 +5947,7 @@
           <a:srgbClr val="000000"/>
         </a:buClr>
         <a:buFont typeface="Arial"/>
-        <a:defRPr b="0" i="0" sz="1400" u="none" cap="none" strike="noStrike">
+        <a:defRPr sz="1400" b="0" i="0" u="none" strike="noStrike" cap="none">
           <a:solidFill>
             <a:srgbClr val="000000"/>
           </a:solidFill>
@@ -5839,7 +5957,7 @@
           <a:sym typeface="Arial"/>
         </a:defRPr>
       </a:lvl1pPr>
-      <a:lvl2pPr lvl="1" marR="0" rtl="0" algn="l">
+      <a:lvl2pPr marR="0" lvl="1" algn="l" rtl="0">
         <a:lnSpc>
           <a:spcPct val="100000"/>
         </a:lnSpc>
@@ -5853,7 +5971,7 @@
           <a:srgbClr val="000000"/>
         </a:buClr>
         <a:buFont typeface="Arial"/>
-        <a:defRPr b="0" i="0" sz="1400" u="none" cap="none" strike="noStrike">
+        <a:defRPr sz="1400" b="0" i="0" u="none" strike="noStrike" cap="none">
           <a:solidFill>
             <a:srgbClr val="000000"/>
           </a:solidFill>
@@ -5863,7 +5981,7 @@
           <a:sym typeface="Arial"/>
         </a:defRPr>
       </a:lvl2pPr>
-      <a:lvl3pPr lvl="2" marR="0" rtl="0" algn="l">
+      <a:lvl3pPr marR="0" lvl="2" algn="l" rtl="0">
         <a:lnSpc>
           <a:spcPct val="100000"/>
         </a:lnSpc>
@@ -5877,7 +5995,7 @@
           <a:srgbClr val="000000"/>
         </a:buClr>
         <a:buFont typeface="Arial"/>
-        <a:defRPr b="0" i="0" sz="1400" u="none" cap="none" strike="noStrike">
+        <a:defRPr sz="1400" b="0" i="0" u="none" strike="noStrike" cap="none">
           <a:solidFill>
             <a:srgbClr val="000000"/>
           </a:solidFill>
@@ -5887,7 +6005,7 @@
           <a:sym typeface="Arial"/>
         </a:defRPr>
       </a:lvl3pPr>
-      <a:lvl4pPr lvl="3" marR="0" rtl="0" algn="l">
+      <a:lvl4pPr marR="0" lvl="3" algn="l" rtl="0">
         <a:lnSpc>
           <a:spcPct val="100000"/>
         </a:lnSpc>
@@ -5901,7 +6019,7 @@
           <a:srgbClr val="000000"/>
         </a:buClr>
         <a:buFont typeface="Arial"/>
-        <a:defRPr b="0" i="0" sz="1400" u="none" cap="none" strike="noStrike">
+        <a:defRPr sz="1400" b="0" i="0" u="none" strike="noStrike" cap="none">
           <a:solidFill>
             <a:srgbClr val="000000"/>
           </a:solidFill>
@@ -5911,7 +6029,7 @@
           <a:sym typeface="Arial"/>
         </a:defRPr>
       </a:lvl4pPr>
-      <a:lvl5pPr lvl="4" marR="0" rtl="0" algn="l">
+      <a:lvl5pPr marR="0" lvl="4" algn="l" rtl="0">
         <a:lnSpc>
           <a:spcPct val="100000"/>
         </a:lnSpc>
@@ -5925,7 +6043,7 @@
           <a:srgbClr val="000000"/>
         </a:buClr>
         <a:buFont typeface="Arial"/>
-        <a:defRPr b="0" i="0" sz="1400" u="none" cap="none" strike="noStrike">
+        <a:defRPr sz="1400" b="0" i="0" u="none" strike="noStrike" cap="none">
           <a:solidFill>
             <a:srgbClr val="000000"/>
           </a:solidFill>
@@ -5935,7 +6053,7 @@
           <a:sym typeface="Arial"/>
         </a:defRPr>
       </a:lvl5pPr>
-      <a:lvl6pPr lvl="5" marR="0" rtl="0" algn="l">
+      <a:lvl6pPr marR="0" lvl="5" algn="l" rtl="0">
         <a:lnSpc>
           <a:spcPct val="100000"/>
         </a:lnSpc>
@@ -5949,7 +6067,7 @@
           <a:srgbClr val="000000"/>
         </a:buClr>
         <a:buFont typeface="Arial"/>
-        <a:defRPr b="0" i="0" sz="1400" u="none" cap="none" strike="noStrike">
+        <a:defRPr sz="1400" b="0" i="0" u="none" strike="noStrike" cap="none">
           <a:solidFill>
             <a:srgbClr val="000000"/>
           </a:solidFill>
@@ -5959,7 +6077,7 @@
           <a:sym typeface="Arial"/>
         </a:defRPr>
       </a:lvl6pPr>
-      <a:lvl7pPr lvl="6" marR="0" rtl="0" algn="l">
+      <a:lvl7pPr marR="0" lvl="6" algn="l" rtl="0">
         <a:lnSpc>
           <a:spcPct val="100000"/>
         </a:lnSpc>
@@ -5973,7 +6091,7 @@
           <a:srgbClr val="000000"/>
         </a:buClr>
         <a:buFont typeface="Arial"/>
-        <a:defRPr b="0" i="0" sz="1400" u="none" cap="none" strike="noStrike">
+        <a:defRPr sz="1400" b="0" i="0" u="none" strike="noStrike" cap="none">
           <a:solidFill>
             <a:srgbClr val="000000"/>
           </a:solidFill>
@@ -5983,7 +6101,7 @@
           <a:sym typeface="Arial"/>
         </a:defRPr>
       </a:lvl7pPr>
-      <a:lvl8pPr lvl="7" marR="0" rtl="0" algn="l">
+      <a:lvl8pPr marR="0" lvl="7" algn="l" rtl="0">
         <a:lnSpc>
           <a:spcPct val="100000"/>
         </a:lnSpc>
@@ -5997,7 +6115,7 @@
           <a:srgbClr val="000000"/>
         </a:buClr>
         <a:buFont typeface="Arial"/>
-        <a:defRPr b="0" i="0" sz="1400" u="none" cap="none" strike="noStrike">
+        <a:defRPr sz="1400" b="0" i="0" u="none" strike="noStrike" cap="none">
           <a:solidFill>
             <a:srgbClr val="000000"/>
           </a:solidFill>
@@ -6007,7 +6125,7 @@
           <a:sym typeface="Arial"/>
         </a:defRPr>
       </a:lvl8pPr>
-      <a:lvl9pPr lvl="8" marR="0" rtl="0" algn="l">
+      <a:lvl9pPr marR="0" lvl="8" algn="l" rtl="0">
         <a:lnSpc>
           <a:spcPct val="100000"/>
         </a:lnSpc>
@@ -6021,7 +6139,7 @@
           <a:srgbClr val="000000"/>
         </a:buClr>
         <a:buFont typeface="Arial"/>
-        <a:defRPr b="0" i="0" sz="1400" u="none" cap="none" strike="noStrike">
+        <a:defRPr sz="1400" b="0" i="0" u="none" strike="noStrike" cap="none">
           <a:solidFill>
             <a:srgbClr val="000000"/>
           </a:solidFill>
@@ -6037,11 +6155,11 @@
 </file>
 
 <file path=ppt/slides/slide1.xml><?xml version="1.0" encoding="utf-8"?>
-<p:sld xmlns:a="http://schemas.openxmlformats.org/drawingml/2006/main" xmlns:r="http://schemas.openxmlformats.org/officeDocument/2006/relationships" xmlns:mc="http://schemas.openxmlformats.org/markup-compatibility/2006" xmlns:mv="urn:schemas-microsoft-com:mac:vml" xmlns:p="http://schemas.openxmlformats.org/presentationml/2006/main" xmlns:c="http://schemas.openxmlformats.org/drawingml/2006/chart" xmlns:dgm="http://schemas.openxmlformats.org/drawingml/2006/diagram" xmlns:o="urn:schemas-microsoft-com:office:office" xmlns:v="urn:schemas-microsoft-com:vml" xmlns:pvml="urn:schemas-microsoft-com:office:powerpoint" xmlns:com="http://schemas.openxmlformats.org/drawingml/2006/compatibility" xmlns:p14="http://schemas.microsoft.com/office/powerpoint/2010/main" xmlns:p15="http://schemas.microsoft.com/office/powerpoint/2012/main">
+<p:sld xmlns:a="http://schemas.openxmlformats.org/drawingml/2006/main" xmlns:r="http://schemas.openxmlformats.org/officeDocument/2006/relationships" xmlns:p="http://schemas.openxmlformats.org/presentationml/2006/main">
   <p:cSld>
     <p:spTree>
       <p:nvGrpSpPr>
-        <p:cNvPr id="31" name="Shape 31"/>
+        <p:cNvPr id="1" name="Shape 31"/>
         <p:cNvGrpSpPr/>
         <p:nvPr/>
       </p:nvGrpSpPr>
@@ -6073,12 +6191,12 @@
           </a:ln>
         </p:spPr>
         <p:txBody>
-          <a:bodyPr anchorCtr="0" anchor="t" bIns="65000" lIns="65000" spcFirstLastPara="1" rIns="65000" wrap="square" tIns="65000">
+          <a:bodyPr spcFirstLastPara="1" wrap="square" lIns="65000" tIns="65000" rIns="65000" bIns="65000" anchor="t" anchorCtr="0">
             <a:spAutoFit/>
           </a:bodyPr>
           <a:lstStyle/>
           <a:p>
-            <a:pPr indent="0" lvl="0" marL="0" marR="0" rtl="0" algn="ctr">
+            <a:pPr marL="0" marR="0" lvl="0" indent="0" algn="ctr" rtl="0">
               <a:lnSpc>
                 <a:spcPct val="100000"/>
               </a:lnSpc>
@@ -6096,7 +6214,7 @@
               <a:buNone/>
             </a:pPr>
             <a:r>
-              <a:rPr b="1" i="0" lang="en-US" sz="6000" u="none" cap="none" strike="noStrike">
+              <a:rPr lang="en-US" sz="6000" b="1" i="0" u="none" strike="noStrike" cap="none">
                 <a:solidFill>
                   <a:srgbClr val="000000"/>
                 </a:solidFill>
@@ -6107,7 +6225,7 @@
               </a:rPr>
               <a:t>Árvore B</a:t>
             </a:r>
-            <a:endParaRPr b="0" i="0" sz="1400" u="none" cap="none" strike="noStrike">
+            <a:endParaRPr sz="1400" b="0" i="0" u="none" strike="noStrike" cap="none">
               <a:solidFill>
                 <a:srgbClr val="000000"/>
               </a:solidFill>
@@ -6139,12 +6257,12 @@
           </a:ln>
         </p:spPr>
         <p:txBody>
-          <a:bodyPr anchorCtr="0" anchor="t" bIns="65000" lIns="65000" spcFirstLastPara="1" rIns="65000" wrap="square" tIns="65000">
+          <a:bodyPr spcFirstLastPara="1" wrap="square" lIns="65000" tIns="65000" rIns="65000" bIns="65000" anchor="t" anchorCtr="0">
             <a:spAutoFit/>
           </a:bodyPr>
           <a:lstStyle/>
           <a:p>
-            <a:pPr indent="0" lvl="0" marL="0" marR="0" rtl="0" algn="ctr">
+            <a:pPr marL="0" marR="0" lvl="0" indent="0" algn="ctr" rtl="0">
               <a:lnSpc>
                 <a:spcPct val="100000"/>
               </a:lnSpc>
@@ -6162,7 +6280,7 @@
               <a:buNone/>
             </a:pPr>
             <a:r>
-              <a:rPr b="1" i="0" lang="en-US" sz="4000" u="none" cap="none" strike="noStrike">
+              <a:rPr lang="en-US" sz="4000" b="1" i="0" u="none" strike="noStrike" cap="none">
                 <a:solidFill>
                   <a:srgbClr val="000000"/>
                 </a:solidFill>
@@ -6173,7 +6291,7 @@
               </a:rPr>
               <a:t>Hellena Canuto</a:t>
             </a:r>
-            <a:endParaRPr b="1" i="0" sz="4000" u="none" cap="none" strike="noStrike">
+            <a:endParaRPr sz="4000" b="1" i="0" u="none" strike="noStrike" cap="none">
               <a:solidFill>
                 <a:srgbClr val="000000"/>
               </a:solidFill>
@@ -6184,7 +6302,7 @@
             </a:endParaRPr>
           </a:p>
           <a:p>
-            <a:pPr indent="0" lvl="0" marL="0" marR="0" rtl="0" algn="ctr">
+            <a:pPr marL="0" marR="0" lvl="0" indent="0" algn="ctr" rtl="0">
               <a:lnSpc>
                 <a:spcPct val="100000"/>
               </a:lnSpc>
@@ -6202,7 +6320,7 @@
               <a:buNone/>
             </a:pPr>
             <a:r>
-              <a:rPr b="1" i="0" lang="en-US" sz="4000" u="none" cap="none" strike="noStrike">
+              <a:rPr lang="en-US" sz="4000" b="1" i="0" u="none" strike="noStrike" cap="none">
                 <a:solidFill>
                   <a:srgbClr val="000000"/>
                 </a:solidFill>
@@ -6213,7 +6331,7 @@
               </a:rPr>
               <a:t>Márcio Henrique</a:t>
             </a:r>
-            <a:endParaRPr b="1" i="0" sz="4000" u="none" cap="none" strike="noStrike">
+            <a:endParaRPr sz="4000" b="1" i="0" u="none" strike="noStrike" cap="none">
               <a:solidFill>
                 <a:srgbClr val="000000"/>
               </a:solidFill>
@@ -6224,7 +6342,7 @@
             </a:endParaRPr>
           </a:p>
           <a:p>
-            <a:pPr indent="0" lvl="0" marL="0" marR="0" rtl="0" algn="ctr">
+            <a:pPr marL="0" marR="0" lvl="0" indent="0" algn="ctr" rtl="0">
               <a:lnSpc>
                 <a:spcPct val="100000"/>
               </a:lnSpc>
@@ -6242,7 +6360,7 @@
               <a:buNone/>
             </a:pPr>
             <a:r>
-              <a:rPr b="1" i="0" lang="en-US" sz="4000" u="none" cap="none" strike="noStrike">
+              <a:rPr lang="en-US" sz="4000" b="1" i="0" u="none" strike="noStrike" cap="none">
                 <a:solidFill>
                   <a:srgbClr val="000000"/>
                 </a:solidFill>
@@ -6253,7 +6371,7 @@
               </a:rPr>
               <a:t>Michael Miller</a:t>
             </a:r>
-            <a:endParaRPr b="1" i="0" sz="4000" u="none" cap="none" strike="noStrike">
+            <a:endParaRPr sz="4000" b="1" i="0" u="none" strike="noStrike" cap="none">
               <a:solidFill>
                 <a:srgbClr val="000000"/>
               </a:solidFill>
@@ -6264,7 +6382,7 @@
             </a:endParaRPr>
           </a:p>
           <a:p>
-            <a:pPr indent="0" lvl="0" marL="0" marR="0" rtl="0" algn="ctr">
+            <a:pPr marL="0" marR="0" lvl="0" indent="0" algn="ctr" rtl="0">
               <a:lnSpc>
                 <a:spcPct val="100000"/>
               </a:lnSpc>
@@ -6282,7 +6400,7 @@
               <a:buNone/>
             </a:pPr>
             <a:r>
-              <a:rPr b="1" i="0" lang="en-US" sz="4000" u="none" cap="none" strike="noStrike">
+              <a:rPr lang="en-US" sz="4000" b="1" i="0" u="none" strike="noStrike" cap="none">
                 <a:solidFill>
                   <a:srgbClr val="000000"/>
                 </a:solidFill>
@@ -6293,7 +6411,7 @@
               </a:rPr>
               <a:t>Michel Thomas</a:t>
             </a:r>
-            <a:endParaRPr b="1" i="0" sz="4000" u="none" cap="none" strike="noStrike">
+            <a:endParaRPr sz="4000" b="1" i="0" u="none" strike="noStrike" cap="none">
               <a:solidFill>
                 <a:srgbClr val="000000"/>
               </a:solidFill>
@@ -6304,7 +6422,7 @@
             </a:endParaRPr>
           </a:p>
           <a:p>
-            <a:pPr indent="0" lvl="0" marL="0" marR="0" rtl="0" algn="ctr">
+            <a:pPr marL="0" marR="0" lvl="0" indent="0" algn="ctr" rtl="0">
               <a:lnSpc>
                 <a:spcPct val="100000"/>
               </a:lnSpc>
@@ -6321,10 +6439,7 @@
               <a:buFont typeface="Arial Narrow"/>
               <a:buNone/>
             </a:pPr>
-            <a:r>
-              <a:t/>
-            </a:r>
-            <a:endParaRPr b="0" i="0" sz="3600" u="none" cap="none" strike="noStrike">
+            <a:endParaRPr sz="3600" b="0" i="0" u="none" strike="noStrike" cap="none">
               <a:solidFill>
                 <a:srgbClr val="000000"/>
               </a:solidFill>
@@ -6335,7 +6450,7 @@
             </a:endParaRPr>
           </a:p>
           <a:p>
-            <a:pPr indent="0" lvl="0" marL="0" marR="0" rtl="0" algn="ctr">
+            <a:pPr marL="0" marR="0" lvl="0" indent="0" algn="ctr" rtl="0">
               <a:lnSpc>
                 <a:spcPct val="100000"/>
               </a:lnSpc>
@@ -6353,7 +6468,7 @@
               <a:buNone/>
             </a:pPr>
             <a:r>
-              <a:rPr b="1" i="0" lang="en-US" sz="3400" u="none" cap="none" strike="noStrike">
+              <a:rPr lang="en-US" sz="3400" b="1" i="0" u="none" strike="noStrike" cap="none">
                 <a:solidFill>
                   <a:srgbClr val="000000"/>
                 </a:solidFill>
@@ -6364,7 +6479,7 @@
               </a:rPr>
               <a:t>https://github.com/Miller202/TheHuffman</a:t>
             </a:r>
-            <a:endParaRPr b="0" i="0" sz="1400" u="none" cap="none" strike="noStrike">
+            <a:endParaRPr sz="1400" b="0" i="0" u="none" strike="noStrike" cap="none">
               <a:solidFill>
                 <a:srgbClr val="000000"/>
               </a:solidFill>
@@ -6386,7 +6501,7 @@
           <a:blip r:embed="rId3">
             <a:alphaModFix/>
           </a:blip>
-          <a:srcRect b="0" l="0" r="0" t="0"/>
+          <a:srcRect/>
           <a:stretch/>
         </p:blipFill>
         <p:spPr>
@@ -6413,7 +6528,7 @@
           <a:blip r:embed="rId4">
             <a:alphaModFix/>
           </a:blip>
-          <a:srcRect b="0" l="0" r="0" t="0"/>
+          <a:srcRect/>
           <a:stretch/>
         </p:blipFill>
         <p:spPr>
@@ -6439,11 +6554,11 @@
 </file>
 
 <file path=ppt/slides/slide10.xml><?xml version="1.0" encoding="utf-8"?>
-<p:sld xmlns:a="http://schemas.openxmlformats.org/drawingml/2006/main" xmlns:r="http://schemas.openxmlformats.org/officeDocument/2006/relationships" xmlns:mc="http://schemas.openxmlformats.org/markup-compatibility/2006" xmlns:mv="urn:schemas-microsoft-com:mac:vml" xmlns:p="http://schemas.openxmlformats.org/presentationml/2006/main" xmlns:c="http://schemas.openxmlformats.org/drawingml/2006/chart" xmlns:dgm="http://schemas.openxmlformats.org/drawingml/2006/diagram" xmlns:o="urn:schemas-microsoft-com:office:office" xmlns:v="urn:schemas-microsoft-com:vml" xmlns:pvml="urn:schemas-microsoft-com:office:powerpoint" xmlns:com="http://schemas.openxmlformats.org/drawingml/2006/compatibility" xmlns:p14="http://schemas.microsoft.com/office/powerpoint/2010/main" xmlns:p15="http://schemas.microsoft.com/office/powerpoint/2012/main">
+<p:sld xmlns:a="http://schemas.openxmlformats.org/drawingml/2006/main" xmlns:r="http://schemas.openxmlformats.org/officeDocument/2006/relationships" xmlns:p="http://schemas.openxmlformats.org/presentationml/2006/main">
   <p:cSld>
     <p:spTree>
       <p:nvGrpSpPr>
-        <p:cNvPr id="91" name="Shape 91"/>
+        <p:cNvPr id="1" name="Shape 91"/>
         <p:cNvGrpSpPr/>
         <p:nvPr/>
       </p:nvGrpSpPr>
@@ -6458,7 +6573,9 @@
       <p:sp>
         <p:nvSpPr>
           <p:cNvPr id="92" name="Google Shape;92;p8"/>
-          <p:cNvSpPr txBox="1"/>
+          <p:cNvSpPr txBox="1">
+            <a:spLocks noGrp="1"/>
+          </p:cNvSpPr>
           <p:nvPr>
             <p:ph type="title"/>
           </p:nvPr>
@@ -6477,12 +6594,12 @@
           </a:ln>
         </p:spPr>
         <p:txBody>
-          <a:bodyPr anchorCtr="0" anchor="ctr" bIns="50800" lIns="50800" spcFirstLastPara="1" rIns="50800" wrap="square" tIns="50800">
+          <a:bodyPr spcFirstLastPara="1" wrap="square" lIns="50800" tIns="50800" rIns="50800" bIns="50800" anchor="ctr" anchorCtr="0">
             <a:normAutofit/>
           </a:bodyPr>
           <a:lstStyle/>
           <a:p>
-            <a:pPr indent="0" lvl="0" marL="0" rtl="0" algn="l">
+            <a:pPr marL="0" lvl="0" indent="0" algn="l" rtl="0">
               <a:lnSpc>
                 <a:spcPct val="100000"/>
               </a:lnSpc>
@@ -6500,7 +6617,7 @@
               <a:buNone/>
             </a:pPr>
             <a:r>
-              <a:rPr b="1" i="0" lang="en-US" sz="4000" u="none" cap="none" strike="noStrike">
+              <a:rPr lang="en-US" sz="4000" b="1" i="0" u="none" strike="noStrike" cap="none">
                 <a:solidFill>
                   <a:srgbClr val="000000"/>
                 </a:solidFill>
@@ -6518,9 +6635,11 @@
       <p:sp>
         <p:nvSpPr>
           <p:cNvPr id="93" name="Google Shape;93;p8"/>
-          <p:cNvSpPr txBox="1"/>
+          <p:cNvSpPr txBox="1">
+            <a:spLocks noGrp="1"/>
+          </p:cNvSpPr>
           <p:nvPr>
-            <p:ph idx="1" type="body"/>
+            <p:ph type="body" idx="1"/>
           </p:nvPr>
         </p:nvSpPr>
         <p:spPr>
@@ -6537,12 +6656,12 @@
           </a:ln>
         </p:spPr>
         <p:txBody>
-          <a:bodyPr anchorCtr="0" anchor="t" bIns="50800" lIns="50800" spcFirstLastPara="1" rIns="50800" wrap="square" tIns="50800">
+          <a:bodyPr spcFirstLastPara="1" wrap="square" lIns="50800" tIns="50800" rIns="50800" bIns="50800" anchor="t" anchorCtr="0">
             <a:normAutofit/>
           </a:bodyPr>
           <a:lstStyle/>
           <a:p>
-            <a:pPr indent="0" lvl="0" marL="0" rtl="0" algn="l">
+            <a:pPr marL="0" lvl="0" indent="0" algn="l" rtl="0">
               <a:lnSpc>
                 <a:spcPct val="100000"/>
               </a:lnSpc>
@@ -6566,7 +6685,7 @@
             <a:endParaRPr/>
           </a:p>
           <a:p>
-            <a:pPr indent="0" lvl="0" marL="0" rtl="0" algn="l">
+            <a:pPr marL="0" lvl="0" indent="0" algn="l" rtl="0">
               <a:lnSpc>
                 <a:spcPct val="100000"/>
               </a:lnSpc>
@@ -6578,13 +6697,10 @@
               </a:spcAft>
               <a:buNone/>
             </a:pPr>
-            <a:r>
-              <a:t/>
-            </a:r>
             <a:endParaRPr/>
           </a:p>
           <a:p>
-            <a:pPr indent="0" lvl="0" marL="0" rtl="0" algn="l">
+            <a:pPr marL="0" lvl="0" indent="0" algn="l" rtl="0">
               <a:lnSpc>
                 <a:spcPct val="100000"/>
               </a:lnSpc>
@@ -6596,9 +6712,6 @@
               </a:spcAft>
               <a:buNone/>
             </a:pPr>
-            <a:r>
-              <a:t/>
-            </a:r>
             <a:endParaRPr/>
           </a:p>
         </p:txBody>
@@ -6643,11 +6756,11 @@
 </file>
 
 <file path=ppt/slides/slide11.xml><?xml version="1.0" encoding="utf-8"?>
-<p:sld xmlns:a="http://schemas.openxmlformats.org/drawingml/2006/main" xmlns:r="http://schemas.openxmlformats.org/officeDocument/2006/relationships" xmlns:mc="http://schemas.openxmlformats.org/markup-compatibility/2006" xmlns:mv="urn:schemas-microsoft-com:mac:vml" xmlns:p="http://schemas.openxmlformats.org/presentationml/2006/main" xmlns:c="http://schemas.openxmlformats.org/drawingml/2006/chart" xmlns:dgm="http://schemas.openxmlformats.org/drawingml/2006/diagram" xmlns:o="urn:schemas-microsoft-com:office:office" xmlns:v="urn:schemas-microsoft-com:vml" xmlns:pvml="urn:schemas-microsoft-com:office:powerpoint" xmlns:com="http://schemas.openxmlformats.org/drawingml/2006/compatibility" xmlns:p14="http://schemas.microsoft.com/office/powerpoint/2010/main" xmlns:p15="http://schemas.microsoft.com/office/powerpoint/2012/main">
+<p:sld xmlns:a="http://schemas.openxmlformats.org/drawingml/2006/main" xmlns:r="http://schemas.openxmlformats.org/officeDocument/2006/relationships" xmlns:p="http://schemas.openxmlformats.org/presentationml/2006/main">
   <p:cSld>
     <p:spTree>
       <p:nvGrpSpPr>
-        <p:cNvPr id="98" name="Shape 98"/>
+        <p:cNvPr id="1" name="Shape 98"/>
         <p:cNvGrpSpPr/>
         <p:nvPr/>
       </p:nvGrpSpPr>
@@ -6662,7 +6775,9 @@
       <p:sp>
         <p:nvSpPr>
           <p:cNvPr id="99" name="Google Shape;99;p9"/>
-          <p:cNvSpPr txBox="1"/>
+          <p:cNvSpPr txBox="1">
+            <a:spLocks noGrp="1"/>
+          </p:cNvSpPr>
           <p:nvPr>
             <p:ph type="title"/>
           </p:nvPr>
@@ -6681,12 +6796,12 @@
           </a:ln>
         </p:spPr>
         <p:txBody>
-          <a:bodyPr anchorCtr="0" anchor="ctr" bIns="50800" lIns="50800" spcFirstLastPara="1" rIns="50800" wrap="square" tIns="50800">
+          <a:bodyPr spcFirstLastPara="1" wrap="square" lIns="50800" tIns="50800" rIns="50800" bIns="50800" anchor="ctr" anchorCtr="0">
             <a:normAutofit/>
           </a:bodyPr>
           <a:lstStyle/>
           <a:p>
-            <a:pPr indent="0" lvl="0" marL="0" rtl="0" algn="l">
+            <a:pPr marL="0" lvl="0" indent="0" algn="l" rtl="0">
               <a:lnSpc>
                 <a:spcPct val="100000"/>
               </a:lnSpc>
@@ -6704,7 +6819,7 @@
               <a:buNone/>
             </a:pPr>
             <a:r>
-              <a:rPr b="1" i="0" lang="en-US" sz="4000" u="none" cap="none" strike="noStrike">
+              <a:rPr lang="en-US" sz="4000" b="1" i="0" u="none" strike="noStrike" cap="none">
                 <a:solidFill>
                   <a:srgbClr val="000000"/>
                 </a:solidFill>
@@ -6722,9 +6837,11 @@
       <p:sp>
         <p:nvSpPr>
           <p:cNvPr id="100" name="Google Shape;100;p9"/>
-          <p:cNvSpPr txBox="1"/>
+          <p:cNvSpPr txBox="1">
+            <a:spLocks noGrp="1"/>
+          </p:cNvSpPr>
           <p:nvPr>
-            <p:ph idx="1" type="body"/>
+            <p:ph type="body" idx="1"/>
           </p:nvPr>
         </p:nvSpPr>
         <p:spPr>
@@ -6741,12 +6858,12 @@
           </a:ln>
         </p:spPr>
         <p:txBody>
-          <a:bodyPr anchorCtr="0" anchor="t" bIns="50800" lIns="50800" spcFirstLastPara="1" rIns="50800" wrap="square" tIns="50800">
+          <a:bodyPr spcFirstLastPara="1" wrap="square" lIns="50800" tIns="50800" rIns="50800" bIns="50800" anchor="t" anchorCtr="0">
             <a:normAutofit/>
           </a:bodyPr>
           <a:lstStyle/>
           <a:p>
-            <a:pPr indent="-342900" lvl="0" marL="342900" rtl="0" algn="just">
+            <a:pPr marL="342900" lvl="0" indent="-342900" algn="just" rtl="0">
               <a:lnSpc>
                 <a:spcPct val="100000"/>
               </a:lnSpc>
@@ -6783,11 +6900,11 @@
 </file>
 
 <file path=ppt/slides/slide2.xml><?xml version="1.0" encoding="utf-8"?>
-<p:sld xmlns:a="http://schemas.openxmlformats.org/drawingml/2006/main" xmlns:r="http://schemas.openxmlformats.org/officeDocument/2006/relationships" xmlns:mc="http://schemas.openxmlformats.org/markup-compatibility/2006" xmlns:mv="urn:schemas-microsoft-com:mac:vml" xmlns:p="http://schemas.openxmlformats.org/presentationml/2006/main" xmlns:c="http://schemas.openxmlformats.org/drawingml/2006/chart" xmlns:dgm="http://schemas.openxmlformats.org/drawingml/2006/diagram" xmlns:o="urn:schemas-microsoft-com:office:office" xmlns:v="urn:schemas-microsoft-com:vml" xmlns:pvml="urn:schemas-microsoft-com:office:powerpoint" xmlns:com="http://schemas.openxmlformats.org/drawingml/2006/compatibility" xmlns:p14="http://schemas.microsoft.com/office/powerpoint/2010/main" xmlns:p15="http://schemas.microsoft.com/office/powerpoint/2012/main">
+<p:sld xmlns:a="http://schemas.openxmlformats.org/drawingml/2006/main" xmlns:r="http://schemas.openxmlformats.org/officeDocument/2006/relationships" xmlns:p="http://schemas.openxmlformats.org/presentationml/2006/main">
   <p:cSld>
     <p:spTree>
       <p:nvGrpSpPr>
-        <p:cNvPr id="39" name="Shape 39"/>
+        <p:cNvPr id="1" name="Shape 39"/>
         <p:cNvGrpSpPr/>
         <p:nvPr/>
       </p:nvGrpSpPr>
@@ -6802,7 +6919,9 @@
       <p:sp>
         <p:nvSpPr>
           <p:cNvPr id="40" name="Google Shape;40;p2"/>
-          <p:cNvSpPr txBox="1"/>
+          <p:cNvSpPr txBox="1">
+            <a:spLocks noGrp="1"/>
+          </p:cNvSpPr>
           <p:nvPr>
             <p:ph type="title"/>
           </p:nvPr>
@@ -6821,12 +6940,12 @@
           </a:ln>
         </p:spPr>
         <p:txBody>
-          <a:bodyPr anchorCtr="0" anchor="ctr" bIns="50800" lIns="50800" spcFirstLastPara="1" rIns="50800" wrap="square" tIns="50800">
+          <a:bodyPr spcFirstLastPara="1" wrap="square" lIns="50800" tIns="50800" rIns="50800" bIns="50800" anchor="ctr" anchorCtr="0">
             <a:normAutofit/>
           </a:bodyPr>
           <a:lstStyle/>
           <a:p>
-            <a:pPr indent="0" lvl="0" marL="0" rtl="0" algn="l">
+            <a:pPr marL="0" lvl="0" indent="0" algn="l" rtl="0">
               <a:lnSpc>
                 <a:spcPct val="100000"/>
               </a:lnSpc>
@@ -6844,7 +6963,7 @@
               <a:buNone/>
             </a:pPr>
             <a:r>
-              <a:rPr b="1" i="0" lang="en-US" sz="4000" u="none" cap="none" strike="noStrike">
+              <a:rPr lang="en-US" sz="4000" b="1" i="0" u="none" strike="noStrike" cap="none">
                 <a:solidFill>
                   <a:srgbClr val="000000"/>
                 </a:solidFill>
@@ -6862,9 +6981,11 @@
       <p:sp>
         <p:nvSpPr>
           <p:cNvPr id="41" name="Google Shape;41;p2"/>
-          <p:cNvSpPr txBox="1"/>
+          <p:cNvSpPr txBox="1">
+            <a:spLocks noGrp="1"/>
+          </p:cNvSpPr>
           <p:nvPr>
-            <p:ph idx="1" type="body"/>
+            <p:ph type="body" idx="1"/>
           </p:nvPr>
         </p:nvSpPr>
         <p:spPr>
@@ -6881,12 +7002,12 @@
           </a:ln>
         </p:spPr>
         <p:txBody>
-          <a:bodyPr anchorCtr="0" anchor="t" bIns="50800" lIns="50800" spcFirstLastPara="1" rIns="50800" wrap="square" tIns="50800">
+          <a:bodyPr spcFirstLastPara="1" wrap="square" lIns="50800" tIns="50800" rIns="50800" bIns="50800" anchor="t" anchorCtr="0">
             <a:normAutofit/>
           </a:bodyPr>
           <a:lstStyle/>
           <a:p>
-            <a:pPr indent="-342900" lvl="0" marL="342900" rtl="0" algn="just">
+            <a:pPr marL="342900" lvl="0" indent="-342900" algn="just" rtl="0">
               <a:lnSpc>
                 <a:spcPct val="100000"/>
               </a:lnSpc>
@@ -6910,7 +7031,7 @@
             <a:endParaRPr/>
           </a:p>
           <a:p>
-            <a:pPr indent="0" lvl="0" marL="457200" rtl="0" algn="just">
+            <a:pPr marL="457200" lvl="0" indent="0" algn="just" rtl="0">
               <a:lnSpc>
                 <a:spcPct val="100000"/>
               </a:lnSpc>
@@ -6922,13 +7043,10 @@
               </a:spcAft>
               <a:buNone/>
             </a:pPr>
-            <a:r>
-              <a:t/>
-            </a:r>
             <a:endParaRPr/>
           </a:p>
           <a:p>
-            <a:pPr indent="-342900" lvl="0" marL="342900" rtl="0" algn="just">
+            <a:pPr marL="342900" lvl="0" indent="-342900" algn="just" rtl="0">
               <a:lnSpc>
                 <a:spcPct val="100000"/>
               </a:lnSpc>
@@ -6952,7 +7070,7 @@
             <a:endParaRPr/>
           </a:p>
           <a:p>
-            <a:pPr indent="0" lvl="0" marL="0" rtl="0" algn="l">
+            <a:pPr marL="0" lvl="0" indent="0" algn="l" rtl="0">
               <a:lnSpc>
                 <a:spcPct val="100000"/>
               </a:lnSpc>
@@ -6965,13 +7083,10 @@
               <a:buSzPts val="1350"/>
               <a:buNone/>
             </a:pPr>
-            <a:r>
-              <a:t/>
-            </a:r>
             <a:endParaRPr/>
           </a:p>
           <a:p>
-            <a:pPr indent="0" lvl="0" marL="0" rtl="0" algn="l">
+            <a:pPr marL="0" lvl="0" indent="0" algn="l" rtl="0">
               <a:lnSpc>
                 <a:spcPct val="100000"/>
               </a:lnSpc>
@@ -6984,9 +7099,6 @@
               <a:buSzPts val="1350"/>
               <a:buNone/>
             </a:pPr>
-            <a:r>
-              <a:t/>
-            </a:r>
             <a:endParaRPr/>
           </a:p>
         </p:txBody>
@@ -7003,11 +7115,11 @@
 </file>
 
 <file path=ppt/slides/slide3.xml><?xml version="1.0" encoding="utf-8"?>
-<p:sld xmlns:a="http://schemas.openxmlformats.org/drawingml/2006/main" xmlns:r="http://schemas.openxmlformats.org/officeDocument/2006/relationships" xmlns:mc="http://schemas.openxmlformats.org/markup-compatibility/2006" xmlns:mv="urn:schemas-microsoft-com:mac:vml" xmlns:p="http://schemas.openxmlformats.org/presentationml/2006/main" xmlns:c="http://schemas.openxmlformats.org/drawingml/2006/chart" xmlns:dgm="http://schemas.openxmlformats.org/drawingml/2006/diagram" xmlns:o="urn:schemas-microsoft-com:office:office" xmlns:v="urn:schemas-microsoft-com:vml" xmlns:pvml="urn:schemas-microsoft-com:office:powerpoint" xmlns:com="http://schemas.openxmlformats.org/drawingml/2006/compatibility" xmlns:p14="http://schemas.microsoft.com/office/powerpoint/2010/main" xmlns:p15="http://schemas.microsoft.com/office/powerpoint/2012/main">
+<p:sld xmlns:a="http://schemas.openxmlformats.org/drawingml/2006/main" xmlns:r="http://schemas.openxmlformats.org/officeDocument/2006/relationships" xmlns:p="http://schemas.openxmlformats.org/presentationml/2006/main">
   <p:cSld>
     <p:spTree>
       <p:nvGrpSpPr>
-        <p:cNvPr id="45" name="Shape 45"/>
+        <p:cNvPr id="1" name="Shape 45"/>
         <p:cNvGrpSpPr/>
         <p:nvPr/>
       </p:nvGrpSpPr>
@@ -7022,7 +7134,9 @@
       <p:sp>
         <p:nvSpPr>
           <p:cNvPr id="46" name="Google Shape;46;p3"/>
-          <p:cNvSpPr txBox="1"/>
+          <p:cNvSpPr txBox="1">
+            <a:spLocks noGrp="1"/>
+          </p:cNvSpPr>
           <p:nvPr>
             <p:ph type="title"/>
           </p:nvPr>
@@ -7041,12 +7155,12 @@
           </a:ln>
         </p:spPr>
         <p:txBody>
-          <a:bodyPr anchorCtr="0" anchor="ctr" bIns="50800" lIns="50800" spcFirstLastPara="1" rIns="50800" wrap="square" tIns="50800">
+          <a:bodyPr spcFirstLastPara="1" wrap="square" lIns="50800" tIns="50800" rIns="50800" bIns="50800" anchor="ctr" anchorCtr="0">
             <a:normAutofit/>
           </a:bodyPr>
           <a:lstStyle/>
           <a:p>
-            <a:pPr indent="0" lvl="0" marL="0" rtl="0" algn="l">
+            <a:pPr marL="0" lvl="0" indent="0" algn="l" rtl="0">
               <a:lnSpc>
                 <a:spcPct val="100000"/>
               </a:lnSpc>
@@ -7074,9 +7188,11 @@
       <p:sp>
         <p:nvSpPr>
           <p:cNvPr id="47" name="Google Shape;47;p3"/>
-          <p:cNvSpPr txBox="1"/>
+          <p:cNvSpPr txBox="1">
+            <a:spLocks noGrp="1"/>
+          </p:cNvSpPr>
           <p:nvPr>
-            <p:ph idx="1" type="body"/>
+            <p:ph type="body" idx="1"/>
           </p:nvPr>
         </p:nvSpPr>
         <p:spPr>
@@ -7093,12 +7209,12 @@
           </a:ln>
         </p:spPr>
         <p:txBody>
-          <a:bodyPr anchorCtr="0" anchor="t" bIns="50800" lIns="50800" spcFirstLastPara="1" rIns="50800" wrap="square" tIns="50800">
+          <a:bodyPr spcFirstLastPara="1" wrap="square" lIns="50800" tIns="50800" rIns="50800" bIns="50800" anchor="t" anchorCtr="0">
             <a:normAutofit/>
           </a:bodyPr>
           <a:lstStyle/>
           <a:p>
-            <a:pPr indent="-342900" lvl="0" marL="342900" rtl="0" algn="just">
+            <a:pPr marL="342900" lvl="0" indent="-342900" algn="just" rtl="0">
               <a:lnSpc>
                 <a:spcPct val="100000"/>
               </a:lnSpc>
@@ -7122,7 +7238,7 @@
             <a:endParaRPr/>
           </a:p>
           <a:p>
-            <a:pPr indent="-171450" lvl="0" marL="342900" rtl="0" algn="l">
+            <a:pPr marL="342900" lvl="0" indent="-171450" algn="l" rtl="0">
               <a:lnSpc>
                 <a:spcPct val="100000"/>
               </a:lnSpc>
@@ -7139,10 +7255,7 @@
               <a:buFont typeface="Calibri"/>
               <a:buNone/>
             </a:pPr>
-            <a:r>
-              <a:t/>
-            </a:r>
-            <a:endParaRPr b="0" i="0" sz="3600" u="none" cap="none" strike="noStrike">
+            <a:endParaRPr sz="3600" b="0" i="0" u="none" strike="noStrike" cap="none">
               <a:solidFill>
                 <a:srgbClr val="000000"/>
               </a:solidFill>
@@ -7153,7 +7266,7 @@
             </a:endParaRPr>
           </a:p>
           <a:p>
-            <a:pPr indent="-342900" lvl="0" marL="342900" rtl="0" algn="just">
+            <a:pPr marL="342900" lvl="0" indent="-342900" algn="just" rtl="0">
               <a:lnSpc>
                 <a:spcPct val="100000"/>
               </a:lnSpc>
@@ -7172,16 +7285,12 @@
             </a:pPr>
             <a:r>
               <a:rPr lang="en-US"/>
-              <a:t>São</a:t>
-            </a:r>
-            <a:r>
-              <a:rPr lang="en-US"/>
-              <a:t> usadas para implementar TSs (tabelas de símbolos) muito grandes. Uma árvore B pode ser vista como um índice (análogo ao índice de um livro) para uma coleção de pequenas TSs:  o índice diz em qual das pequenas TSs está a chave que você procura. </a:t>
+              <a:t>São usadas para implementar TSs (tabelas de símbolos) muito grandes. Uma árvore B pode ser vista como um índice (análogo ao índice de um livro) para uma coleção de pequenas TSs:  o índice diz em qual das pequenas TSs está a chave que você procura. </a:t>
             </a:r>
             <a:endParaRPr/>
           </a:p>
           <a:p>
-            <a:pPr indent="0" lvl="0" marL="0" rtl="0" algn="l">
+            <a:pPr marL="0" lvl="0" indent="0" algn="l" rtl="0">
               <a:lnSpc>
                 <a:spcPct val="100000"/>
               </a:lnSpc>
@@ -7194,9 +7303,6 @@
               <a:buSzPts val="1350"/>
               <a:buNone/>
             </a:pPr>
-            <a:r>
-              <a:t/>
-            </a:r>
             <a:endParaRPr/>
           </a:p>
         </p:txBody>
@@ -7213,11 +7319,11 @@
 </file>
 
 <file path=ppt/slides/slide4.xml><?xml version="1.0" encoding="utf-8"?>
-<p:sld xmlns:a="http://schemas.openxmlformats.org/drawingml/2006/main" xmlns:r="http://schemas.openxmlformats.org/officeDocument/2006/relationships" xmlns:mc="http://schemas.openxmlformats.org/markup-compatibility/2006" xmlns:mv="urn:schemas-microsoft-com:mac:vml" xmlns:p="http://schemas.openxmlformats.org/presentationml/2006/main" xmlns:c="http://schemas.openxmlformats.org/drawingml/2006/chart" xmlns:dgm="http://schemas.openxmlformats.org/drawingml/2006/diagram" xmlns:o="urn:schemas-microsoft-com:office:office" xmlns:v="urn:schemas-microsoft-com:vml" xmlns:pvml="urn:schemas-microsoft-com:office:powerpoint" xmlns:com="http://schemas.openxmlformats.org/drawingml/2006/compatibility" xmlns:p14="http://schemas.microsoft.com/office/powerpoint/2010/main" xmlns:p15="http://schemas.microsoft.com/office/powerpoint/2012/main">
+<p:sld xmlns:a="http://schemas.openxmlformats.org/drawingml/2006/main" xmlns:r="http://schemas.openxmlformats.org/officeDocument/2006/relationships" xmlns:p="http://schemas.openxmlformats.org/presentationml/2006/main">
   <p:cSld>
     <p:spTree>
       <p:nvGrpSpPr>
-        <p:cNvPr id="51" name="Shape 51"/>
+        <p:cNvPr id="1" name="Shape 51"/>
         <p:cNvGrpSpPr/>
         <p:nvPr/>
       </p:nvGrpSpPr>
@@ -7232,7 +7338,9 @@
       <p:sp>
         <p:nvSpPr>
           <p:cNvPr id="52" name="Google Shape;52;p4"/>
-          <p:cNvSpPr txBox="1"/>
+          <p:cNvSpPr txBox="1">
+            <a:spLocks noGrp="1"/>
+          </p:cNvSpPr>
           <p:nvPr>
             <p:ph type="title"/>
           </p:nvPr>
@@ -7251,12 +7359,12 @@
           </a:ln>
         </p:spPr>
         <p:txBody>
-          <a:bodyPr anchorCtr="0" anchor="ctr" bIns="50800" lIns="50800" spcFirstLastPara="1" rIns="50800" wrap="square" tIns="50800">
+          <a:bodyPr spcFirstLastPara="1" wrap="square" lIns="50800" tIns="50800" rIns="50800" bIns="50800" anchor="ctr" anchorCtr="0">
             <a:noAutofit/>
           </a:bodyPr>
           <a:lstStyle/>
           <a:p>
-            <a:pPr indent="0" lvl="0" marL="0" rtl="0" algn="l">
+            <a:pPr marL="0" lvl="0" indent="0" algn="l" rtl="0">
               <a:lnSpc>
                 <a:spcPct val="100000"/>
               </a:lnSpc>
@@ -7284,9 +7392,11 @@
       <p:sp>
         <p:nvSpPr>
           <p:cNvPr id="53" name="Google Shape;53;p4"/>
-          <p:cNvSpPr txBox="1"/>
+          <p:cNvSpPr txBox="1">
+            <a:spLocks noGrp="1"/>
+          </p:cNvSpPr>
           <p:nvPr>
-            <p:ph idx="1" type="body"/>
+            <p:ph type="body" idx="1"/>
           </p:nvPr>
         </p:nvSpPr>
         <p:spPr>
@@ -7303,12 +7413,12 @@
           </a:ln>
         </p:spPr>
         <p:txBody>
-          <a:bodyPr anchorCtr="0" anchor="t" bIns="50800" lIns="50800" spcFirstLastPara="1" rIns="50800" wrap="square" tIns="50800">
+          <a:bodyPr spcFirstLastPara="1" wrap="square" lIns="50800" tIns="50800" rIns="50800" bIns="50800" anchor="t" anchorCtr="0">
             <a:noAutofit/>
           </a:bodyPr>
           <a:lstStyle/>
           <a:p>
-            <a:pPr indent="0" lvl="0" marL="0" rtl="0" algn="l">
+            <a:pPr marL="0" lvl="0" indent="0" algn="l" rtl="0">
               <a:lnSpc>
                 <a:spcPct val="100000"/>
               </a:lnSpc>
@@ -7321,10 +7431,7 @@
               <a:buSzPts val="1350"/>
               <a:buNone/>
             </a:pPr>
-            <a:r>
-              <a:t/>
-            </a:r>
-            <a:endParaRPr b="0" i="0" sz="3600" u="none" cap="none" strike="noStrike">
+            <a:endParaRPr sz="3600" b="0" i="0" u="none" strike="noStrike" cap="none">
               <a:solidFill>
                 <a:srgbClr val="000000"/>
               </a:solidFill>
@@ -7335,7 +7442,7 @@
             </a:endParaRPr>
           </a:p>
           <a:p>
-            <a:pPr indent="0" lvl="0" marL="0" rtl="0" algn="l">
+            <a:pPr marL="0" lvl="0" indent="0" algn="l" rtl="0">
               <a:lnSpc>
                 <a:spcPct val="100000"/>
               </a:lnSpc>
@@ -7348,9 +7455,6 @@
               <a:buSzPts val="1350"/>
               <a:buNone/>
             </a:pPr>
-            <a:r>
-              <a:t/>
-            </a:r>
             <a:endParaRPr/>
           </a:p>
         </p:txBody>
@@ -7365,7 +7469,7 @@
           <a:blip r:embed="rId3">
             <a:alphaModFix/>
           </a:blip>
-          <a:srcRect b="12586" l="0" r="0" t="0"/>
+          <a:srcRect b="12586"/>
           <a:stretch/>
         </p:blipFill>
         <p:spPr>
@@ -7394,11 +7498,11 @@
 </file>
 
 <file path=ppt/slides/slide5.xml><?xml version="1.0" encoding="utf-8"?>
-<p:sld xmlns:a="http://schemas.openxmlformats.org/drawingml/2006/main" xmlns:r="http://schemas.openxmlformats.org/officeDocument/2006/relationships" xmlns:mc="http://schemas.openxmlformats.org/markup-compatibility/2006" xmlns:mv="urn:schemas-microsoft-com:mac:vml" xmlns:p="http://schemas.openxmlformats.org/presentationml/2006/main" xmlns:c="http://schemas.openxmlformats.org/drawingml/2006/chart" xmlns:dgm="http://schemas.openxmlformats.org/drawingml/2006/diagram" xmlns:o="urn:schemas-microsoft-com:office:office" xmlns:v="urn:schemas-microsoft-com:vml" xmlns:pvml="urn:schemas-microsoft-com:office:powerpoint" xmlns:com="http://schemas.openxmlformats.org/drawingml/2006/compatibility" xmlns:p14="http://schemas.microsoft.com/office/powerpoint/2010/main" xmlns:p15="http://schemas.microsoft.com/office/powerpoint/2012/main">
+<p:sld xmlns:a="http://schemas.openxmlformats.org/drawingml/2006/main" xmlns:r="http://schemas.openxmlformats.org/officeDocument/2006/relationships" xmlns:p="http://schemas.openxmlformats.org/presentationml/2006/main">
   <p:cSld>
     <p:spTree>
       <p:nvGrpSpPr>
-        <p:cNvPr id="58" name="Shape 58"/>
+        <p:cNvPr id="1" name="Shape 58"/>
         <p:cNvGrpSpPr/>
         <p:nvPr/>
       </p:nvGrpSpPr>
@@ -7413,7 +7517,9 @@
       <p:sp>
         <p:nvSpPr>
           <p:cNvPr id="59" name="Google Shape;59;p5"/>
-          <p:cNvSpPr txBox="1"/>
+          <p:cNvSpPr txBox="1">
+            <a:spLocks noGrp="1"/>
+          </p:cNvSpPr>
           <p:nvPr>
             <p:ph type="title"/>
           </p:nvPr>
@@ -7432,12 +7538,12 @@
           </a:ln>
         </p:spPr>
         <p:txBody>
-          <a:bodyPr anchorCtr="0" anchor="ctr" bIns="50800" lIns="50800" spcFirstLastPara="1" rIns="50800" wrap="square" tIns="50800">
+          <a:bodyPr spcFirstLastPara="1" wrap="square" lIns="50800" tIns="50800" rIns="50800" bIns="50800" anchor="ctr" anchorCtr="0">
             <a:normAutofit/>
           </a:bodyPr>
           <a:lstStyle/>
           <a:p>
-            <a:pPr indent="0" lvl="0" marL="0" rtl="0" algn="l">
+            <a:pPr marL="0" lvl="0" indent="0" algn="l" rtl="0">
               <a:lnSpc>
                 <a:spcPct val="100000"/>
               </a:lnSpc>
@@ -7455,7 +7561,7 @@
               <a:buNone/>
             </a:pPr>
             <a:r>
-              <a:rPr b="1" i="0" lang="en-US" sz="4000" u="none" cap="none" strike="noStrike">
+              <a:rPr lang="en-US" sz="4000" b="1" i="0" u="none" strike="noStrike" cap="none">
                 <a:solidFill>
                   <a:srgbClr val="000000"/>
                 </a:solidFill>
@@ -7473,9 +7579,11 @@
       <p:sp>
         <p:nvSpPr>
           <p:cNvPr id="60" name="Google Shape;60;p5"/>
-          <p:cNvSpPr txBox="1"/>
+          <p:cNvSpPr txBox="1">
+            <a:spLocks noGrp="1"/>
+          </p:cNvSpPr>
           <p:nvPr>
-            <p:ph idx="1" type="body"/>
+            <p:ph type="body" idx="1"/>
           </p:nvPr>
         </p:nvSpPr>
         <p:spPr>
@@ -7492,12 +7600,12 @@
           </a:ln>
         </p:spPr>
         <p:txBody>
-          <a:bodyPr anchorCtr="0" anchor="t" bIns="50800" lIns="50800" spcFirstLastPara="1" rIns="50800" wrap="square" tIns="50800">
+          <a:bodyPr spcFirstLastPara="1" wrap="square" lIns="50800" tIns="50800" rIns="50800" bIns="50800" anchor="t" anchorCtr="0">
             <a:normAutofit/>
           </a:bodyPr>
           <a:lstStyle/>
           <a:p>
-            <a:pPr indent="-400050" lvl="0" marL="457200" rtl="0" algn="just">
+            <a:pPr marL="457200" lvl="0" indent="-400050" algn="just" rtl="0">
               <a:spcBef>
                 <a:spcPts val="0"/>
               </a:spcBef>
@@ -7530,7 +7638,7 @@
             </a:endParaRPr>
           </a:p>
           <a:p>
-            <a:pPr indent="0" lvl="0" marL="457200" rtl="0" algn="just">
+            <a:pPr marL="457200" lvl="0" indent="0" algn="just" rtl="0">
               <a:spcBef>
                 <a:spcPts val="0"/>
               </a:spcBef>
@@ -7562,7 +7670,7 @@
             </a:endParaRPr>
           </a:p>
           <a:p>
-            <a:pPr indent="-400050" lvl="0" marL="457200" rtl="0" algn="just">
+            <a:pPr marL="457200" lvl="0" indent="-400050" algn="just" rtl="0">
               <a:spcBef>
                 <a:spcPts val="0"/>
               </a:spcBef>
@@ -7619,7 +7727,7 @@
             </a:endParaRPr>
           </a:p>
           <a:p>
-            <a:pPr indent="-400050" lvl="0" marL="457200" rtl="0" algn="just">
+            <a:pPr marL="457200" lvl="0" indent="-400050" algn="just" rtl="0">
               <a:lnSpc>
                 <a:spcPct val="120000"/>
               </a:lnSpc>
@@ -7679,7 +7787,7 @@
             </a:endParaRPr>
           </a:p>
           <a:p>
-            <a:pPr indent="-400050" lvl="0" marL="457200" rtl="0" algn="l">
+            <a:pPr marL="457200" lvl="0" indent="-400050" algn="l" rtl="0">
               <a:lnSpc>
                 <a:spcPct val="115000"/>
               </a:lnSpc>
@@ -7748,11 +7856,11 @@
 </file>
 
 <file path=ppt/slides/slide6.xml><?xml version="1.0" encoding="utf-8"?>
-<p:sld xmlns:a="http://schemas.openxmlformats.org/drawingml/2006/main" xmlns:r="http://schemas.openxmlformats.org/officeDocument/2006/relationships" xmlns:mc="http://schemas.openxmlformats.org/markup-compatibility/2006" xmlns:mv="urn:schemas-microsoft-com:mac:vml" xmlns:p="http://schemas.openxmlformats.org/presentationml/2006/main" xmlns:c="http://schemas.openxmlformats.org/drawingml/2006/chart" xmlns:dgm="http://schemas.openxmlformats.org/drawingml/2006/diagram" xmlns:o="urn:schemas-microsoft-com:office:office" xmlns:v="urn:schemas-microsoft-com:vml" xmlns:pvml="urn:schemas-microsoft-com:office:powerpoint" xmlns:com="http://schemas.openxmlformats.org/drawingml/2006/compatibility" xmlns:p14="http://schemas.microsoft.com/office/powerpoint/2010/main" xmlns:p15="http://schemas.microsoft.com/office/powerpoint/2012/main">
+<p:sld xmlns:a="http://schemas.openxmlformats.org/drawingml/2006/main" xmlns:r="http://schemas.openxmlformats.org/officeDocument/2006/relationships" xmlns:p="http://schemas.openxmlformats.org/presentationml/2006/main">
   <p:cSld>
     <p:spTree>
       <p:nvGrpSpPr>
-        <p:cNvPr id="64" name="Shape 64"/>
+        <p:cNvPr id="1" name="Shape 64"/>
         <p:cNvGrpSpPr/>
         <p:nvPr/>
       </p:nvGrpSpPr>
@@ -7767,7 +7875,9 @@
       <p:sp>
         <p:nvSpPr>
           <p:cNvPr id="65" name="Google Shape;65;p6"/>
-          <p:cNvSpPr txBox="1"/>
+          <p:cNvSpPr txBox="1">
+            <a:spLocks noGrp="1"/>
+          </p:cNvSpPr>
           <p:nvPr>
             <p:ph type="title"/>
           </p:nvPr>
@@ -7786,12 +7896,12 @@
           </a:ln>
         </p:spPr>
         <p:txBody>
-          <a:bodyPr anchorCtr="0" anchor="ctr" bIns="50800" lIns="50800" spcFirstLastPara="1" rIns="50800" wrap="square" tIns="50800">
+          <a:bodyPr spcFirstLastPara="1" wrap="square" lIns="50800" tIns="50800" rIns="50800" bIns="50800" anchor="ctr" anchorCtr="0">
             <a:noAutofit/>
           </a:bodyPr>
           <a:lstStyle/>
           <a:p>
-            <a:pPr indent="0" lvl="0" marL="0" rtl="0" algn="l">
+            <a:pPr marL="0" lvl="0" indent="0" algn="l" rtl="0">
               <a:lnSpc>
                 <a:spcPct val="100000"/>
               </a:lnSpc>
@@ -7809,7 +7919,7 @@
               <a:buNone/>
             </a:pPr>
             <a:r>
-              <a:rPr b="1" i="0" lang="en-US" sz="4000" u="none" cap="none" strike="noStrike">
+              <a:rPr lang="en-US" sz="4000" b="1" i="0" u="none" strike="noStrike" cap="none">
                 <a:solidFill>
                   <a:srgbClr val="000000"/>
                 </a:solidFill>
@@ -7827,9 +7937,11 @@
       <p:sp>
         <p:nvSpPr>
           <p:cNvPr id="66" name="Google Shape;66;p6"/>
-          <p:cNvSpPr txBox="1"/>
+          <p:cNvSpPr txBox="1">
+            <a:spLocks noGrp="1"/>
+          </p:cNvSpPr>
           <p:nvPr>
-            <p:ph idx="1" type="body"/>
+            <p:ph type="body" idx="1"/>
           </p:nvPr>
         </p:nvSpPr>
         <p:spPr>
@@ -7846,12 +7958,12 @@
           </a:ln>
         </p:spPr>
         <p:txBody>
-          <a:bodyPr anchorCtr="0" anchor="t" bIns="50800" lIns="50800" spcFirstLastPara="1" rIns="50800" wrap="square" tIns="50800">
+          <a:bodyPr spcFirstLastPara="1" wrap="square" lIns="50800" tIns="50800" rIns="50800" bIns="50800" anchor="t" anchorCtr="0">
             <a:noAutofit/>
           </a:bodyPr>
           <a:lstStyle/>
           <a:p>
-            <a:pPr indent="-314325" lvl="0" marL="457200" rtl="0" algn="just">
+            <a:pPr marL="457200" lvl="0" indent="-314325" algn="just" rtl="0">
               <a:lnSpc>
                 <a:spcPct val="115000"/>
               </a:lnSpc>
@@ -7898,7 +8010,7 @@
             </a:endParaRPr>
           </a:p>
           <a:p>
-            <a:pPr indent="-314325" lvl="0" marL="457200" rtl="0" algn="just">
+            <a:pPr marL="457200" lvl="0" indent="-314325" algn="just" rtl="0">
               <a:lnSpc>
                 <a:spcPct val="115000"/>
               </a:lnSpc>
@@ -7937,7 +8049,7 @@
             </a:endParaRPr>
           </a:p>
           <a:p>
-            <a:pPr indent="-314325" lvl="0" marL="457200" rtl="0" algn="just">
+            <a:pPr marL="457200" lvl="0" indent="-314325" algn="just" rtl="0">
               <a:lnSpc>
                 <a:spcPct val="115000"/>
               </a:lnSpc>
@@ -8016,7 +8128,7 @@
             </a:endParaRPr>
           </a:p>
           <a:p>
-            <a:pPr indent="-314325" lvl="0" marL="457200" rtl="0" algn="just">
+            <a:pPr marL="457200" lvl="0" indent="-314325" algn="just" rtl="0">
               <a:lnSpc>
                 <a:spcPct val="115000"/>
               </a:lnSpc>
@@ -8079,7 +8191,7 @@
             </a:endParaRPr>
           </a:p>
           <a:p>
-            <a:pPr indent="-314325" lvl="0" marL="457200" rtl="0" algn="just">
+            <a:pPr marL="457200" lvl="0" indent="-314325" algn="just" rtl="0">
               <a:lnSpc>
                 <a:spcPct val="115000"/>
               </a:lnSpc>
@@ -8118,7 +8230,7 @@
             </a:endParaRPr>
           </a:p>
           <a:p>
-            <a:pPr indent="0" lvl="0" marL="914400" rtl="0" algn="just">
+            <a:pPr marL="914400" lvl="0" indent="0" algn="just" rtl="0">
               <a:lnSpc>
                 <a:spcPct val="115000"/>
               </a:lnSpc>
@@ -8130,9 +8242,6 @@
               </a:spcAft>
               <a:buNone/>
             </a:pPr>
-            <a:r>
-              <a:t/>
-            </a:r>
             <a:endParaRPr>
               <a:solidFill>
                 <a:schemeClr val="dk1"/>
@@ -8140,7 +8249,7 @@
             </a:endParaRPr>
           </a:p>
           <a:p>
-            <a:pPr indent="0" lvl="0" marL="0" rtl="0" algn="just">
+            <a:pPr marL="0" lvl="0" indent="0" algn="just" rtl="0">
               <a:lnSpc>
                 <a:spcPct val="100000"/>
               </a:lnSpc>
@@ -8152,9 +8261,6 @@
               </a:spcAft>
               <a:buNone/>
             </a:pPr>
-            <a:r>
-              <a:t/>
-            </a:r>
             <a:endParaRPr/>
           </a:p>
         </p:txBody>
@@ -8171,11 +8277,11 @@
 </file>
 
 <file path=ppt/slides/slide7.xml><?xml version="1.0" encoding="utf-8"?>
-<p:sld xmlns:a="http://schemas.openxmlformats.org/drawingml/2006/main" xmlns:r="http://schemas.openxmlformats.org/officeDocument/2006/relationships" xmlns:mc="http://schemas.openxmlformats.org/markup-compatibility/2006" xmlns:mv="urn:schemas-microsoft-com:mac:vml" xmlns:p="http://schemas.openxmlformats.org/presentationml/2006/main" xmlns:c="http://schemas.openxmlformats.org/drawingml/2006/chart" xmlns:dgm="http://schemas.openxmlformats.org/drawingml/2006/diagram" xmlns:o="urn:schemas-microsoft-com:office:office" xmlns:v="urn:schemas-microsoft-com:vml" xmlns:pvml="urn:schemas-microsoft-com:office:powerpoint" xmlns:com="http://schemas.openxmlformats.org/drawingml/2006/compatibility" xmlns:p14="http://schemas.microsoft.com/office/powerpoint/2010/main" xmlns:p15="http://schemas.microsoft.com/office/powerpoint/2012/main">
+<p:sld xmlns:a="http://schemas.openxmlformats.org/drawingml/2006/main" xmlns:r="http://schemas.openxmlformats.org/officeDocument/2006/relationships" xmlns:p="http://schemas.openxmlformats.org/presentationml/2006/main">
   <p:cSld>
     <p:spTree>
       <p:nvGrpSpPr>
-        <p:cNvPr id="70" name="Shape 70"/>
+        <p:cNvPr id="1" name="Shape 70"/>
         <p:cNvGrpSpPr/>
         <p:nvPr/>
       </p:nvGrpSpPr>
@@ -8190,7 +8296,9 @@
       <p:sp>
         <p:nvSpPr>
           <p:cNvPr id="71" name="Google Shape;71;p7"/>
-          <p:cNvSpPr txBox="1"/>
+          <p:cNvSpPr txBox="1">
+            <a:spLocks noGrp="1"/>
+          </p:cNvSpPr>
           <p:nvPr>
             <p:ph type="title"/>
           </p:nvPr>
@@ -8209,12 +8317,12 @@
           </a:ln>
         </p:spPr>
         <p:txBody>
-          <a:bodyPr anchorCtr="0" anchor="ctr" bIns="50800" lIns="50800" spcFirstLastPara="1" rIns="50800" wrap="square" tIns="50800">
+          <a:bodyPr spcFirstLastPara="1" wrap="square" lIns="50800" tIns="50800" rIns="50800" bIns="50800" anchor="ctr" anchorCtr="0">
             <a:normAutofit/>
           </a:bodyPr>
           <a:lstStyle/>
           <a:p>
-            <a:pPr indent="0" lvl="0" marL="0" rtl="0" algn="l">
+            <a:pPr marL="0" lvl="0" indent="0" algn="l" rtl="0">
               <a:lnSpc>
                 <a:spcPct val="100000"/>
               </a:lnSpc>
@@ -8232,7 +8340,7 @@
               <a:buNone/>
             </a:pPr>
             <a:r>
-              <a:rPr b="1" i="0" lang="en-US" sz="4000" u="none" cap="none" strike="noStrike">
+              <a:rPr lang="en-US" sz="4000" b="1" i="0" u="none" strike="noStrike" cap="none">
                 <a:solidFill>
                   <a:srgbClr val="000000"/>
                 </a:solidFill>
@@ -8250,9 +8358,11 @@
       <p:sp>
         <p:nvSpPr>
           <p:cNvPr id="72" name="Google Shape;72;p7"/>
-          <p:cNvSpPr txBox="1"/>
+          <p:cNvSpPr txBox="1">
+            <a:spLocks noGrp="1"/>
+          </p:cNvSpPr>
           <p:nvPr>
-            <p:ph idx="1" type="body"/>
+            <p:ph type="body" idx="1"/>
           </p:nvPr>
         </p:nvSpPr>
         <p:spPr>
@@ -8268,16 +8378,16 @@
             <a:noFill/>
           </a:ln>
           <a:effectLst>
-            <a:reflection blurRad="0" dir="5400000" dist="38100" endA="0" fadeDir="5400012" kx="0" rotWithShape="0" algn="bl" stPos="0" sy="-100000" ky="0"/>
+            <a:reflection dist="38100" dir="5400000" fadeDir="5400012" sy="-100000" algn="bl" rotWithShape="0"/>
           </a:effectLst>
         </p:spPr>
         <p:txBody>
-          <a:bodyPr anchorCtr="0" anchor="t" bIns="50800" lIns="50800" spcFirstLastPara="1" rIns="50800" wrap="square" tIns="50800">
+          <a:bodyPr spcFirstLastPara="1" wrap="square" lIns="50800" tIns="50800" rIns="50800" bIns="50800" anchor="t" anchorCtr="0">
             <a:normAutofit/>
           </a:bodyPr>
           <a:lstStyle/>
           <a:p>
-            <a:pPr indent="-318897" lvl="0" marL="318897" rtl="0" algn="l">
+            <a:pPr marL="318897" lvl="0" indent="-318897" algn="l" rtl="0">
               <a:lnSpc>
                 <a:spcPct val="100000"/>
               </a:lnSpc>
@@ -8306,7 +8416,7 @@
             </a:endParaRPr>
           </a:p>
           <a:p>
-            <a:pPr indent="0" lvl="0" marL="0" rtl="0" algn="l">
+            <a:pPr marL="0" lvl="0" indent="0" algn="l" rtl="0">
               <a:lnSpc>
                 <a:spcPct val="100000"/>
               </a:lnSpc>
@@ -8323,9 +8433,6 @@
               <a:buFont typeface="Arial"/>
               <a:buNone/>
             </a:pPr>
-            <a:r>
-              <a:t/>
-            </a:r>
             <a:endParaRPr sz="2400">
               <a:latin typeface="Source Code Pro"/>
               <a:ea typeface="Source Code Pro"/>
@@ -8334,7 +8441,7 @@
             </a:endParaRPr>
           </a:p>
           <a:p>
-            <a:pPr indent="0" lvl="0" marL="0" rtl="0" algn="l">
+            <a:pPr marL="0" lvl="0" indent="0" algn="l" rtl="0">
               <a:lnSpc>
                 <a:spcPct val="100000"/>
               </a:lnSpc>
@@ -8380,7 +8487,7 @@
             </a:endParaRPr>
           </a:p>
           <a:p>
-            <a:pPr indent="0" lvl="0" marL="0" rtl="0" algn="l">
+            <a:pPr marL="0" lvl="0" indent="0" algn="l" rtl="0">
               <a:lnSpc>
                 <a:spcPct val="100000"/>
               </a:lnSpc>
@@ -8435,7 +8542,7 @@
             </a:endParaRPr>
           </a:p>
           <a:p>
-            <a:pPr indent="0" lvl="0" marL="0" rtl="0" algn="l">
+            <a:pPr marL="0" lvl="0" indent="0" algn="l" rtl="0">
               <a:lnSpc>
                 <a:spcPct val="100000"/>
               </a:lnSpc>
@@ -8490,7 +8597,7 @@
             </a:endParaRPr>
           </a:p>
           <a:p>
-            <a:pPr indent="0" lvl="0" marL="0" rtl="0" algn="l">
+            <a:pPr marL="0" lvl="0" indent="0" algn="l" rtl="0">
               <a:lnSpc>
                 <a:spcPct val="100000"/>
               </a:lnSpc>
@@ -8524,7 +8631,7 @@
             </a:endParaRPr>
           </a:p>
           <a:p>
-            <a:pPr indent="0" lvl="0" marL="0" rtl="0" algn="l">
+            <a:pPr marL="0" lvl="0" indent="0" algn="l" rtl="0">
               <a:lnSpc>
                 <a:spcPct val="100000"/>
               </a:lnSpc>
@@ -8558,7 +8665,7 @@
             </a:endParaRPr>
           </a:p>
           <a:p>
-            <a:pPr indent="0" lvl="0" marL="0" rtl="0" algn="l">
+            <a:pPr marL="0" lvl="0" indent="0" algn="l" rtl="0">
               <a:lnSpc>
                 <a:spcPct val="100000"/>
               </a:lnSpc>
@@ -8575,9 +8682,6 @@
               <a:buFont typeface="Arial"/>
               <a:buNone/>
             </a:pPr>
-            <a:r>
-              <a:t/>
-            </a:r>
             <a:endParaRPr sz="2400">
               <a:latin typeface="Source Code Pro"/>
               <a:ea typeface="Source Code Pro"/>
@@ -8586,7 +8690,7 @@
             </a:endParaRPr>
           </a:p>
           <a:p>
-            <a:pPr indent="0" lvl="0" marL="0" rtl="0" algn="l">
+            <a:pPr marL="0" lvl="0" indent="0" algn="l" rtl="0">
               <a:lnSpc>
                 <a:spcPct val="100000"/>
               </a:lnSpc>
@@ -8632,7 +8736,7 @@
             </a:endParaRPr>
           </a:p>
           <a:p>
-            <a:pPr indent="0" lvl="0" marL="0" rtl="0" algn="l">
+            <a:pPr marL="0" lvl="0" indent="0" algn="l" rtl="0">
               <a:lnSpc>
                 <a:spcPct val="100000"/>
               </a:lnSpc>
@@ -8687,7 +8791,7 @@
             </a:endParaRPr>
           </a:p>
           <a:p>
-            <a:pPr indent="0" lvl="0" marL="0" rtl="0" algn="l">
+            <a:pPr marL="0" lvl="0" indent="0" algn="l" rtl="0">
               <a:lnSpc>
                 <a:spcPct val="100000"/>
               </a:lnSpc>
@@ -8721,7 +8825,7 @@
             </a:endParaRPr>
           </a:p>
           <a:p>
-            <a:pPr indent="0" lvl="0" marL="0" rtl="0" algn="l">
+            <a:pPr marL="0" lvl="0" indent="0" algn="l" rtl="0">
               <a:lnSpc>
                 <a:spcPct val="100000"/>
               </a:lnSpc>
@@ -8755,7 +8859,7 @@
             </a:endParaRPr>
           </a:p>
           <a:p>
-            <a:pPr indent="0" lvl="0" marL="0" rtl="0" algn="l">
+            <a:pPr marL="0" lvl="0" indent="0" algn="l" rtl="0">
               <a:lnSpc>
                 <a:spcPct val="100000"/>
               </a:lnSpc>
@@ -8772,9 +8876,6 @@
               <a:buFont typeface="Arial"/>
               <a:buNone/>
             </a:pPr>
-            <a:r>
-              <a:t/>
-            </a:r>
             <a:endParaRPr sz="2400">
               <a:latin typeface="Source Code Pro"/>
               <a:ea typeface="Source Code Pro"/>
@@ -8783,7 +8884,7 @@
             </a:endParaRPr>
           </a:p>
           <a:p>
-            <a:pPr indent="0" lvl="0" marL="0" rtl="0" algn="l">
+            <a:pPr marL="0" lvl="0" indent="0" algn="l" rtl="0">
               <a:lnSpc>
                 <a:spcPct val="100000"/>
               </a:lnSpc>
@@ -8829,7 +8930,7 @@
             </a:endParaRPr>
           </a:p>
           <a:p>
-            <a:pPr indent="0" lvl="0" marL="0" rtl="0" algn="l">
+            <a:pPr marL="0" lvl="0" indent="0" algn="l" rtl="0">
               <a:lnSpc>
                 <a:spcPct val="100000"/>
               </a:lnSpc>
@@ -8863,7 +8964,7 @@
             </a:endParaRPr>
           </a:p>
           <a:p>
-            <a:pPr indent="0" lvl="0" marL="0" rtl="0" algn="l">
+            <a:pPr marL="0" lvl="0" indent="0" algn="l" rtl="0">
               <a:lnSpc>
                 <a:spcPct val="100000"/>
               </a:lnSpc>
@@ -8897,7 +8998,7 @@
             </a:endParaRPr>
           </a:p>
           <a:p>
-            <a:pPr indent="0" lvl="0" marL="0" rtl="0" algn="l">
+            <a:pPr marL="0" lvl="0" indent="0" algn="l" rtl="0">
               <a:lnSpc>
                 <a:spcPct val="100000"/>
               </a:lnSpc>
@@ -8952,7 +9053,7 @@
             </a:endParaRPr>
           </a:p>
           <a:p>
-            <a:pPr indent="0" lvl="0" marL="0" rtl="0" algn="l">
+            <a:pPr marL="0" lvl="0" indent="0" algn="l" rtl="0">
               <a:lnSpc>
                 <a:spcPct val="100000"/>
               </a:lnSpc>
@@ -9007,7 +9108,7 @@
             </a:endParaRPr>
           </a:p>
           <a:p>
-            <a:pPr indent="0" lvl="0" marL="0" rtl="0" algn="l">
+            <a:pPr marL="0" lvl="0" indent="0" algn="l" rtl="0">
               <a:lnSpc>
                 <a:spcPct val="100000"/>
               </a:lnSpc>
@@ -9041,7 +9142,7 @@
             </a:endParaRPr>
           </a:p>
           <a:p>
-            <a:pPr indent="0" lvl="0" marL="0" rtl="0" algn="l">
+            <a:pPr marL="0" lvl="0" indent="0" algn="l" rtl="0">
               <a:lnSpc>
                 <a:spcPct val="100000"/>
               </a:lnSpc>
@@ -9058,9 +9159,6 @@
               <a:buFont typeface="Arial"/>
               <a:buNone/>
             </a:pPr>
-            <a:r>
-              <a:t/>
-            </a:r>
             <a:endParaRPr sz="2400">
               <a:latin typeface="Source Code Pro"/>
               <a:ea typeface="Source Code Pro"/>
@@ -9069,7 +9167,7 @@
             </a:endParaRPr>
           </a:p>
           <a:p>
-            <a:pPr indent="0" lvl="0" marL="0" rtl="0" algn="l">
+            <a:pPr marL="0" lvl="0" indent="0" algn="l" rtl="0">
               <a:lnSpc>
                 <a:spcPct val="100000"/>
               </a:lnSpc>
@@ -9086,9 +9184,6 @@
               <a:buFont typeface="Arial"/>
               <a:buNone/>
             </a:pPr>
-            <a:r>
-              <a:t/>
-            </a:r>
             <a:endParaRPr sz="2400">
               <a:latin typeface="Source Code Pro"/>
               <a:ea typeface="Source Code Pro"/>
@@ -9097,7 +9192,7 @@
             </a:endParaRPr>
           </a:p>
           <a:p>
-            <a:pPr indent="0" lvl="0" marL="0" rtl="0" algn="l">
+            <a:pPr marL="0" lvl="0" indent="0" algn="l" rtl="0">
               <a:lnSpc>
                 <a:spcPct val="100000"/>
               </a:lnSpc>
@@ -9114,9 +9209,6 @@
               <a:buFont typeface="Arial"/>
               <a:buNone/>
             </a:pPr>
-            <a:r>
-              <a:t/>
-            </a:r>
             <a:endParaRPr sz="2400">
               <a:latin typeface="Source Code Pro"/>
               <a:ea typeface="Source Code Pro"/>
@@ -9125,7 +9217,7 @@
             </a:endParaRPr>
           </a:p>
           <a:p>
-            <a:pPr indent="0" lvl="0" marL="0" rtl="0" algn="l">
+            <a:pPr marL="0" lvl="0" indent="0" algn="l" rtl="0">
               <a:lnSpc>
                 <a:spcPct val="100000"/>
               </a:lnSpc>
@@ -9142,9 +9234,6 @@
               <a:buFont typeface="Arial"/>
               <a:buNone/>
             </a:pPr>
-            <a:r>
-              <a:t/>
-            </a:r>
             <a:endParaRPr sz="2400">
               <a:latin typeface="Source Code Pro"/>
               <a:ea typeface="Source Code Pro"/>
@@ -9153,7 +9242,7 @@
             </a:endParaRPr>
           </a:p>
           <a:p>
-            <a:pPr indent="0" lvl="0" marL="0" rtl="0" algn="l">
+            <a:pPr marL="0" lvl="0" indent="0" algn="l" rtl="0">
               <a:lnSpc>
                 <a:spcPct val="100000"/>
               </a:lnSpc>
@@ -9170,9 +9259,6 @@
               <a:buFont typeface="Arial"/>
               <a:buNone/>
             </a:pPr>
-            <a:r>
-              <a:t/>
-            </a:r>
             <a:endParaRPr sz="2400">
               <a:latin typeface="Source Code Pro"/>
               <a:ea typeface="Source Code Pro"/>
@@ -9181,7 +9267,7 @@
             </a:endParaRPr>
           </a:p>
           <a:p>
-            <a:pPr indent="0" lvl="0" marL="0" rtl="0" algn="l">
+            <a:pPr marL="0" lvl="0" indent="0" algn="l" rtl="0">
               <a:lnSpc>
                 <a:spcPct val="100000"/>
               </a:lnSpc>
@@ -9198,9 +9284,6 @@
               <a:buFont typeface="Arial"/>
               <a:buNone/>
             </a:pPr>
-            <a:r>
-              <a:t/>
-            </a:r>
             <a:endParaRPr sz="2400">
               <a:latin typeface="Source Code Pro"/>
               <a:ea typeface="Source Code Pro"/>
@@ -9209,7 +9292,7 @@
             </a:endParaRPr>
           </a:p>
           <a:p>
-            <a:pPr indent="0" lvl="0" marL="0" rtl="0" algn="l">
+            <a:pPr marL="0" lvl="0" indent="0" algn="l" rtl="0">
               <a:lnSpc>
                 <a:spcPct val="100000"/>
               </a:lnSpc>
@@ -9221,9 +9304,6 @@
               </a:spcAft>
               <a:buNone/>
             </a:pPr>
-            <a:r>
-              <a:t/>
-            </a:r>
             <a:endParaRPr sz="3348">
               <a:latin typeface="Source Code Pro"/>
               <a:ea typeface="Source Code Pro"/>
@@ -9232,7 +9312,7 @@
             </a:endParaRPr>
           </a:p>
           <a:p>
-            <a:pPr indent="0" lvl="0" marL="0" rtl="0" algn="l">
+            <a:pPr marL="0" lvl="0" indent="0" algn="l" rtl="0">
               <a:lnSpc>
                 <a:spcPct val="100000"/>
               </a:lnSpc>
@@ -9244,9 +9324,6 @@
               </a:spcAft>
               <a:buNone/>
             </a:pPr>
-            <a:r>
-              <a:t/>
-            </a:r>
             <a:endParaRPr/>
           </a:p>
         </p:txBody>
@@ -9263,11 +9340,11 @@
 </file>
 
 <file path=ppt/slides/slide8.xml><?xml version="1.0" encoding="utf-8"?>
-<p:sld xmlns:a="http://schemas.openxmlformats.org/drawingml/2006/main" xmlns:r="http://schemas.openxmlformats.org/officeDocument/2006/relationships" xmlns:mc="http://schemas.openxmlformats.org/markup-compatibility/2006" xmlns:mv="urn:schemas-microsoft-com:mac:vml" xmlns:p="http://schemas.openxmlformats.org/presentationml/2006/main" xmlns:c="http://schemas.openxmlformats.org/drawingml/2006/chart" xmlns:dgm="http://schemas.openxmlformats.org/drawingml/2006/diagram" xmlns:o="urn:schemas-microsoft-com:office:office" xmlns:v="urn:schemas-microsoft-com:vml" xmlns:pvml="urn:schemas-microsoft-com:office:powerpoint" xmlns:com="http://schemas.openxmlformats.org/drawingml/2006/compatibility" xmlns:p14="http://schemas.microsoft.com/office/powerpoint/2010/main" xmlns:p15="http://schemas.microsoft.com/office/powerpoint/2012/main">
+<p:sld xmlns:a="http://schemas.openxmlformats.org/drawingml/2006/main" xmlns:r="http://schemas.openxmlformats.org/officeDocument/2006/relationships" xmlns:p="http://schemas.openxmlformats.org/presentationml/2006/main">
   <p:cSld>
     <p:spTree>
       <p:nvGrpSpPr>
-        <p:cNvPr id="76" name="Shape 76"/>
+        <p:cNvPr id="1" name="Shape 76"/>
         <p:cNvGrpSpPr/>
         <p:nvPr/>
       </p:nvGrpSpPr>
@@ -9282,14 +9359,16 @@
       <p:sp>
         <p:nvSpPr>
           <p:cNvPr id="77" name="Google Shape;77;g6e6c8c4e8a_1_28"/>
-          <p:cNvSpPr txBox="1"/>
+          <p:cNvSpPr txBox="1">
+            <a:spLocks noGrp="1"/>
+          </p:cNvSpPr>
           <p:nvPr>
             <p:ph type="title"/>
           </p:nvPr>
         </p:nvSpPr>
         <p:spPr>
           <a:xfrm>
-            <a:off x="560715" y="444500"/>
+            <a:off x="560750" y="306531"/>
             <a:ext cx="11883300" cy="1074900"/>
           </a:xfrm>
           <a:prstGeom prst="rect">
@@ -9301,12 +9380,12 @@
           </a:ln>
         </p:spPr>
         <p:txBody>
-          <a:bodyPr anchorCtr="0" anchor="ctr" bIns="50800" lIns="50800" spcFirstLastPara="1" rIns="50800" wrap="square" tIns="50800">
+          <a:bodyPr spcFirstLastPara="1" wrap="square" lIns="50800" tIns="50800" rIns="50800" bIns="50800" anchor="ctr" anchorCtr="0">
             <a:noAutofit/>
           </a:bodyPr>
           <a:lstStyle/>
           <a:p>
-            <a:pPr indent="0" lvl="0" marL="0" rtl="0" algn="l">
+            <a:pPr marL="0" lvl="0" indent="0" algn="l" rtl="0">
               <a:lnSpc>
                 <a:spcPct val="100000"/>
               </a:lnSpc>
@@ -9324,7 +9403,7 @@
               <a:buNone/>
             </a:pPr>
             <a:r>
-              <a:rPr b="1" i="0" lang="en-US" sz="4000" u="none" cap="none" strike="noStrike">
+              <a:rPr lang="en-US" sz="4000" b="1" i="0" u="none" strike="noStrike" cap="none">
                 <a:solidFill>
                   <a:srgbClr val="000000"/>
                 </a:solidFill>
@@ -9342,9 +9421,11 @@
       <p:sp>
         <p:nvSpPr>
           <p:cNvPr id="78" name="Google Shape;78;g6e6c8c4e8a_1_28"/>
-          <p:cNvSpPr txBox="1"/>
+          <p:cNvSpPr txBox="1">
+            <a:spLocks noGrp="1"/>
+          </p:cNvSpPr>
           <p:nvPr>
-            <p:ph idx="1" type="body"/>
+            <p:ph type="body" idx="1"/>
           </p:nvPr>
         </p:nvSpPr>
         <p:spPr>
@@ -9361,12 +9442,12 @@
           </a:ln>
         </p:spPr>
         <p:txBody>
-          <a:bodyPr anchorCtr="0" anchor="t" bIns="50800" lIns="50800" spcFirstLastPara="1" rIns="50800" wrap="square" tIns="50800">
+          <a:bodyPr spcFirstLastPara="1" wrap="square" lIns="50800" tIns="50800" rIns="50800" bIns="50800" anchor="t" anchorCtr="0">
             <a:noAutofit/>
           </a:bodyPr>
           <a:lstStyle/>
           <a:p>
-            <a:pPr indent="-318897" lvl="0" marL="318897" rtl="0" algn="l">
+            <a:pPr marL="318897" lvl="0" indent="-318897" algn="l" rtl="0">
               <a:lnSpc>
                 <a:spcPct val="100000"/>
               </a:lnSpc>
@@ -9390,7 +9471,7 @@
             <a:endParaRPr/>
           </a:p>
           <a:p>
-            <a:pPr indent="0" lvl="0" marL="0" rtl="0" algn="l">
+            <a:pPr marL="0" lvl="0" indent="0" algn="l" rtl="0">
               <a:lnSpc>
                 <a:spcPct val="100000"/>
               </a:lnSpc>
@@ -9402,9 +9483,6 @@
               </a:spcAft>
               <a:buNone/>
             </a:pPr>
-            <a:r>
-              <a:t/>
-            </a:r>
             <a:endParaRPr/>
           </a:p>
         </p:txBody>
@@ -9449,11 +9527,11 @@
 </file>
 
 <file path=ppt/slides/slide9.xml><?xml version="1.0" encoding="utf-8"?>
-<p:sld xmlns:a="http://schemas.openxmlformats.org/drawingml/2006/main" xmlns:r="http://schemas.openxmlformats.org/officeDocument/2006/relationships" xmlns:mc="http://schemas.openxmlformats.org/markup-compatibility/2006" xmlns:mv="urn:schemas-microsoft-com:mac:vml" xmlns:p="http://schemas.openxmlformats.org/presentationml/2006/main" xmlns:c="http://schemas.openxmlformats.org/drawingml/2006/chart" xmlns:dgm="http://schemas.openxmlformats.org/drawingml/2006/diagram" xmlns:o="urn:schemas-microsoft-com:office:office" xmlns:v="urn:schemas-microsoft-com:vml" xmlns:pvml="urn:schemas-microsoft-com:office:powerpoint" xmlns:com="http://schemas.openxmlformats.org/drawingml/2006/compatibility" xmlns:p14="http://schemas.microsoft.com/office/powerpoint/2010/main" xmlns:p15="http://schemas.microsoft.com/office/powerpoint/2012/main">
+<p:sld xmlns:a="http://schemas.openxmlformats.org/drawingml/2006/main" xmlns:r="http://schemas.openxmlformats.org/officeDocument/2006/relationships" xmlns:p="http://schemas.openxmlformats.org/presentationml/2006/main">
   <p:cSld>
     <p:spTree>
       <p:nvGrpSpPr>
-        <p:cNvPr id="83" name="Shape 83"/>
+        <p:cNvPr id="1" name="Shape 83"/>
         <p:cNvGrpSpPr/>
         <p:nvPr/>
       </p:nvGrpSpPr>
@@ -9468,14 +9546,16 @@
       <p:sp>
         <p:nvSpPr>
           <p:cNvPr id="84" name="Google Shape;84;g6e6c8c4e8a_1_42"/>
-          <p:cNvSpPr txBox="1"/>
+          <p:cNvSpPr txBox="1">
+            <a:spLocks noGrp="1"/>
+          </p:cNvSpPr>
           <p:nvPr>
             <p:ph type="title"/>
           </p:nvPr>
         </p:nvSpPr>
         <p:spPr>
           <a:xfrm>
-            <a:off x="560715" y="444500"/>
+            <a:off x="560750" y="229324"/>
             <a:ext cx="11883300" cy="1074900"/>
           </a:xfrm>
           <a:prstGeom prst="rect">
@@ -9487,12 +9567,12 @@
           </a:ln>
         </p:spPr>
         <p:txBody>
-          <a:bodyPr anchorCtr="0" anchor="ctr" bIns="50800" lIns="50800" spcFirstLastPara="1" rIns="50800" wrap="square" tIns="50800">
+          <a:bodyPr spcFirstLastPara="1" wrap="square" lIns="50800" tIns="50800" rIns="50800" bIns="50800" anchor="ctr" anchorCtr="0">
             <a:noAutofit/>
           </a:bodyPr>
           <a:lstStyle/>
           <a:p>
-            <a:pPr indent="0" lvl="0" marL="0" rtl="0" algn="l">
+            <a:pPr marL="0" lvl="0" indent="0" algn="l" rtl="0">
               <a:lnSpc>
                 <a:spcPct val="100000"/>
               </a:lnSpc>
@@ -9510,7 +9590,7 @@
               <a:buNone/>
             </a:pPr>
             <a:r>
-              <a:rPr b="1" i="0" lang="en-US" sz="4000" u="none" cap="none" strike="noStrike">
+              <a:rPr lang="en-US" sz="4000" b="1" i="0" u="none" strike="noStrike" cap="none" dirty="0">
                 <a:solidFill>
                   <a:srgbClr val="000000"/>
                 </a:solidFill>
@@ -9521,21 +9601,23 @@
               </a:rPr>
               <a:t>Código</a:t>
             </a:r>
-            <a:endParaRPr/>
+            <a:endParaRPr dirty="0"/>
           </a:p>
         </p:txBody>
       </p:sp>
       <p:sp>
         <p:nvSpPr>
           <p:cNvPr id="85" name="Google Shape;85;g6e6c8c4e8a_1_42"/>
-          <p:cNvSpPr txBox="1"/>
+          <p:cNvSpPr txBox="1">
+            <a:spLocks noGrp="1"/>
+          </p:cNvSpPr>
           <p:nvPr>
-            <p:ph idx="1" type="body"/>
+            <p:ph type="body" idx="1"/>
           </p:nvPr>
         </p:nvSpPr>
         <p:spPr>
           <a:xfrm>
-            <a:off x="735791" y="1305231"/>
+            <a:off x="560750" y="1086570"/>
             <a:ext cx="11339400" cy="7261800"/>
           </a:xfrm>
           <a:prstGeom prst="rect">
@@ -9547,12 +9629,12 @@
           </a:ln>
         </p:spPr>
         <p:txBody>
-          <a:bodyPr anchorCtr="0" anchor="t" bIns="50800" lIns="50800" spcFirstLastPara="1" rIns="50800" wrap="square" tIns="50800">
+          <a:bodyPr spcFirstLastPara="1" wrap="square" lIns="50800" tIns="50800" rIns="50800" bIns="50800" anchor="t" anchorCtr="0">
             <a:noAutofit/>
           </a:bodyPr>
           <a:lstStyle/>
           <a:p>
-            <a:pPr indent="-318897" lvl="0" marL="318897" rtl="0" algn="l">
+            <a:pPr marL="318897" lvl="0" indent="-318897" algn="l" rtl="0">
               <a:lnSpc>
                 <a:spcPct val="100000"/>
               </a:lnSpc>
@@ -9570,13 +9652,33 @@
               <a:buChar char="•"/>
             </a:pPr>
             <a:r>
-              <a:rPr lang="en-US" sz="3348"/>
-              <a:t>Inserção na página:</a:t>
+              <a:rPr lang="en-US" sz="3348" dirty="0" err="1"/>
+              <a:t>Inserção</a:t>
             </a:r>
-            <a:endParaRPr/>
+            <a:r>
+              <a:rPr lang="en-US" sz="3348" dirty="0"/>
+              <a:t> </a:t>
+            </a:r>
+            <a:r>
+              <a:rPr lang="en-US" sz="3348" dirty="0" err="1"/>
+              <a:t>na</a:t>
+            </a:r>
+            <a:r>
+              <a:rPr lang="en-US" sz="3348" dirty="0"/>
+              <a:t> </a:t>
+            </a:r>
+            <a:r>
+              <a:rPr lang="en-US" sz="3348" dirty="0" err="1"/>
+              <a:t>página</a:t>
+            </a:r>
+            <a:r>
+              <a:rPr lang="en-US" sz="3348" dirty="0"/>
+              <a:t>:</a:t>
+            </a:r>
+            <a:endParaRPr dirty="0"/>
           </a:p>
           <a:p>
-            <a:pPr indent="0" lvl="0" marL="0" rtl="0" algn="l">
+            <a:pPr marL="0" lvl="0" indent="0" algn="l" rtl="0">
               <a:lnSpc>
                 <a:spcPct val="100000"/>
               </a:lnSpc>
@@ -9588,67 +9690,68 @@
               </a:spcAft>
               <a:buNone/>
             </a:pPr>
-            <a:r>
-              <a:t/>
-            </a:r>
-            <a:endParaRPr/>
+            <a:endParaRPr dirty="0"/>
           </a:p>
         </p:txBody>
       </p:sp>
       <p:pic>
         <p:nvPicPr>
-          <p:cNvPr id="86" name="Google Shape;86;g6e6c8c4e8a_1_42"/>
-          <p:cNvPicPr preferRelativeResize="0"/>
+          <p:cNvPr id="3" name="Imagem 2" descr="Tela de celular com publicação numa rede social&#10;&#10;Descrição gerada automaticamente">
+            <a:extLst>
+              <a:ext uri="{FF2B5EF4-FFF2-40B4-BE49-F238E27FC236}">
+                <a16:creationId xmlns:a16="http://schemas.microsoft.com/office/drawing/2014/main" id="{283ADEA0-F5FC-40D5-A9A5-1EE3D67A0F31}"/>
+              </a:ext>
+            </a:extLst>
+          </p:cNvPr>
+          <p:cNvPicPr>
+            <a:picLocks noChangeAspect="1"/>
+          </p:cNvPicPr>
           <p:nvPr/>
         </p:nvPicPr>
         <p:blipFill>
-          <a:blip r:embed="rId3">
-            <a:alphaModFix/>
-          </a:blip>
+          <a:blip r:embed="rId3"/>
           <a:stretch>
             <a:fillRect/>
           </a:stretch>
         </p:blipFill>
         <p:spPr>
           <a:xfrm>
-            <a:off x="583400" y="2031000"/>
-            <a:ext cx="5813599" cy="6831274"/>
+            <a:off x="123433" y="1661250"/>
+            <a:ext cx="6873719" cy="8079435"/>
           </a:xfrm>
           <a:prstGeom prst="rect">
             <a:avLst/>
           </a:prstGeom>
-          <a:noFill/>
-          <a:ln>
-            <a:noFill/>
-          </a:ln>
         </p:spPr>
       </p:pic>
       <p:pic>
         <p:nvPicPr>
-          <p:cNvPr id="87" name="Google Shape;87;g6e6c8c4e8a_1_42"/>
-          <p:cNvPicPr preferRelativeResize="0"/>
+          <p:cNvPr id="5" name="Imagem 4" descr="Tela de celular com texto preto sobre fundo branco&#10;&#10;Descrição gerada automaticamente">
+            <a:extLst>
+              <a:ext uri="{FF2B5EF4-FFF2-40B4-BE49-F238E27FC236}">
+                <a16:creationId xmlns:a16="http://schemas.microsoft.com/office/drawing/2014/main" id="{3535D2F8-261D-422B-A8F0-2838B21A57C4}"/>
+              </a:ext>
+            </a:extLst>
+          </p:cNvPr>
+          <p:cNvPicPr>
+            <a:picLocks noChangeAspect="1"/>
+          </p:cNvPicPr>
           <p:nvPr/>
         </p:nvPicPr>
         <p:blipFill>
-          <a:blip r:embed="rId4">
-            <a:alphaModFix/>
-          </a:blip>
+          <a:blip r:embed="rId4"/>
           <a:stretch>
             <a:fillRect/>
           </a:stretch>
         </p:blipFill>
         <p:spPr>
           <a:xfrm>
-            <a:off x="6320800" y="2031000"/>
-            <a:ext cx="5813600" cy="5990899"/>
+            <a:off x="6657564" y="1581738"/>
+            <a:ext cx="6413105" cy="8079434"/>
           </a:xfrm>
           <a:prstGeom prst="rect">
             <a:avLst/>
           </a:prstGeom>
-          <a:noFill/>
-          <a:ln>
-            <a:noFill/>
-          </a:ln>
         </p:spPr>
       </p:pic>
     </p:spTree>
@@ -9663,7 +9766,7 @@
 </file>
 
 <file path=ppt/theme/theme1.xml><?xml version="1.0" encoding="utf-8"?>
-<a:theme xmlns:a="http://schemas.openxmlformats.org/drawingml/2006/main" xmlns:r="http://schemas.openxmlformats.org/officeDocument/2006/relationships" name="White">
+<a:theme xmlns:a="http://schemas.openxmlformats.org/drawingml/2006/main" name="White">
   <a:themeElements>
     <a:clrScheme name="White">
       <a:dk1>
@@ -9938,11 +10041,13 @@
       </a:bgFillStyleLst>
     </a:fmtScheme>
   </a:themeElements>
+  <a:objectDefaults/>
+  <a:extraClrSchemeLst/>
 </a:theme>
 </file>
 
 <file path=ppt/theme/theme2.xml><?xml version="1.0" encoding="utf-8"?>
-<a:theme xmlns:a="http://schemas.openxmlformats.org/drawingml/2006/main" xmlns:r="http://schemas.openxmlformats.org/officeDocument/2006/relationships" name="White">
+<a:theme xmlns:a="http://schemas.openxmlformats.org/drawingml/2006/main" name="White">
   <a:themeElements>
     <a:clrScheme name="White">
       <a:dk1>
@@ -10217,5 +10322,7 @@
       </a:bgFillStyleLst>
     </a:fmtScheme>
   </a:themeElements>
+  <a:objectDefaults/>
+  <a:extraClrSchemeLst/>
 </a:theme>
 </file>
--- a/B-Tree/Seminário - Árvore B.pptx
+++ b/B-Tree/Seminário - Árvore B.pptx
@@ -296,8 +296,11 @@
     </a:lvl9pPr>
   </p:defaultTextStyle>
   <p:extLst>
+    <p:ext uri="{EFAFB233-063F-42B5-8137-9DF3F51BA10A}">
+      <p15:sldGuideLst xmlns:p15="http://schemas.microsoft.com/office/powerpoint/2012/main"/>
+    </p:ext>
     <p:ext uri="http://customooxmlschemas.google.com/">
-      <go:slidesCustomData xmlns:go="http://customooxmlschemas.google.com/" xmlns:p15="http://schemas.microsoft.com/office/powerpoint/2012/main" xmlns:p14="http://schemas.microsoft.com/office/powerpoint/2010/main" xmlns:com="http://schemas.openxmlformats.org/drawingml/2006/compatibility" xmlns:pvml="urn:schemas-microsoft-com:office:powerpoint" xmlns:v="urn:schemas-microsoft-com:vml" xmlns:o="urn:schemas-microsoft-com:office:office" xmlns:dgm="http://schemas.openxmlformats.org/drawingml/2006/diagram" xmlns:c="http://schemas.openxmlformats.org/drawingml/2006/chart" xmlns:mv="urn:schemas-microsoft-com:mac:vml" xmlns:mc="http://schemas.openxmlformats.org/markup-compatibility/2006" xmlns="" r:id="rId38" roundtripDataSignature="AMtx7mjMa6icsuW/oQ60tQU1vtgAh87bHA=="/>
+      <go:slidesCustomData xmlns="" xmlns:mc="http://schemas.openxmlformats.org/markup-compatibility/2006" xmlns:mv="urn:schemas-microsoft-com:mac:vml" xmlns:c="http://schemas.openxmlformats.org/drawingml/2006/chart" xmlns:dgm="http://schemas.openxmlformats.org/drawingml/2006/diagram" xmlns:o="urn:schemas-microsoft-com:office:office" xmlns:v="urn:schemas-microsoft-com:vml" xmlns:pvml="urn:schemas-microsoft-com:office:powerpoint" xmlns:com="http://schemas.openxmlformats.org/drawingml/2006/compatibility" xmlns:p14="http://schemas.microsoft.com/office/powerpoint/2010/main" xmlns:p15="http://schemas.microsoft.com/office/powerpoint/2012/main" xmlns:go="http://customooxmlschemas.google.com/" r:id="rId38" roundtripDataSignature="AMtx7mjMa6icsuW/oQ60tQU1vtgAh87bHA=="/>
     </p:ext>
   </p:extLst>
 </p:presentation>
@@ -9716,7 +9719,7 @@
         </p:blipFill>
         <p:spPr>
           <a:xfrm>
-            <a:off x="123433" y="1661250"/>
+            <a:off x="123433" y="1601617"/>
             <a:ext cx="6873719" cy="8079435"/>
           </a:xfrm>
           <a:prstGeom prst="rect">
@@ -9726,10 +9729,10 @@
       </p:pic>
       <p:pic>
         <p:nvPicPr>
-          <p:cNvPr id="5" name="Imagem 4" descr="Tela de celular com texto preto sobre fundo branco&#10;&#10;Descrição gerada automaticamente">
+          <p:cNvPr id="7" name="Imagem 6" descr="Tela de celular com publicação numa rede social&#10;&#10;Descrição gerada automaticamente">
             <a:extLst>
               <a:ext uri="{FF2B5EF4-FFF2-40B4-BE49-F238E27FC236}">
-                <a16:creationId xmlns:a16="http://schemas.microsoft.com/office/drawing/2014/main" id="{3535D2F8-261D-422B-A8F0-2838B21A57C4}"/>
+                <a16:creationId xmlns:a16="http://schemas.microsoft.com/office/drawing/2014/main" id="{5EDF2CF3-A3E3-4B86-A76D-7471734E7BB7}"/>
               </a:ext>
             </a:extLst>
           </p:cNvPr>
@@ -9746,8 +9749,8 @@
         </p:blipFill>
         <p:spPr>
           <a:xfrm>
-            <a:off x="6657564" y="1581738"/>
-            <a:ext cx="6413105" cy="8079434"/>
+            <a:off x="6995769" y="1537816"/>
+            <a:ext cx="5954099" cy="8143236"/>
           </a:xfrm>
           <a:prstGeom prst="rect">
             <a:avLst/>
